--- a/Documentation/Presentation.pptx
+++ b/Documentation/Presentation.pptx
@@ -13,6 +13,7 @@
     <p:sldId id="261" r:id="rId7"/>
     <p:sldId id="262" r:id="rId8"/>
     <p:sldId id="263" r:id="rId9"/>
+    <p:sldId id="264" r:id="rId10"/>
   </p:sldIdLst>
   <p:sldSz cx="12192000" cy="6858000"/>
   <p:notesSz cx="6858000" cy="9144000"/>
@@ -111,6 +112,11 @@
       </a:defRPr>
     </a:lvl9pPr>
   </p:defaultTextStyle>
+  <p:extLst>
+    <p:ext uri="{EFAFB233-063F-42B5-8137-9DF3F51BA10A}">
+      <p15:sldGuideLst xmlns:p15="http://schemas.microsoft.com/office/powerpoint/2012/main"/>
+    </p:ext>
+  </p:extLst>
 </p:presentation>
 </file>
 
@@ -261,7 +267,7 @@
           <a:p>
             <a:fld id="{C962A05D-2C16-4961-9F29-EF2DA408E5F4}" type="datetimeFigureOut">
               <a:rPr lang="en-US" smtClean="0"/>
-              <a:t>8/4/2020</a:t>
+              <a:t>8/5/2020</a:t>
             </a:fld>
             <a:endParaRPr lang="en-US"/>
           </a:p>
@@ -459,7 +465,7 @@
           <a:p>
             <a:fld id="{C962A05D-2C16-4961-9F29-EF2DA408E5F4}" type="datetimeFigureOut">
               <a:rPr lang="en-US" smtClean="0"/>
-              <a:t>8/4/2020</a:t>
+              <a:t>8/5/2020</a:t>
             </a:fld>
             <a:endParaRPr lang="en-US"/>
           </a:p>
@@ -667,7 +673,7 @@
           <a:p>
             <a:fld id="{C962A05D-2C16-4961-9F29-EF2DA408E5F4}" type="datetimeFigureOut">
               <a:rPr lang="en-US" smtClean="0"/>
-              <a:t>8/4/2020</a:t>
+              <a:t>8/5/2020</a:t>
             </a:fld>
             <a:endParaRPr lang="en-US"/>
           </a:p>
@@ -865,7 +871,7 @@
           <a:p>
             <a:fld id="{C962A05D-2C16-4961-9F29-EF2DA408E5F4}" type="datetimeFigureOut">
               <a:rPr lang="en-US" smtClean="0"/>
-              <a:t>8/4/2020</a:t>
+              <a:t>8/5/2020</a:t>
             </a:fld>
             <a:endParaRPr lang="en-US"/>
           </a:p>
@@ -1140,7 +1146,7 @@
           <a:p>
             <a:fld id="{C962A05D-2C16-4961-9F29-EF2DA408E5F4}" type="datetimeFigureOut">
               <a:rPr lang="en-US" smtClean="0"/>
-              <a:t>8/4/2020</a:t>
+              <a:t>8/5/2020</a:t>
             </a:fld>
             <a:endParaRPr lang="en-US"/>
           </a:p>
@@ -1405,7 +1411,7 @@
           <a:p>
             <a:fld id="{C962A05D-2C16-4961-9F29-EF2DA408E5F4}" type="datetimeFigureOut">
               <a:rPr lang="en-US" smtClean="0"/>
-              <a:t>8/4/2020</a:t>
+              <a:t>8/5/2020</a:t>
             </a:fld>
             <a:endParaRPr lang="en-US"/>
           </a:p>
@@ -1817,7 +1823,7 @@
           <a:p>
             <a:fld id="{C962A05D-2C16-4961-9F29-EF2DA408E5F4}" type="datetimeFigureOut">
               <a:rPr lang="en-US" smtClean="0"/>
-              <a:t>8/4/2020</a:t>
+              <a:t>8/5/2020</a:t>
             </a:fld>
             <a:endParaRPr lang="en-US"/>
           </a:p>
@@ -1958,7 +1964,7 @@
           <a:p>
             <a:fld id="{C962A05D-2C16-4961-9F29-EF2DA408E5F4}" type="datetimeFigureOut">
               <a:rPr lang="en-US" smtClean="0"/>
-              <a:t>8/4/2020</a:t>
+              <a:t>8/5/2020</a:t>
             </a:fld>
             <a:endParaRPr lang="en-US"/>
           </a:p>
@@ -2071,7 +2077,7 @@
           <a:p>
             <a:fld id="{C962A05D-2C16-4961-9F29-EF2DA408E5F4}" type="datetimeFigureOut">
               <a:rPr lang="en-US" smtClean="0"/>
-              <a:t>8/4/2020</a:t>
+              <a:t>8/5/2020</a:t>
             </a:fld>
             <a:endParaRPr lang="en-US"/>
           </a:p>
@@ -2382,7 +2388,7 @@
           <a:p>
             <a:fld id="{C962A05D-2C16-4961-9F29-EF2DA408E5F4}" type="datetimeFigureOut">
               <a:rPr lang="en-US" smtClean="0"/>
-              <a:t>8/4/2020</a:t>
+              <a:t>8/5/2020</a:t>
             </a:fld>
             <a:endParaRPr lang="en-US"/>
           </a:p>
@@ -2670,7 +2676,7 @@
           <a:p>
             <a:fld id="{C962A05D-2C16-4961-9F29-EF2DA408E5F4}" type="datetimeFigureOut">
               <a:rPr lang="en-US" smtClean="0"/>
-              <a:t>8/4/2020</a:t>
+              <a:t>8/5/2020</a:t>
             </a:fld>
             <a:endParaRPr lang="en-US"/>
           </a:p>
@@ -2911,7 +2917,7 @@
           <a:p>
             <a:fld id="{C962A05D-2C16-4961-9F29-EF2DA408E5F4}" type="datetimeFigureOut">
               <a:rPr lang="en-US" smtClean="0"/>
-              <a:t>8/4/2020</a:t>
+              <a:t>8/5/2020</a:t>
             </a:fld>
             <a:endParaRPr lang="en-US"/>
           </a:p>
@@ -3430,6 +3436,52 @@
           <a:chExt cx="0" cy="0"/>
         </a:xfrm>
       </p:grpSpPr>
+      <p:sp>
+        <p:nvSpPr>
+          <p:cNvPr id="3" name="TextBox 2">
+            <a:extLst>
+              <a:ext uri="{FF2B5EF4-FFF2-40B4-BE49-F238E27FC236}">
+                <a16:creationId xmlns:a16="http://schemas.microsoft.com/office/drawing/2014/main" id="{D65E11F9-2D79-47E4-90FD-45E915B1CFF8}"/>
+              </a:ext>
+            </a:extLst>
+          </p:cNvPr>
+          <p:cNvSpPr txBox="1"/>
+          <p:nvPr/>
+        </p:nvSpPr>
+        <p:spPr>
+          <a:xfrm>
+            <a:off x="3739703" y="330740"/>
+            <a:ext cx="3794950" cy="769441"/>
+          </a:xfrm>
+          <a:prstGeom prst="rect">
+            <a:avLst/>
+          </a:prstGeom>
+          <a:noFill/>
+        </p:spPr>
+        <p:txBody>
+          <a:bodyPr wrap="none" rtlCol="0">
+            <a:spAutoFit/>
+          </a:bodyPr>
+          <a:lstStyle/>
+          <a:p>
+            <a:r>
+              <a:rPr lang="en-US" sz="4400" b="1" dirty="0">
+                <a:solidFill>
+                  <a:schemeClr val="bg1"/>
+                </a:solidFill>
+                <a:latin typeface="Poppins" panose="00000800000000000000"/>
+              </a:rPr>
+              <a:t>TECHNOLOGIES</a:t>
+            </a:r>
+            <a:endParaRPr lang="en-150" sz="4400" b="1" dirty="0">
+              <a:solidFill>
+                <a:schemeClr val="bg1"/>
+              </a:solidFill>
+              <a:latin typeface="Poppins" panose="00000800000000000000"/>
+            </a:endParaRPr>
+          </a:p>
+        </p:txBody>
+      </p:sp>
     </p:spTree>
     <p:extLst>
       <p:ext uri="{BB962C8B-B14F-4D97-AF65-F5344CB8AC3E}">
@@ -3509,7 +3561,7 @@
               <a:buNone/>
             </a:pPr>
             <a:r>
-              <a:rPr lang="en-US" dirty="0">
+              <a:rPr lang="en-US" sz="3200" b="1" dirty="0">
                 <a:latin typeface="Poppins" panose="00000800000000000000" pitchFamily="2" charset="0"/>
                 <a:cs typeface="Poppins" panose="00000800000000000000" pitchFamily="2" charset="0"/>
               </a:rPr>
@@ -3558,7 +3610,25 @@
                 <a:latin typeface="Poppins" panose="00000800000000000000" pitchFamily="2" charset="0"/>
                 <a:cs typeface="Poppins" panose="00000800000000000000" pitchFamily="2" charset="0"/>
               </a:rPr>
-              <a:t>Cron jobs</a:t>
+              <a:t>Commands for Cron job</a:t>
+            </a:r>
+          </a:p>
+          <a:p>
+            <a:r>
+              <a:rPr lang="en-US" dirty="0">
+                <a:latin typeface="Poppins" panose="00000800000000000000" pitchFamily="2" charset="0"/>
+                <a:cs typeface="Poppins" panose="00000800000000000000" pitchFamily="2" charset="0"/>
+              </a:rPr>
+              <a:t>Postman for testing HTTP Requests</a:t>
+            </a:r>
+          </a:p>
+          <a:p>
+            <a:r>
+              <a:rPr lang="en-US" dirty="0">
+                <a:latin typeface="Poppins" panose="00000800000000000000" pitchFamily="2" charset="0"/>
+                <a:cs typeface="Poppins" panose="00000800000000000000" pitchFamily="2" charset="0"/>
+              </a:rPr>
+              <a:t>Unit Tests</a:t>
             </a:r>
           </a:p>
           <a:p>
@@ -3645,7 +3715,7 @@
               <a:buNone/>
             </a:pPr>
             <a:r>
-              <a:rPr lang="en-US" dirty="0">
+              <a:rPr lang="en-US" sz="3200" b="1" dirty="0">
                 <a:latin typeface="Poppins" panose="00000800000000000000" pitchFamily="2" charset="0"/>
                 <a:cs typeface="Poppins" panose="00000800000000000000" pitchFamily="2" charset="0"/>
               </a:rPr>
@@ -3667,7 +3737,16 @@
                 <a:latin typeface="Poppins" panose="00000800000000000000" pitchFamily="2" charset="0"/>
                 <a:cs typeface="Poppins" panose="00000800000000000000" pitchFamily="2" charset="0"/>
               </a:rPr>
-              <a:t>React routing and </a:t>
+              <a:t>Design with Material Design Bootstrap and Adobe Illustrator</a:t>
+            </a:r>
+          </a:p>
+          <a:p>
+            <a:r>
+              <a:rPr lang="en-US" dirty="0">
+                <a:latin typeface="Poppins" panose="00000800000000000000" pitchFamily="2" charset="0"/>
+                <a:cs typeface="Poppins" panose="00000800000000000000" pitchFamily="2" charset="0"/>
+              </a:rPr>
+              <a:t>Routing with React Router</a:t>
             </a:r>
           </a:p>
           <a:p>
@@ -3782,7 +3861,7 @@
         </p:spPr>
         <p:txBody>
           <a:bodyPr>
-            <a:normAutofit fontScale="92500"/>
+            <a:normAutofit/>
           </a:bodyPr>
           <a:lstStyle/>
           <a:p>
@@ -3790,7 +3869,7 @@
               <a:buNone/>
             </a:pPr>
             <a:r>
-              <a:rPr lang="en-US" dirty="0">
+              <a:rPr lang="en-US" sz="3200" b="1" dirty="0">
                 <a:latin typeface="Poppins" panose="00000800000000000000" pitchFamily="2" charset="0"/>
                 <a:cs typeface="Poppins" panose="00000800000000000000" pitchFamily="2" charset="0"/>
               </a:rPr>
@@ -3812,7 +3891,7 @@
                 <a:latin typeface="Poppins" panose="00000800000000000000" pitchFamily="2" charset="0"/>
                 <a:cs typeface="Poppins" panose="00000800000000000000" pitchFamily="2" charset="0"/>
               </a:rPr>
-              <a:t>React Navigation 5</a:t>
+              <a:t>Design with React Native Paper</a:t>
             </a:r>
           </a:p>
           <a:p>
@@ -3821,7 +3900,7 @@
                 <a:latin typeface="Poppins" panose="00000800000000000000" pitchFamily="2" charset="0"/>
                 <a:cs typeface="Poppins" panose="00000800000000000000" pitchFamily="2" charset="0"/>
               </a:rPr>
-              <a:t>Posting text with pictures on timeline</a:t>
+              <a:t>React Navigation 5</a:t>
             </a:r>
           </a:p>
           <a:p>
@@ -3830,25 +3909,7 @@
                 <a:latin typeface="Poppins" panose="00000800000000000000" pitchFamily="2" charset="0"/>
                 <a:cs typeface="Poppins" panose="00000800000000000000" pitchFamily="2" charset="0"/>
               </a:rPr>
-              <a:t>Liking, commenting and sharing posts</a:t>
-            </a:r>
-          </a:p>
-          <a:p>
-            <a:r>
-              <a:rPr lang="en-US" dirty="0">
-                <a:latin typeface="Poppins" panose="00000800000000000000" pitchFamily="2" charset="0"/>
-                <a:cs typeface="Poppins" panose="00000800000000000000" pitchFamily="2" charset="0"/>
-              </a:rPr>
-              <a:t>Follower system like Instagram</a:t>
-            </a:r>
-          </a:p>
-          <a:p>
-            <a:r>
-              <a:rPr lang="en-US" dirty="0">
-                <a:latin typeface="Poppins" panose="00000800000000000000" pitchFamily="2" charset="0"/>
-                <a:cs typeface="Poppins" panose="00000800000000000000" pitchFamily="2" charset="0"/>
-              </a:rPr>
-              <a:t>Viewing own profile and other profiles</a:t>
+              <a:t>Every feature like on website</a:t>
             </a:r>
           </a:p>
           <a:p>
@@ -3950,7 +4011,7 @@
               <a:buNone/>
             </a:pPr>
             <a:r>
-              <a:rPr lang="en-US" dirty="0">
+              <a:rPr lang="en-US" sz="3200" b="1" dirty="0">
                 <a:latin typeface="Poppins" panose="00000800000000000000" pitchFamily="2" charset="0"/>
                 <a:cs typeface="Poppins" panose="00000800000000000000" pitchFamily="2" charset="0"/>
               </a:rPr>
@@ -4096,7 +4157,7 @@
               <a:buNone/>
             </a:pPr>
             <a:r>
-              <a:rPr lang="en-US" dirty="0">
+              <a:rPr lang="en-US" sz="3200" b="1" dirty="0">
                 <a:latin typeface="Poppins" panose="00000800000000000000" pitchFamily="2" charset="0"/>
                 <a:cs typeface="Poppins" panose="00000800000000000000" pitchFamily="2" charset="0"/>
               </a:rPr>
@@ -4163,6 +4224,86 @@
     <p:extLst>
       <p:ext uri="{BB962C8B-B14F-4D97-AF65-F5344CB8AC3E}">
         <p14:creationId xmlns:p14="http://schemas.microsoft.com/office/powerpoint/2010/main" val="2376609314"/>
+      </p:ext>
+    </p:extLst>
+  </p:cSld>
+  <p:clrMapOvr>
+    <a:masterClrMapping/>
+  </p:clrMapOvr>
+</p:sld>
+</file>
+
+<file path=ppt/slides/slide9.xml><?xml version="1.0" encoding="utf-8"?>
+<p:sld xmlns:a="http://schemas.openxmlformats.org/drawingml/2006/main" xmlns:r="http://schemas.openxmlformats.org/officeDocument/2006/relationships" xmlns:p="http://schemas.openxmlformats.org/presentationml/2006/main">
+  <p:cSld>
+    <p:bg>
+      <p:bgPr>
+        <a:blipFill dpi="0" rotWithShape="1">
+          <a:blip r:embed="rId2">
+            <a:lum/>
+          </a:blip>
+          <a:srcRect/>
+          <a:stretch>
+            <a:fillRect/>
+          </a:stretch>
+        </a:blipFill>
+        <a:effectLst/>
+      </p:bgPr>
+    </p:bg>
+    <p:spTree>
+      <p:nvGrpSpPr>
+        <p:cNvPr id="1" name=""/>
+        <p:cNvGrpSpPr/>
+        <p:nvPr/>
+      </p:nvGrpSpPr>
+      <p:grpSpPr>
+        <a:xfrm>
+          <a:off x="0" y="0"/>
+          <a:ext cx="0" cy="0"/>
+          <a:chOff x="0" y="0"/>
+          <a:chExt cx="0" cy="0"/>
+        </a:xfrm>
+      </p:grpSpPr>
+      <p:pic>
+        <p:nvPicPr>
+          <p:cNvPr id="7" name="Picture 6">
+            <a:extLst>
+              <a:ext uri="{FF2B5EF4-FFF2-40B4-BE49-F238E27FC236}">
+                <a16:creationId xmlns:a16="http://schemas.microsoft.com/office/drawing/2014/main" id="{051682AA-FF96-42A3-A1B2-CEC5EC69C2AD}"/>
+              </a:ext>
+            </a:extLst>
+          </p:cNvPr>
+          <p:cNvPicPr>
+            <a:picLocks noChangeAspect="1"/>
+          </p:cNvPicPr>
+          <p:nvPr/>
+        </p:nvPicPr>
+        <p:blipFill>
+          <a:blip r:embed="rId3">
+            <a:extLst>
+              <a:ext uri="{28A0092B-C50C-407E-A947-70E740481C1C}">
+                <a14:useLocalDpi xmlns:a14="http://schemas.microsoft.com/office/drawing/2010/main" val="0"/>
+              </a:ext>
+            </a:extLst>
+          </a:blip>
+          <a:stretch>
+            <a:fillRect/>
+          </a:stretch>
+        </p:blipFill>
+        <p:spPr>
+          <a:xfrm>
+            <a:off x="4007796" y="113914"/>
+            <a:ext cx="4598668" cy="6209063"/>
+          </a:xfrm>
+          <a:prstGeom prst="rect">
+            <a:avLst/>
+          </a:prstGeom>
+        </p:spPr>
+      </p:pic>
+    </p:spTree>
+    <p:extLst>
+      <p:ext uri="{BB962C8B-B14F-4D97-AF65-F5344CB8AC3E}">
+        <p14:creationId xmlns:p14="http://schemas.microsoft.com/office/powerpoint/2010/main" val="3212381746"/>
       </p:ext>
     </p:extLst>
   </p:cSld>

--- a/Documentation/Presentation.pptx
+++ b/Documentation/Presentation.pptx
@@ -267,7 +267,7 @@
           <a:p>
             <a:fld id="{C962A05D-2C16-4961-9F29-EF2DA408E5F4}" type="datetimeFigureOut">
               <a:rPr lang="en-US" smtClean="0"/>
-              <a:t>8/5/2020</a:t>
+              <a:t>8/9/2020</a:t>
             </a:fld>
             <a:endParaRPr lang="en-US"/>
           </a:p>
@@ -465,7 +465,7 @@
           <a:p>
             <a:fld id="{C962A05D-2C16-4961-9F29-EF2DA408E5F4}" type="datetimeFigureOut">
               <a:rPr lang="en-US" smtClean="0"/>
-              <a:t>8/5/2020</a:t>
+              <a:t>8/9/2020</a:t>
             </a:fld>
             <a:endParaRPr lang="en-US"/>
           </a:p>
@@ -673,7 +673,7 @@
           <a:p>
             <a:fld id="{C962A05D-2C16-4961-9F29-EF2DA408E5F4}" type="datetimeFigureOut">
               <a:rPr lang="en-US" smtClean="0"/>
-              <a:t>8/5/2020</a:t>
+              <a:t>8/9/2020</a:t>
             </a:fld>
             <a:endParaRPr lang="en-US"/>
           </a:p>
@@ -871,7 +871,7 @@
           <a:p>
             <a:fld id="{C962A05D-2C16-4961-9F29-EF2DA408E5F4}" type="datetimeFigureOut">
               <a:rPr lang="en-US" smtClean="0"/>
-              <a:t>8/5/2020</a:t>
+              <a:t>8/9/2020</a:t>
             </a:fld>
             <a:endParaRPr lang="en-US"/>
           </a:p>
@@ -1146,7 +1146,7 @@
           <a:p>
             <a:fld id="{C962A05D-2C16-4961-9F29-EF2DA408E5F4}" type="datetimeFigureOut">
               <a:rPr lang="en-US" smtClean="0"/>
-              <a:t>8/5/2020</a:t>
+              <a:t>8/9/2020</a:t>
             </a:fld>
             <a:endParaRPr lang="en-US"/>
           </a:p>
@@ -1411,7 +1411,7 @@
           <a:p>
             <a:fld id="{C962A05D-2C16-4961-9F29-EF2DA408E5F4}" type="datetimeFigureOut">
               <a:rPr lang="en-US" smtClean="0"/>
-              <a:t>8/5/2020</a:t>
+              <a:t>8/9/2020</a:t>
             </a:fld>
             <a:endParaRPr lang="en-US"/>
           </a:p>
@@ -1823,7 +1823,7 @@
           <a:p>
             <a:fld id="{C962A05D-2C16-4961-9F29-EF2DA408E5F4}" type="datetimeFigureOut">
               <a:rPr lang="en-US" smtClean="0"/>
-              <a:t>8/5/2020</a:t>
+              <a:t>8/9/2020</a:t>
             </a:fld>
             <a:endParaRPr lang="en-US"/>
           </a:p>
@@ -1964,7 +1964,7 @@
           <a:p>
             <a:fld id="{C962A05D-2C16-4961-9F29-EF2DA408E5F4}" type="datetimeFigureOut">
               <a:rPr lang="en-US" smtClean="0"/>
-              <a:t>8/5/2020</a:t>
+              <a:t>8/9/2020</a:t>
             </a:fld>
             <a:endParaRPr lang="en-US"/>
           </a:p>
@@ -2077,7 +2077,7 @@
           <a:p>
             <a:fld id="{C962A05D-2C16-4961-9F29-EF2DA408E5F4}" type="datetimeFigureOut">
               <a:rPr lang="en-US" smtClean="0"/>
-              <a:t>8/5/2020</a:t>
+              <a:t>8/9/2020</a:t>
             </a:fld>
             <a:endParaRPr lang="en-US"/>
           </a:p>
@@ -2388,7 +2388,7 @@
           <a:p>
             <a:fld id="{C962A05D-2C16-4961-9F29-EF2DA408E5F4}" type="datetimeFigureOut">
               <a:rPr lang="en-US" smtClean="0"/>
-              <a:t>8/5/2020</a:t>
+              <a:t>8/9/2020</a:t>
             </a:fld>
             <a:endParaRPr lang="en-US"/>
           </a:p>
@@ -2676,7 +2676,7 @@
           <a:p>
             <a:fld id="{C962A05D-2C16-4961-9F29-EF2DA408E5F4}" type="datetimeFigureOut">
               <a:rPr lang="en-US" smtClean="0"/>
-              <a:t>8/5/2020</a:t>
+              <a:t>8/9/2020</a:t>
             </a:fld>
             <a:endParaRPr lang="en-US"/>
           </a:p>
@@ -2917,7 +2917,7 @@
           <a:p>
             <a:fld id="{C962A05D-2C16-4961-9F29-EF2DA408E5F4}" type="datetimeFigureOut">
               <a:rPr lang="en-US" smtClean="0"/>
-              <a:t>8/5/2020</a:t>
+              <a:t>8/9/2020</a:t>
             </a:fld>
             <a:endParaRPr lang="en-US"/>
           </a:p>
@@ -3707,7 +3707,7 @@
         </p:spPr>
         <p:txBody>
           <a:bodyPr>
-            <a:normAutofit lnSpcReduction="10000"/>
+            <a:normAutofit/>
           </a:bodyPr>
           <a:lstStyle/>
           <a:p>
@@ -3737,7 +3737,7 @@
                 <a:latin typeface="Poppins" panose="00000800000000000000" pitchFamily="2" charset="0"/>
                 <a:cs typeface="Poppins" panose="00000800000000000000" pitchFamily="2" charset="0"/>
               </a:rPr>
-              <a:t>Design with Material Design Bootstrap and Adobe Illustrator</a:t>
+              <a:t>Routing with React Router</a:t>
             </a:r>
           </a:p>
           <a:p>
@@ -3746,7 +3746,7 @@
                 <a:latin typeface="Poppins" panose="00000800000000000000" pitchFamily="2" charset="0"/>
                 <a:cs typeface="Poppins" panose="00000800000000000000" pitchFamily="2" charset="0"/>
               </a:rPr>
-              <a:t>Routing with React Router</a:t>
+              <a:t>SEO optimization</a:t>
             </a:r>
           </a:p>
           <a:p>
@@ -3755,41 +3755,8 @@
                 <a:latin typeface="Poppins" panose="00000800000000000000" pitchFamily="2" charset="0"/>
                 <a:cs typeface="Poppins" panose="00000800000000000000" pitchFamily="2" charset="0"/>
               </a:rPr>
-              <a:t>Posting text with pictures on timeline</a:t>
-            </a:r>
-          </a:p>
-          <a:p>
-            <a:r>
-              <a:rPr lang="en-US" dirty="0">
-                <a:latin typeface="Poppins" panose="00000800000000000000" pitchFamily="2" charset="0"/>
-                <a:cs typeface="Poppins" panose="00000800000000000000" pitchFamily="2" charset="0"/>
-              </a:rPr>
-              <a:t>Liking, commenting and sharing posts</a:t>
-            </a:r>
-          </a:p>
-          <a:p>
-            <a:r>
-              <a:rPr lang="en-US" dirty="0">
-                <a:latin typeface="Poppins" panose="00000800000000000000" pitchFamily="2" charset="0"/>
-                <a:cs typeface="Poppins" panose="00000800000000000000" pitchFamily="2" charset="0"/>
-              </a:rPr>
-              <a:t>Follower system like Instagram</a:t>
-            </a:r>
-          </a:p>
-          <a:p>
-            <a:r>
-              <a:rPr lang="en-US" dirty="0">
-                <a:latin typeface="Poppins" panose="00000800000000000000" pitchFamily="2" charset="0"/>
-                <a:cs typeface="Poppins" panose="00000800000000000000" pitchFamily="2" charset="0"/>
-              </a:rPr>
-              <a:t>Viewing own profile and other profiles</a:t>
-            </a:r>
-          </a:p>
-          <a:p>
-            <a:endParaRPr lang="en-US" dirty="0">
-              <a:latin typeface="Poppins" panose="00000800000000000000" pitchFamily="2" charset="0"/>
-              <a:cs typeface="Poppins" panose="00000800000000000000" pitchFamily="2" charset="0"/>
-            </a:endParaRPr>
+              <a:t>Design with Material Design Bootstrap and Adobe Illustrator</a:t>
+            </a:r>
           </a:p>
         </p:txBody>
       </p:sp>
@@ -3909,16 +3876,7 @@
                 <a:latin typeface="Poppins" panose="00000800000000000000" pitchFamily="2" charset="0"/>
                 <a:cs typeface="Poppins" panose="00000800000000000000" pitchFamily="2" charset="0"/>
               </a:rPr>
-              <a:t>Every feature like on website</a:t>
-            </a:r>
-          </a:p>
-          <a:p>
-            <a:r>
-              <a:rPr lang="en-US" dirty="0">
-                <a:latin typeface="Poppins" panose="00000800000000000000" pitchFamily="2" charset="0"/>
-                <a:cs typeface="Poppins" panose="00000800000000000000" pitchFamily="2" charset="0"/>
-              </a:rPr>
-              <a:t>Real time chat system</a:t>
+              <a:t>Real time chat system with Node.js</a:t>
             </a:r>
           </a:p>
           <a:p>

--- a/Documentation/Presentation.pptx
+++ b/Documentation/Presentation.pptx
@@ -267,7 +267,7 @@
           <a:p>
             <a:fld id="{C962A05D-2C16-4961-9F29-EF2DA408E5F4}" type="datetimeFigureOut">
               <a:rPr lang="en-US" smtClean="0"/>
-              <a:t>8/9/2020</a:t>
+              <a:t>8/10/2020</a:t>
             </a:fld>
             <a:endParaRPr lang="en-US"/>
           </a:p>
@@ -465,7 +465,7 @@
           <a:p>
             <a:fld id="{C962A05D-2C16-4961-9F29-EF2DA408E5F4}" type="datetimeFigureOut">
               <a:rPr lang="en-US" smtClean="0"/>
-              <a:t>8/9/2020</a:t>
+              <a:t>8/10/2020</a:t>
             </a:fld>
             <a:endParaRPr lang="en-US"/>
           </a:p>
@@ -673,7 +673,7 @@
           <a:p>
             <a:fld id="{C962A05D-2C16-4961-9F29-EF2DA408E5F4}" type="datetimeFigureOut">
               <a:rPr lang="en-US" smtClean="0"/>
-              <a:t>8/9/2020</a:t>
+              <a:t>8/10/2020</a:t>
             </a:fld>
             <a:endParaRPr lang="en-US"/>
           </a:p>
@@ -871,7 +871,7 @@
           <a:p>
             <a:fld id="{C962A05D-2C16-4961-9F29-EF2DA408E5F4}" type="datetimeFigureOut">
               <a:rPr lang="en-US" smtClean="0"/>
-              <a:t>8/9/2020</a:t>
+              <a:t>8/10/2020</a:t>
             </a:fld>
             <a:endParaRPr lang="en-US"/>
           </a:p>
@@ -1146,7 +1146,7 @@
           <a:p>
             <a:fld id="{C962A05D-2C16-4961-9F29-EF2DA408E5F4}" type="datetimeFigureOut">
               <a:rPr lang="en-US" smtClean="0"/>
-              <a:t>8/9/2020</a:t>
+              <a:t>8/10/2020</a:t>
             </a:fld>
             <a:endParaRPr lang="en-US"/>
           </a:p>
@@ -1411,7 +1411,7 @@
           <a:p>
             <a:fld id="{C962A05D-2C16-4961-9F29-EF2DA408E5F4}" type="datetimeFigureOut">
               <a:rPr lang="en-US" smtClean="0"/>
-              <a:t>8/9/2020</a:t>
+              <a:t>8/10/2020</a:t>
             </a:fld>
             <a:endParaRPr lang="en-US"/>
           </a:p>
@@ -1823,7 +1823,7 @@
           <a:p>
             <a:fld id="{C962A05D-2C16-4961-9F29-EF2DA408E5F4}" type="datetimeFigureOut">
               <a:rPr lang="en-US" smtClean="0"/>
-              <a:t>8/9/2020</a:t>
+              <a:t>8/10/2020</a:t>
             </a:fld>
             <a:endParaRPr lang="en-US"/>
           </a:p>
@@ -1964,7 +1964,7 @@
           <a:p>
             <a:fld id="{C962A05D-2C16-4961-9F29-EF2DA408E5F4}" type="datetimeFigureOut">
               <a:rPr lang="en-US" smtClean="0"/>
-              <a:t>8/9/2020</a:t>
+              <a:t>8/10/2020</a:t>
             </a:fld>
             <a:endParaRPr lang="en-US"/>
           </a:p>
@@ -2077,7 +2077,7 @@
           <a:p>
             <a:fld id="{C962A05D-2C16-4961-9F29-EF2DA408E5F4}" type="datetimeFigureOut">
               <a:rPr lang="en-US" smtClean="0"/>
-              <a:t>8/9/2020</a:t>
+              <a:t>8/10/2020</a:t>
             </a:fld>
             <a:endParaRPr lang="en-US"/>
           </a:p>
@@ -2388,7 +2388,7 @@
           <a:p>
             <a:fld id="{C962A05D-2C16-4961-9F29-EF2DA408E5F4}" type="datetimeFigureOut">
               <a:rPr lang="en-US" smtClean="0"/>
-              <a:t>8/9/2020</a:t>
+              <a:t>8/10/2020</a:t>
             </a:fld>
             <a:endParaRPr lang="en-US"/>
           </a:p>
@@ -2676,7 +2676,7 @@
           <a:p>
             <a:fld id="{C962A05D-2C16-4961-9F29-EF2DA408E5F4}" type="datetimeFigureOut">
               <a:rPr lang="en-US" smtClean="0"/>
-              <a:t>8/9/2020</a:t>
+              <a:t>8/10/2020</a:t>
             </a:fld>
             <a:endParaRPr lang="en-US"/>
           </a:p>
@@ -2917,7 +2917,7 @@
           <a:p>
             <a:fld id="{C962A05D-2C16-4961-9F29-EF2DA408E5F4}" type="datetimeFigureOut">
               <a:rPr lang="en-US" smtClean="0"/>
-              <a:t>8/9/2020</a:t>
+              <a:t>8/10/2020</a:t>
             </a:fld>
             <a:endParaRPr lang="en-US"/>
           </a:p>
@@ -3610,8 +3610,19 @@
                 <a:latin typeface="Poppins" panose="00000800000000000000" pitchFamily="2" charset="0"/>
                 <a:cs typeface="Poppins" panose="00000800000000000000" pitchFamily="2" charset="0"/>
               </a:rPr>
-              <a:t>Commands for Cron job</a:t>
-            </a:r>
+              <a:t>Push Notifications </a:t>
+            </a:r>
+            <a:r>
+              <a:rPr lang="en-US">
+                <a:latin typeface="Poppins" panose="00000800000000000000" pitchFamily="2" charset="0"/>
+                <a:cs typeface="Poppins" panose="00000800000000000000" pitchFamily="2" charset="0"/>
+              </a:rPr>
+              <a:t>with Firebase</a:t>
+            </a:r>
+            <a:endParaRPr lang="en-US" dirty="0">
+              <a:latin typeface="Poppins" panose="00000800000000000000" pitchFamily="2" charset="0"/>
+              <a:cs typeface="Poppins" panose="00000800000000000000" pitchFamily="2" charset="0"/>
+            </a:endParaRPr>
           </a:p>
           <a:p>
             <a:r>

--- a/Documentation/Presentation.pptx
+++ b/Documentation/Presentation.pptx
@@ -7,13 +7,16 @@
   <p:sldIdLst>
     <p:sldId id="256" r:id="rId2"/>
     <p:sldId id="257" r:id="rId3"/>
-    <p:sldId id="258" r:id="rId4"/>
-    <p:sldId id="259" r:id="rId5"/>
-    <p:sldId id="260" r:id="rId6"/>
-    <p:sldId id="261" r:id="rId7"/>
-    <p:sldId id="262" r:id="rId8"/>
-    <p:sldId id="263" r:id="rId9"/>
-    <p:sldId id="264" r:id="rId10"/>
+    <p:sldId id="265" r:id="rId4"/>
+    <p:sldId id="267" r:id="rId5"/>
+    <p:sldId id="258" r:id="rId6"/>
+    <p:sldId id="259" r:id="rId7"/>
+    <p:sldId id="260" r:id="rId8"/>
+    <p:sldId id="261" r:id="rId9"/>
+    <p:sldId id="262" r:id="rId10"/>
+    <p:sldId id="263" r:id="rId11"/>
+    <p:sldId id="266" r:id="rId12"/>
+    <p:sldId id="264" r:id="rId13"/>
   </p:sldIdLst>
   <p:sldSz cx="12192000" cy="6858000"/>
   <p:notesSz cx="6858000" cy="9144000"/>
@@ -267,7 +270,7 @@
           <a:p>
             <a:fld id="{C962A05D-2C16-4961-9F29-EF2DA408E5F4}" type="datetimeFigureOut">
               <a:rPr lang="en-US" smtClean="0"/>
-              <a:t>8/10/2020</a:t>
+              <a:t>8/29/2020</a:t>
             </a:fld>
             <a:endParaRPr lang="en-US"/>
           </a:p>
@@ -465,7 +468,7 @@
           <a:p>
             <a:fld id="{C962A05D-2C16-4961-9F29-EF2DA408E5F4}" type="datetimeFigureOut">
               <a:rPr lang="en-US" smtClean="0"/>
-              <a:t>8/10/2020</a:t>
+              <a:t>8/29/2020</a:t>
             </a:fld>
             <a:endParaRPr lang="en-US"/>
           </a:p>
@@ -673,7 +676,7 @@
           <a:p>
             <a:fld id="{C962A05D-2C16-4961-9F29-EF2DA408E5F4}" type="datetimeFigureOut">
               <a:rPr lang="en-US" smtClean="0"/>
-              <a:t>8/10/2020</a:t>
+              <a:t>8/29/2020</a:t>
             </a:fld>
             <a:endParaRPr lang="en-US"/>
           </a:p>
@@ -871,7 +874,7 @@
           <a:p>
             <a:fld id="{C962A05D-2C16-4961-9F29-EF2DA408E5F4}" type="datetimeFigureOut">
               <a:rPr lang="en-US" smtClean="0"/>
-              <a:t>8/10/2020</a:t>
+              <a:t>8/29/2020</a:t>
             </a:fld>
             <a:endParaRPr lang="en-US"/>
           </a:p>
@@ -1146,7 +1149,7 @@
           <a:p>
             <a:fld id="{C962A05D-2C16-4961-9F29-EF2DA408E5F4}" type="datetimeFigureOut">
               <a:rPr lang="en-US" smtClean="0"/>
-              <a:t>8/10/2020</a:t>
+              <a:t>8/29/2020</a:t>
             </a:fld>
             <a:endParaRPr lang="en-US"/>
           </a:p>
@@ -1411,7 +1414,7 @@
           <a:p>
             <a:fld id="{C962A05D-2C16-4961-9F29-EF2DA408E5F4}" type="datetimeFigureOut">
               <a:rPr lang="en-US" smtClean="0"/>
-              <a:t>8/10/2020</a:t>
+              <a:t>8/29/2020</a:t>
             </a:fld>
             <a:endParaRPr lang="en-US"/>
           </a:p>
@@ -1823,7 +1826,7 @@
           <a:p>
             <a:fld id="{C962A05D-2C16-4961-9F29-EF2DA408E5F4}" type="datetimeFigureOut">
               <a:rPr lang="en-US" smtClean="0"/>
-              <a:t>8/10/2020</a:t>
+              <a:t>8/29/2020</a:t>
             </a:fld>
             <a:endParaRPr lang="en-US"/>
           </a:p>
@@ -1964,7 +1967,7 @@
           <a:p>
             <a:fld id="{C962A05D-2C16-4961-9F29-EF2DA408E5F4}" type="datetimeFigureOut">
               <a:rPr lang="en-US" smtClean="0"/>
-              <a:t>8/10/2020</a:t>
+              <a:t>8/29/2020</a:t>
             </a:fld>
             <a:endParaRPr lang="en-US"/>
           </a:p>
@@ -2077,7 +2080,7 @@
           <a:p>
             <a:fld id="{C962A05D-2C16-4961-9F29-EF2DA408E5F4}" type="datetimeFigureOut">
               <a:rPr lang="en-US" smtClean="0"/>
-              <a:t>8/10/2020</a:t>
+              <a:t>8/29/2020</a:t>
             </a:fld>
             <a:endParaRPr lang="en-US"/>
           </a:p>
@@ -2388,7 +2391,7 @@
           <a:p>
             <a:fld id="{C962A05D-2C16-4961-9F29-EF2DA408E5F4}" type="datetimeFigureOut">
               <a:rPr lang="en-US" smtClean="0"/>
-              <a:t>8/10/2020</a:t>
+              <a:t>8/29/2020</a:t>
             </a:fld>
             <a:endParaRPr lang="en-US"/>
           </a:p>
@@ -2676,7 +2679,7 @@
           <a:p>
             <a:fld id="{C962A05D-2C16-4961-9F29-EF2DA408E5F4}" type="datetimeFigureOut">
               <a:rPr lang="en-US" smtClean="0"/>
-              <a:t>8/10/2020</a:t>
+              <a:t>8/29/2020</a:t>
             </a:fld>
             <a:endParaRPr lang="en-US"/>
           </a:p>
@@ -2917,7 +2920,7 @@
           <a:p>
             <a:fld id="{C962A05D-2C16-4961-9F29-EF2DA408E5F4}" type="datetimeFigureOut">
               <a:rPr lang="en-US" smtClean="0"/>
-              <a:t>8/10/2020</a:t>
+              <a:t>8/29/2020</a:t>
             </a:fld>
             <a:endParaRPr lang="en-US"/>
           </a:p>
@@ -3361,6 +3364,545 @@
 </p:sld>
 </file>
 
+<file path=ppt/slides/slide10.xml><?xml version="1.0" encoding="utf-8"?>
+<p:sld xmlns:a="http://schemas.openxmlformats.org/drawingml/2006/main" xmlns:r="http://schemas.openxmlformats.org/officeDocument/2006/relationships" xmlns:p="http://schemas.openxmlformats.org/presentationml/2006/main">
+  <p:cSld>
+    <p:bg>
+      <p:bgPr>
+        <a:blipFill dpi="0" rotWithShape="1">
+          <a:blip r:embed="rId2">
+            <a:lum/>
+          </a:blip>
+          <a:srcRect/>
+          <a:stretch>
+            <a:fillRect/>
+          </a:stretch>
+        </a:blipFill>
+        <a:effectLst/>
+      </p:bgPr>
+    </p:bg>
+    <p:spTree>
+      <p:nvGrpSpPr>
+        <p:cNvPr id="1" name=""/>
+        <p:cNvGrpSpPr/>
+        <p:nvPr/>
+      </p:nvGrpSpPr>
+      <p:grpSpPr>
+        <a:xfrm>
+          <a:off x="0" y="0"/>
+          <a:ext cx="0" cy="0"/>
+          <a:chOff x="0" y="0"/>
+          <a:chExt cx="0" cy="0"/>
+        </a:xfrm>
+      </p:grpSpPr>
+      <p:sp>
+        <p:nvSpPr>
+          <p:cNvPr id="3" name="Content Placeholder 2">
+            <a:extLst>
+              <a:ext uri="{FF2B5EF4-FFF2-40B4-BE49-F238E27FC236}">
+                <a16:creationId xmlns:a16="http://schemas.microsoft.com/office/drawing/2014/main" id="{2DCEFBBB-9B80-42BD-B675-F87A4308C9CA}"/>
+              </a:ext>
+            </a:extLst>
+          </p:cNvPr>
+          <p:cNvSpPr>
+            <a:spLocks noGrp="1"/>
+          </p:cNvSpPr>
+          <p:nvPr>
+            <p:ph idx="1"/>
+          </p:nvPr>
+        </p:nvSpPr>
+        <p:spPr>
+          <a:xfrm>
+            <a:off x="2715208" y="2024743"/>
+            <a:ext cx="6904653" cy="4320073"/>
+          </a:xfrm>
+        </p:spPr>
+        <p:txBody>
+          <a:bodyPr/>
+          <a:lstStyle/>
+          <a:p>
+            <a:pPr marL="0" indent="0" algn="ctr">
+              <a:buNone/>
+            </a:pPr>
+            <a:r>
+              <a:rPr lang="sr-Latn-RS" sz="3200" b="1" dirty="0">
+                <a:latin typeface="Poppins" panose="00000800000000000000" pitchFamily="2" charset="0"/>
+                <a:cs typeface="Poppins" panose="00000800000000000000" pitchFamily="2" charset="0"/>
+              </a:rPr>
+              <a:t>Sistem za </a:t>
+            </a:r>
+            <a:r>
+              <a:rPr lang="sr-Latn-RS" sz="3200" b="1" dirty="0" err="1">
+                <a:latin typeface="Poppins" panose="00000800000000000000" pitchFamily="2" charset="0"/>
+                <a:cs typeface="Poppins" panose="00000800000000000000" pitchFamily="2" charset="0"/>
+              </a:rPr>
+              <a:t>verzioniranje</a:t>
+            </a:r>
+            <a:endParaRPr lang="en-US" sz="3200" b="1" dirty="0">
+              <a:latin typeface="Poppins" panose="00000800000000000000" pitchFamily="2" charset="0"/>
+              <a:cs typeface="Poppins" panose="00000800000000000000" pitchFamily="2" charset="0"/>
+            </a:endParaRPr>
+          </a:p>
+          <a:p>
+            <a:r>
+              <a:rPr lang="en-US" dirty="0">
+                <a:latin typeface="Poppins" panose="00000800000000000000" pitchFamily="2" charset="0"/>
+                <a:cs typeface="Poppins" panose="00000800000000000000" pitchFamily="2" charset="0"/>
+              </a:rPr>
+              <a:t>GitHub</a:t>
+            </a:r>
+          </a:p>
+          <a:p>
+            <a:r>
+              <a:rPr lang="sr-Latn-RS" dirty="0">
+                <a:latin typeface="Poppins" panose="00000800000000000000" pitchFamily="2" charset="0"/>
+                <a:cs typeface="Poppins" panose="00000800000000000000" pitchFamily="2" charset="0"/>
+              </a:rPr>
+              <a:t>Preko 100 komitova</a:t>
+            </a:r>
+            <a:endParaRPr lang="en-US" dirty="0">
+              <a:latin typeface="Poppins" panose="00000800000000000000" pitchFamily="2" charset="0"/>
+              <a:cs typeface="Poppins" panose="00000800000000000000" pitchFamily="2" charset="0"/>
+            </a:endParaRPr>
+          </a:p>
+          <a:p>
+            <a:r>
+              <a:rPr lang="sr-Latn-RS" dirty="0">
+                <a:latin typeface="Poppins" panose="00000800000000000000" pitchFamily="2" charset="0"/>
+                <a:cs typeface="Poppins" panose="00000800000000000000" pitchFamily="2" charset="0"/>
+              </a:rPr>
+              <a:t>Oko</a:t>
+            </a:r>
+            <a:r>
+              <a:rPr lang="en-US" dirty="0">
+                <a:latin typeface="Poppins" panose="00000800000000000000" pitchFamily="2" charset="0"/>
+                <a:cs typeface="Poppins" panose="00000800000000000000" pitchFamily="2" charset="0"/>
+              </a:rPr>
+              <a:t> 100</a:t>
+            </a:r>
+            <a:r>
+              <a:rPr lang="sr-Latn-RS" dirty="0">
+                <a:latin typeface="Poppins" panose="00000800000000000000" pitchFamily="2" charset="0"/>
+                <a:cs typeface="Poppins" panose="00000800000000000000" pitchFamily="2" charset="0"/>
+              </a:rPr>
+              <a:t>,000</a:t>
+            </a:r>
+            <a:r>
+              <a:rPr lang="en-US" dirty="0">
+                <a:latin typeface="Poppins" panose="00000800000000000000" pitchFamily="2" charset="0"/>
+                <a:cs typeface="Poppins" panose="00000800000000000000" pitchFamily="2" charset="0"/>
+              </a:rPr>
+              <a:t> </a:t>
+            </a:r>
+            <a:r>
+              <a:rPr lang="sr-Latn-RS" dirty="0">
+                <a:latin typeface="Poppins" panose="00000800000000000000" pitchFamily="2" charset="0"/>
+                <a:cs typeface="Poppins" panose="00000800000000000000" pitchFamily="2" charset="0"/>
+              </a:rPr>
+              <a:t>linija koda</a:t>
+            </a:r>
+            <a:endParaRPr lang="en-US" dirty="0">
+              <a:latin typeface="Poppins" panose="00000800000000000000" pitchFamily="2" charset="0"/>
+              <a:cs typeface="Poppins" panose="00000800000000000000" pitchFamily="2" charset="0"/>
+            </a:endParaRPr>
+          </a:p>
+          <a:p>
+            <a:r>
+              <a:rPr lang="en-US" dirty="0">
+                <a:latin typeface="Poppins" panose="00000800000000000000" pitchFamily="2" charset="0"/>
+                <a:cs typeface="Poppins" panose="00000800000000000000" pitchFamily="2" charset="0"/>
+              </a:rPr>
+              <a:t>60% JavaScript</a:t>
+            </a:r>
+          </a:p>
+          <a:p>
+            <a:r>
+              <a:rPr lang="en-US" dirty="0">
+                <a:latin typeface="Poppins" panose="00000800000000000000" pitchFamily="2" charset="0"/>
+                <a:cs typeface="Poppins" panose="00000800000000000000" pitchFamily="2" charset="0"/>
+              </a:rPr>
+              <a:t>33% PHP</a:t>
+            </a:r>
+          </a:p>
+          <a:p>
+            <a:r>
+              <a:rPr lang="en-US" dirty="0">
+                <a:latin typeface="Poppins" panose="00000800000000000000" pitchFamily="2" charset="0"/>
+                <a:cs typeface="Poppins" panose="00000800000000000000" pitchFamily="2" charset="0"/>
+              </a:rPr>
+              <a:t>9% </a:t>
+            </a:r>
+            <a:r>
+              <a:rPr lang="sr-Latn-RS" dirty="0">
+                <a:latin typeface="Poppins" panose="00000800000000000000" pitchFamily="2" charset="0"/>
+                <a:cs typeface="Poppins" panose="00000800000000000000" pitchFamily="2" charset="0"/>
+              </a:rPr>
+              <a:t>ostalo</a:t>
+            </a:r>
+            <a:endParaRPr lang="en-US" dirty="0">
+              <a:latin typeface="Poppins" panose="00000800000000000000" pitchFamily="2" charset="0"/>
+              <a:cs typeface="Poppins" panose="00000800000000000000" pitchFamily="2" charset="0"/>
+            </a:endParaRPr>
+          </a:p>
+        </p:txBody>
+      </p:sp>
+      <p:pic>
+        <p:nvPicPr>
+          <p:cNvPr id="4" name="Picture 3">
+            <a:extLst>
+              <a:ext uri="{FF2B5EF4-FFF2-40B4-BE49-F238E27FC236}">
+                <a16:creationId xmlns:a16="http://schemas.microsoft.com/office/drawing/2014/main" id="{9A5F535D-6A4A-42C9-8CD5-536EE5AF96AD}"/>
+              </a:ext>
+            </a:extLst>
+          </p:cNvPr>
+          <p:cNvPicPr>
+            <a:picLocks noChangeAspect="1"/>
+          </p:cNvPicPr>
+          <p:nvPr/>
+        </p:nvPicPr>
+        <p:blipFill>
+          <a:blip r:embed="rId3">
+            <a:extLst>
+              <a:ext uri="{28A0092B-C50C-407E-A947-70E740481C1C}">
+                <a14:useLocalDpi xmlns:a14="http://schemas.microsoft.com/office/drawing/2010/main" val="0"/>
+              </a:ext>
+            </a:extLst>
+          </a:blip>
+          <a:stretch>
+            <a:fillRect/>
+          </a:stretch>
+        </p:blipFill>
+        <p:spPr>
+          <a:xfrm>
+            <a:off x="5953455" y="4101833"/>
+            <a:ext cx="3523337" cy="1945431"/>
+          </a:xfrm>
+          <a:prstGeom prst="rect">
+            <a:avLst/>
+          </a:prstGeom>
+        </p:spPr>
+      </p:pic>
+    </p:spTree>
+    <p:extLst>
+      <p:ext uri="{BB962C8B-B14F-4D97-AF65-F5344CB8AC3E}">
+        <p14:creationId xmlns:p14="http://schemas.microsoft.com/office/powerpoint/2010/main" val="2376609314"/>
+      </p:ext>
+    </p:extLst>
+  </p:cSld>
+  <p:clrMapOvr>
+    <a:masterClrMapping/>
+  </p:clrMapOvr>
+</p:sld>
+</file>
+
+<file path=ppt/slides/slide11.xml><?xml version="1.0" encoding="utf-8"?>
+<p:sld xmlns:a="http://schemas.openxmlformats.org/drawingml/2006/main" xmlns:r="http://schemas.openxmlformats.org/officeDocument/2006/relationships" xmlns:p="http://schemas.openxmlformats.org/presentationml/2006/main">
+  <p:cSld>
+    <p:bg>
+      <p:bgPr>
+        <a:blipFill dpi="0" rotWithShape="1">
+          <a:blip r:embed="rId2">
+            <a:lum/>
+          </a:blip>
+          <a:srcRect/>
+          <a:stretch>
+            <a:fillRect/>
+          </a:stretch>
+        </a:blipFill>
+        <a:effectLst/>
+      </p:bgPr>
+    </p:bg>
+    <p:spTree>
+      <p:nvGrpSpPr>
+        <p:cNvPr id="1" name=""/>
+        <p:cNvGrpSpPr/>
+        <p:nvPr/>
+      </p:nvGrpSpPr>
+      <p:grpSpPr>
+        <a:xfrm>
+          <a:off x="0" y="0"/>
+          <a:ext cx="0" cy="0"/>
+          <a:chOff x="0" y="0"/>
+          <a:chExt cx="0" cy="0"/>
+        </a:xfrm>
+      </p:grpSpPr>
+      <p:sp>
+        <p:nvSpPr>
+          <p:cNvPr id="3" name="Content Placeholder 2">
+            <a:extLst>
+              <a:ext uri="{FF2B5EF4-FFF2-40B4-BE49-F238E27FC236}">
+                <a16:creationId xmlns:a16="http://schemas.microsoft.com/office/drawing/2014/main" id="{1FBE294E-D3F6-4346-AFB4-563AD9E7DED8}"/>
+              </a:ext>
+            </a:extLst>
+          </p:cNvPr>
+          <p:cNvSpPr>
+            <a:spLocks noGrp="1"/>
+          </p:cNvSpPr>
+          <p:nvPr>
+            <p:ph idx="1"/>
+          </p:nvPr>
+        </p:nvSpPr>
+        <p:spPr>
+          <a:xfrm>
+            <a:off x="2743200" y="2015411"/>
+            <a:ext cx="6913984" cy="4590662"/>
+          </a:xfrm>
+        </p:spPr>
+        <p:txBody>
+          <a:bodyPr>
+            <a:normAutofit fontScale="77500" lnSpcReduction="20000"/>
+          </a:bodyPr>
+          <a:lstStyle/>
+          <a:p>
+            <a:pPr marL="0" marR="0" lvl="0" indent="0" algn="ctr">
+              <a:lnSpc>
+                <a:spcPct val="115000"/>
+              </a:lnSpc>
+              <a:spcBef>
+                <a:spcPts val="4200"/>
+              </a:spcBef>
+              <a:spcAft>
+                <a:spcPts val="0"/>
+              </a:spcAft>
+              <a:buNone/>
+            </a:pPr>
+            <a:r>
+              <a:rPr lang="sr-Latn-RS" sz="3400" b="1" kern="0" dirty="0">
+                <a:effectLst/>
+                <a:latin typeface="Poppins" panose="00000800000000000000" pitchFamily="2" charset="0"/>
+                <a:cs typeface="Poppins" panose="00000800000000000000" pitchFamily="2" charset="0"/>
+              </a:rPr>
+              <a:t>Zaključak</a:t>
+            </a:r>
+            <a:endParaRPr lang="en-US" sz="3400" b="1" kern="0" dirty="0">
+              <a:effectLst/>
+              <a:latin typeface="Poppins" panose="00000800000000000000" pitchFamily="2" charset="0"/>
+              <a:cs typeface="Poppins" panose="00000800000000000000" pitchFamily="2" charset="0"/>
+            </a:endParaRPr>
+          </a:p>
+          <a:p>
+            <a:pPr marL="0" marR="0" indent="0" algn="just">
+              <a:lnSpc>
+                <a:spcPct val="115000"/>
+              </a:lnSpc>
+              <a:spcBef>
+                <a:spcPts val="300"/>
+              </a:spcBef>
+              <a:spcAft>
+                <a:spcPts val="0"/>
+              </a:spcAft>
+              <a:buNone/>
+            </a:pPr>
+            <a:r>
+              <a:rPr lang="sr-Latn-RS" sz="2600" dirty="0">
+                <a:effectLst/>
+                <a:latin typeface="Poppins" panose="00000800000000000000" pitchFamily="2" charset="0"/>
+                <a:ea typeface="Times New Roman" panose="02020603050405020304" pitchFamily="18" charset="0"/>
+                <a:cs typeface="Poppins" panose="00000800000000000000" pitchFamily="2" charset="0"/>
+              </a:rPr>
+              <a:t>Čitav proces od razvoja do implementacije projekta je bilo zadovoljavajući i izazovan. Svi ciljevi su uspešno postignuti i ostvareni. Napravljen je jedan uniformni sistem koji funkcioniše na više operativnih sistema i uređaja. Neverovatno sam puno naučio i napredovao u tom periodu i nastaviću da radim na sebi, svojim veštinama i proširiću još više znanje u sferi web programiranja. Ekspanzija ovog projekta je naravno lako moguća i neke od bitnijih funkcionalnosti koje bih dodao su:</a:t>
+            </a:r>
+            <a:endParaRPr lang="en-US" sz="2600" dirty="0">
+              <a:effectLst/>
+              <a:latin typeface="Poppins" panose="00000800000000000000" pitchFamily="2" charset="0"/>
+              <a:ea typeface="Times New Roman" panose="02020603050405020304" pitchFamily="18" charset="0"/>
+              <a:cs typeface="Poppins" panose="00000800000000000000" pitchFamily="2" charset="0"/>
+            </a:endParaRPr>
+          </a:p>
+          <a:p>
+            <a:pPr marL="342900" marR="0" lvl="0" indent="-342900" algn="just">
+              <a:lnSpc>
+                <a:spcPct val="115000"/>
+              </a:lnSpc>
+              <a:spcBef>
+                <a:spcPts val="300"/>
+              </a:spcBef>
+              <a:spcAft>
+                <a:spcPts val="0"/>
+              </a:spcAft>
+              <a:buFont typeface="Symbol" panose="05050102010706020507" pitchFamily="18" charset="2"/>
+              <a:buChar char=""/>
+            </a:pPr>
+            <a:r>
+              <a:rPr lang="sr-Latn-RS" sz="2600" dirty="0">
+                <a:effectLst/>
+                <a:latin typeface="Poppins" panose="00000800000000000000" pitchFamily="2" charset="0"/>
+                <a:ea typeface="Times New Roman" panose="02020603050405020304" pitchFamily="18" charset="0"/>
+                <a:cs typeface="Poppins" panose="00000800000000000000" pitchFamily="2" charset="0"/>
+              </a:rPr>
+              <a:t>Poboljšani čet sistem</a:t>
+            </a:r>
+            <a:endParaRPr lang="en-US" sz="2600" dirty="0">
+              <a:effectLst/>
+              <a:latin typeface="Poppins" panose="00000800000000000000" pitchFamily="2" charset="0"/>
+              <a:ea typeface="Times New Roman" panose="02020603050405020304" pitchFamily="18" charset="0"/>
+              <a:cs typeface="Poppins" panose="00000800000000000000" pitchFamily="2" charset="0"/>
+            </a:endParaRPr>
+          </a:p>
+          <a:p>
+            <a:pPr marL="342900" marR="0" lvl="0" indent="-342900" algn="just">
+              <a:lnSpc>
+                <a:spcPct val="115000"/>
+              </a:lnSpc>
+              <a:spcBef>
+                <a:spcPts val="300"/>
+              </a:spcBef>
+              <a:spcAft>
+                <a:spcPts val="0"/>
+              </a:spcAft>
+              <a:buFont typeface="Symbol" panose="05050102010706020507" pitchFamily="18" charset="2"/>
+              <a:buChar char=""/>
+            </a:pPr>
+            <a:r>
+              <a:rPr lang="sr-Latn-RS" sz="2600" dirty="0">
+                <a:effectLst/>
+                <a:latin typeface="Poppins" panose="00000800000000000000" pitchFamily="2" charset="0"/>
+                <a:ea typeface="Times New Roman" panose="02020603050405020304" pitchFamily="18" charset="0"/>
+                <a:cs typeface="Poppins" panose="00000800000000000000" pitchFamily="2" charset="0"/>
+              </a:rPr>
+              <a:t>Dodavanje video snimaka u objave</a:t>
+            </a:r>
+            <a:endParaRPr lang="en-US" sz="2600" dirty="0">
+              <a:effectLst/>
+              <a:latin typeface="Poppins" panose="00000800000000000000" pitchFamily="2" charset="0"/>
+              <a:ea typeface="Times New Roman" panose="02020603050405020304" pitchFamily="18" charset="0"/>
+              <a:cs typeface="Poppins" panose="00000800000000000000" pitchFamily="2" charset="0"/>
+            </a:endParaRPr>
+          </a:p>
+          <a:p>
+            <a:pPr marL="342900" marR="0" lvl="0" indent="-342900" algn="just">
+              <a:lnSpc>
+                <a:spcPct val="115000"/>
+              </a:lnSpc>
+              <a:spcBef>
+                <a:spcPts val="300"/>
+              </a:spcBef>
+              <a:spcAft>
+                <a:spcPts val="0"/>
+              </a:spcAft>
+              <a:buFont typeface="Symbol" panose="05050102010706020507" pitchFamily="18" charset="2"/>
+              <a:buChar char=""/>
+            </a:pPr>
+            <a:r>
+              <a:rPr lang="sr-Latn-RS" sz="2600" dirty="0">
+                <a:effectLst/>
+                <a:latin typeface="Poppins" panose="00000800000000000000" pitchFamily="2" charset="0"/>
+                <a:ea typeface="Times New Roman" panose="02020603050405020304" pitchFamily="18" charset="0"/>
+                <a:cs typeface="Poppins" panose="00000800000000000000" pitchFamily="2" charset="0"/>
+              </a:rPr>
+              <a:t>Administrativni deo za nadzor</a:t>
+            </a:r>
+            <a:endParaRPr lang="en-US" sz="2600" dirty="0">
+              <a:effectLst/>
+              <a:latin typeface="Poppins" panose="00000800000000000000" pitchFamily="2" charset="0"/>
+              <a:ea typeface="Times New Roman" panose="02020603050405020304" pitchFamily="18" charset="0"/>
+              <a:cs typeface="Poppins" panose="00000800000000000000" pitchFamily="2" charset="0"/>
+            </a:endParaRPr>
+          </a:p>
+          <a:p>
+            <a:pPr marL="0" indent="0">
+              <a:buNone/>
+            </a:pPr>
+            <a:endParaRPr lang="en-US" dirty="0">
+              <a:latin typeface="Poppins" panose="00000800000000000000" pitchFamily="2" charset="0"/>
+              <a:cs typeface="Poppins" panose="00000800000000000000" pitchFamily="2" charset="0"/>
+            </a:endParaRPr>
+          </a:p>
+        </p:txBody>
+      </p:sp>
+    </p:spTree>
+    <p:extLst>
+      <p:ext uri="{BB962C8B-B14F-4D97-AF65-F5344CB8AC3E}">
+        <p14:creationId xmlns:p14="http://schemas.microsoft.com/office/powerpoint/2010/main" val="3558241466"/>
+      </p:ext>
+    </p:extLst>
+  </p:cSld>
+  <p:clrMapOvr>
+    <a:masterClrMapping/>
+  </p:clrMapOvr>
+</p:sld>
+</file>
+
+<file path=ppt/slides/slide12.xml><?xml version="1.0" encoding="utf-8"?>
+<p:sld xmlns:a="http://schemas.openxmlformats.org/drawingml/2006/main" xmlns:r="http://schemas.openxmlformats.org/officeDocument/2006/relationships" xmlns:p="http://schemas.openxmlformats.org/presentationml/2006/main">
+  <p:cSld>
+    <p:bg>
+      <p:bgPr>
+        <a:blipFill dpi="0" rotWithShape="1">
+          <a:blip r:embed="rId2">
+            <a:lum/>
+          </a:blip>
+          <a:srcRect/>
+          <a:stretch>
+            <a:fillRect/>
+          </a:stretch>
+        </a:blipFill>
+        <a:effectLst/>
+      </p:bgPr>
+    </p:bg>
+    <p:spTree>
+      <p:nvGrpSpPr>
+        <p:cNvPr id="1" name=""/>
+        <p:cNvGrpSpPr/>
+        <p:nvPr/>
+      </p:nvGrpSpPr>
+      <p:grpSpPr>
+        <a:xfrm>
+          <a:off x="0" y="0"/>
+          <a:ext cx="0" cy="0"/>
+          <a:chOff x="0" y="0"/>
+          <a:chExt cx="0" cy="0"/>
+        </a:xfrm>
+      </p:grpSpPr>
+      <p:pic>
+        <p:nvPicPr>
+          <p:cNvPr id="7" name="Picture 6">
+            <a:extLst>
+              <a:ext uri="{FF2B5EF4-FFF2-40B4-BE49-F238E27FC236}">
+                <a16:creationId xmlns:a16="http://schemas.microsoft.com/office/drawing/2014/main" id="{051682AA-FF96-42A3-A1B2-CEC5EC69C2AD}"/>
+              </a:ext>
+            </a:extLst>
+          </p:cNvPr>
+          <p:cNvPicPr>
+            <a:picLocks noChangeAspect="1"/>
+          </p:cNvPicPr>
+          <p:nvPr/>
+        </p:nvPicPr>
+        <p:blipFill>
+          <a:blip r:embed="rId3">
+            <a:extLst>
+              <a:ext uri="{28A0092B-C50C-407E-A947-70E740481C1C}">
+                <a14:useLocalDpi xmlns:a14="http://schemas.microsoft.com/office/drawing/2010/main" val="0"/>
+              </a:ext>
+            </a:extLst>
+          </a:blip>
+          <a:stretch>
+            <a:fillRect/>
+          </a:stretch>
+        </p:blipFill>
+        <p:spPr>
+          <a:xfrm>
+            <a:off x="4007796" y="113914"/>
+            <a:ext cx="4598668" cy="6209063"/>
+          </a:xfrm>
+          <a:prstGeom prst="rect">
+            <a:avLst/>
+          </a:prstGeom>
+        </p:spPr>
+      </p:pic>
+    </p:spTree>
+    <p:extLst>
+      <p:ext uri="{BB962C8B-B14F-4D97-AF65-F5344CB8AC3E}">
+        <p14:creationId xmlns:p14="http://schemas.microsoft.com/office/powerpoint/2010/main" val="3212381746"/>
+      </p:ext>
+    </p:extLst>
+  </p:cSld>
+  <p:clrMapOvr>
+    <a:masterClrMapping/>
+  </p:clrMapOvr>
+</p:sld>
+</file>
+
 <file path=ppt/slides/slide2.xml><?xml version="1.0" encoding="utf-8"?>
 <p:sld xmlns:a="http://schemas.openxmlformats.org/drawingml/2006/main" xmlns:r="http://schemas.openxmlformats.org/officeDocument/2006/relationships" xmlns:p="http://schemas.openxmlformats.org/presentationml/2006/main">
   <p:cSld>
@@ -3438,10 +3980,10 @@
       </p:grpSpPr>
       <p:sp>
         <p:nvSpPr>
-          <p:cNvPr id="3" name="TextBox 2">
-            <a:extLst>
-              <a:ext uri="{FF2B5EF4-FFF2-40B4-BE49-F238E27FC236}">
-                <a16:creationId xmlns:a16="http://schemas.microsoft.com/office/drawing/2014/main" id="{D65E11F9-2D79-47E4-90FD-45E915B1CFF8}"/>
+          <p:cNvPr id="4" name="TextBox 3">
+            <a:extLst>
+              <a:ext uri="{FF2B5EF4-FFF2-40B4-BE49-F238E27FC236}">
+                <a16:creationId xmlns:a16="http://schemas.microsoft.com/office/drawing/2014/main" id="{0F8CB369-8F27-4FA4-A274-85FA865A9D21}"/>
               </a:ext>
             </a:extLst>
           </p:cNvPr>
@@ -3450,8 +3992,8 @@
         </p:nvSpPr>
         <p:spPr>
           <a:xfrm>
-            <a:off x="3739703" y="330740"/>
-            <a:ext cx="3794950" cy="769441"/>
+            <a:off x="2789853" y="2089285"/>
+            <a:ext cx="6839339" cy="3959545"/>
           </a:xfrm>
           <a:prstGeom prst="rect">
             <a:avLst/>
@@ -3459,25 +4001,336 @@
           <a:noFill/>
         </p:spPr>
         <p:txBody>
-          <a:bodyPr wrap="none" rtlCol="0">
+          <a:bodyPr wrap="square" rtlCol="0">
             <a:spAutoFit/>
           </a:bodyPr>
           <a:lstStyle/>
           <a:p>
-            <a:r>
-              <a:rPr lang="en-US" sz="4400" b="1" dirty="0">
-                <a:solidFill>
-                  <a:schemeClr val="bg1"/>
-                </a:solidFill>
-                <a:latin typeface="Poppins" panose="00000800000000000000"/>
-              </a:rPr>
-              <a:t>TECHNOLOGIES</a:t>
-            </a:r>
-            <a:endParaRPr lang="en-150" sz="4400" b="1" dirty="0">
-              <a:solidFill>
-                <a:schemeClr val="bg1"/>
-              </a:solidFill>
-              <a:latin typeface="Poppins" panose="00000800000000000000"/>
+            <a:pPr marL="0" marR="0" algn="ctr">
+              <a:lnSpc>
+                <a:spcPct val="115000"/>
+              </a:lnSpc>
+              <a:spcBef>
+                <a:spcPts val="4200"/>
+              </a:spcBef>
+              <a:spcAft>
+                <a:spcPts val="0"/>
+              </a:spcAft>
+            </a:pPr>
+            <a:r>
+              <a:rPr lang="sr-Latn-RS" sz="3200" b="1" dirty="0">
+                <a:effectLst/>
+                <a:latin typeface="Poppins" panose="00000800000000000000" pitchFamily="2" charset="0"/>
+                <a:ea typeface="Times New Roman" panose="02020603050405020304" pitchFamily="18" charset="0"/>
+                <a:cs typeface="Poppins" panose="00000800000000000000" pitchFamily="2" charset="0"/>
+              </a:rPr>
+              <a:t>Zadatak završnog rada</a:t>
+            </a:r>
+            <a:endParaRPr lang="en-US" sz="3200" b="1" dirty="0">
+              <a:effectLst/>
+              <a:latin typeface="Poppins" panose="00000800000000000000" pitchFamily="2" charset="0"/>
+              <a:ea typeface="Times New Roman" panose="02020603050405020304" pitchFamily="18" charset="0"/>
+              <a:cs typeface="Poppins" panose="00000800000000000000" pitchFamily="2" charset="0"/>
+            </a:endParaRPr>
+          </a:p>
+          <a:p>
+            <a:pPr marL="342900" marR="0" lvl="0" indent="-342900" algn="just">
+              <a:lnSpc>
+                <a:spcPct val="115000"/>
+              </a:lnSpc>
+              <a:spcBef>
+                <a:spcPts val="300"/>
+              </a:spcBef>
+              <a:spcAft>
+                <a:spcPts val="0"/>
+              </a:spcAft>
+              <a:buFont typeface="Symbol" panose="05050102010706020507" pitchFamily="18" charset="2"/>
+              <a:buChar char=""/>
+            </a:pPr>
+            <a:r>
+              <a:rPr lang="sr-Latn-RS" sz="2000" dirty="0">
+                <a:effectLst/>
+                <a:latin typeface="Poppins" panose="00000800000000000000" pitchFamily="2" charset="0"/>
+                <a:ea typeface="Times New Roman" panose="02020603050405020304" pitchFamily="18" charset="0"/>
+                <a:cs typeface="Poppins" panose="00000800000000000000" pitchFamily="2" charset="0"/>
+              </a:rPr>
+              <a:t>Proučiti, naučiti i savladati </a:t>
+            </a:r>
+            <a:r>
+              <a:rPr lang="sr-Latn-RS" sz="2000" dirty="0" err="1">
+                <a:effectLst/>
+                <a:latin typeface="Poppins" panose="00000800000000000000" pitchFamily="2" charset="0"/>
+                <a:ea typeface="Times New Roman" panose="02020603050405020304" pitchFamily="18" charset="0"/>
+                <a:cs typeface="Poppins" panose="00000800000000000000" pitchFamily="2" charset="0"/>
+              </a:rPr>
+              <a:t>Symfony</a:t>
+            </a:r>
+            <a:r>
+              <a:rPr lang="sr-Latn-RS" sz="2000" dirty="0">
+                <a:effectLst/>
+                <a:latin typeface="Poppins" panose="00000800000000000000" pitchFamily="2" charset="0"/>
+                <a:ea typeface="Times New Roman" panose="02020603050405020304" pitchFamily="18" charset="0"/>
+                <a:cs typeface="Poppins" panose="00000800000000000000" pitchFamily="2" charset="0"/>
+              </a:rPr>
+              <a:t>, </a:t>
+            </a:r>
+            <a:r>
+              <a:rPr lang="sr-Latn-RS" sz="2000" dirty="0" err="1">
+                <a:effectLst/>
+                <a:latin typeface="Poppins" panose="00000800000000000000" pitchFamily="2" charset="0"/>
+                <a:ea typeface="Times New Roman" panose="02020603050405020304" pitchFamily="18" charset="0"/>
+                <a:cs typeface="Poppins" panose="00000800000000000000" pitchFamily="2" charset="0"/>
+              </a:rPr>
+              <a:t>React</a:t>
+            </a:r>
+            <a:r>
+              <a:rPr lang="sr-Latn-RS" sz="2000" dirty="0">
+                <a:effectLst/>
+                <a:latin typeface="Poppins" panose="00000800000000000000" pitchFamily="2" charset="0"/>
+                <a:ea typeface="Times New Roman" panose="02020603050405020304" pitchFamily="18" charset="0"/>
+                <a:cs typeface="Poppins" panose="00000800000000000000" pitchFamily="2" charset="0"/>
+              </a:rPr>
+              <a:t>, </a:t>
+            </a:r>
+            <a:r>
+              <a:rPr lang="sr-Latn-RS" sz="2000" dirty="0" err="1">
+                <a:effectLst/>
+                <a:latin typeface="Poppins" panose="00000800000000000000" pitchFamily="2" charset="0"/>
+                <a:ea typeface="Times New Roman" panose="02020603050405020304" pitchFamily="18" charset="0"/>
+                <a:cs typeface="Poppins" panose="00000800000000000000" pitchFamily="2" charset="0"/>
+              </a:rPr>
+              <a:t>React</a:t>
+            </a:r>
+            <a:r>
+              <a:rPr lang="sr-Latn-RS" sz="2000" dirty="0">
+                <a:effectLst/>
+                <a:latin typeface="Poppins" panose="00000800000000000000" pitchFamily="2" charset="0"/>
+                <a:ea typeface="Times New Roman" panose="02020603050405020304" pitchFamily="18" charset="0"/>
+                <a:cs typeface="Poppins" panose="00000800000000000000" pitchFamily="2" charset="0"/>
+              </a:rPr>
+              <a:t> </a:t>
+            </a:r>
+            <a:r>
+              <a:rPr lang="sr-Latn-RS" sz="2000" dirty="0" err="1">
+                <a:effectLst/>
+                <a:latin typeface="Poppins" panose="00000800000000000000" pitchFamily="2" charset="0"/>
+                <a:ea typeface="Times New Roman" panose="02020603050405020304" pitchFamily="18" charset="0"/>
+                <a:cs typeface="Poppins" panose="00000800000000000000" pitchFamily="2" charset="0"/>
+              </a:rPr>
+              <a:t>Native</a:t>
+            </a:r>
+            <a:r>
+              <a:rPr lang="sr-Latn-RS" sz="2000" dirty="0">
+                <a:effectLst/>
+                <a:latin typeface="Poppins" panose="00000800000000000000" pitchFamily="2" charset="0"/>
+                <a:ea typeface="Times New Roman" panose="02020603050405020304" pitchFamily="18" charset="0"/>
+                <a:cs typeface="Poppins" panose="00000800000000000000" pitchFamily="2" charset="0"/>
+              </a:rPr>
+              <a:t> i Node.js</a:t>
+            </a:r>
+            <a:endParaRPr lang="en-US" sz="2000" dirty="0">
+              <a:effectLst/>
+              <a:latin typeface="Poppins" panose="00000800000000000000" pitchFamily="2" charset="0"/>
+              <a:ea typeface="Times New Roman" panose="02020603050405020304" pitchFamily="18" charset="0"/>
+              <a:cs typeface="Poppins" panose="00000800000000000000" pitchFamily="2" charset="0"/>
+            </a:endParaRPr>
+          </a:p>
+          <a:p>
+            <a:pPr marL="342900" marR="0" lvl="0" indent="-342900" algn="just">
+              <a:lnSpc>
+                <a:spcPct val="115000"/>
+              </a:lnSpc>
+              <a:spcBef>
+                <a:spcPts val="300"/>
+              </a:spcBef>
+              <a:spcAft>
+                <a:spcPts val="0"/>
+              </a:spcAft>
+              <a:buFont typeface="Symbol" panose="05050102010706020507" pitchFamily="18" charset="2"/>
+              <a:buChar char=""/>
+            </a:pPr>
+            <a:r>
+              <a:rPr lang="sr-Latn-RS" sz="2000" dirty="0">
+                <a:effectLst/>
+                <a:latin typeface="Poppins" panose="00000800000000000000" pitchFamily="2" charset="0"/>
+                <a:ea typeface="Times New Roman" panose="02020603050405020304" pitchFamily="18" charset="0"/>
+                <a:cs typeface="Poppins" panose="00000800000000000000" pitchFamily="2" charset="0"/>
+              </a:rPr>
+              <a:t>Realizovati integrisani web sistem primenom savremenih internet tehnologija</a:t>
+            </a:r>
+            <a:endParaRPr lang="en-US" sz="2000" dirty="0">
+              <a:effectLst/>
+              <a:latin typeface="Poppins" panose="00000800000000000000" pitchFamily="2" charset="0"/>
+              <a:ea typeface="Times New Roman" panose="02020603050405020304" pitchFamily="18" charset="0"/>
+              <a:cs typeface="Poppins" panose="00000800000000000000" pitchFamily="2" charset="0"/>
+            </a:endParaRPr>
+          </a:p>
+          <a:p>
+            <a:pPr marL="342900" marR="0" lvl="0" indent="-342900" algn="just">
+              <a:lnSpc>
+                <a:spcPct val="115000"/>
+              </a:lnSpc>
+              <a:spcBef>
+                <a:spcPts val="300"/>
+              </a:spcBef>
+              <a:spcAft>
+                <a:spcPts val="0"/>
+              </a:spcAft>
+              <a:buFont typeface="Symbol" panose="05050102010706020507" pitchFamily="18" charset="2"/>
+              <a:buChar char=""/>
+            </a:pPr>
+            <a:r>
+              <a:rPr lang="sr-Latn-RS" sz="2000" dirty="0">
+                <a:effectLst/>
+                <a:latin typeface="Poppins" panose="00000800000000000000" pitchFamily="2" charset="0"/>
+                <a:ea typeface="Times New Roman" panose="02020603050405020304" pitchFamily="18" charset="0"/>
+                <a:cs typeface="Poppins" panose="00000800000000000000" pitchFamily="2" charset="0"/>
+              </a:rPr>
+              <a:t>U realizaciji sistema koristiti: </a:t>
+            </a:r>
+            <a:r>
+              <a:rPr lang="sr-Latn-RS" sz="2000" dirty="0" err="1">
+                <a:effectLst/>
+                <a:latin typeface="Poppins" panose="00000800000000000000" pitchFamily="2" charset="0"/>
+                <a:ea typeface="Times New Roman" panose="02020603050405020304" pitchFamily="18" charset="0"/>
+                <a:cs typeface="Poppins" panose="00000800000000000000" pitchFamily="2" charset="0"/>
+              </a:rPr>
+              <a:t>Symfony</a:t>
+            </a:r>
+            <a:r>
+              <a:rPr lang="sr-Latn-RS" sz="2000" dirty="0">
+                <a:effectLst/>
+                <a:latin typeface="Poppins" panose="00000800000000000000" pitchFamily="2" charset="0"/>
+                <a:ea typeface="Times New Roman" panose="02020603050405020304" pitchFamily="18" charset="0"/>
+                <a:cs typeface="Poppins" panose="00000800000000000000" pitchFamily="2" charset="0"/>
+              </a:rPr>
+              <a:t>, </a:t>
+            </a:r>
+            <a:r>
+              <a:rPr lang="sr-Latn-RS" sz="2000" dirty="0" err="1">
+                <a:effectLst/>
+                <a:latin typeface="Poppins" panose="00000800000000000000" pitchFamily="2" charset="0"/>
+                <a:ea typeface="Times New Roman" panose="02020603050405020304" pitchFamily="18" charset="0"/>
+                <a:cs typeface="Poppins" panose="00000800000000000000" pitchFamily="2" charset="0"/>
+              </a:rPr>
+              <a:t>React</a:t>
+            </a:r>
+            <a:r>
+              <a:rPr lang="sr-Latn-RS" sz="2000" dirty="0">
+                <a:effectLst/>
+                <a:latin typeface="Poppins" panose="00000800000000000000" pitchFamily="2" charset="0"/>
+                <a:ea typeface="Times New Roman" panose="02020603050405020304" pitchFamily="18" charset="0"/>
+                <a:cs typeface="Poppins" panose="00000800000000000000" pitchFamily="2" charset="0"/>
+              </a:rPr>
+              <a:t>, </a:t>
+            </a:r>
+            <a:r>
+              <a:rPr lang="sr-Latn-RS" sz="2000" dirty="0" err="1">
+                <a:effectLst/>
+                <a:latin typeface="Poppins" panose="00000800000000000000" pitchFamily="2" charset="0"/>
+                <a:ea typeface="Times New Roman" panose="02020603050405020304" pitchFamily="18" charset="0"/>
+                <a:cs typeface="Poppins" panose="00000800000000000000" pitchFamily="2" charset="0"/>
+              </a:rPr>
+              <a:t>React</a:t>
+            </a:r>
+            <a:r>
+              <a:rPr lang="sr-Latn-RS" sz="2000" dirty="0">
+                <a:effectLst/>
+                <a:latin typeface="Poppins" panose="00000800000000000000" pitchFamily="2" charset="0"/>
+                <a:ea typeface="Times New Roman" panose="02020603050405020304" pitchFamily="18" charset="0"/>
+                <a:cs typeface="Poppins" panose="00000800000000000000" pitchFamily="2" charset="0"/>
+              </a:rPr>
+              <a:t> </a:t>
+            </a:r>
+            <a:r>
+              <a:rPr lang="sr-Latn-RS" sz="2000" dirty="0" err="1">
+                <a:effectLst/>
+                <a:latin typeface="Poppins" panose="00000800000000000000" pitchFamily="2" charset="0"/>
+                <a:ea typeface="Times New Roman" panose="02020603050405020304" pitchFamily="18" charset="0"/>
+                <a:cs typeface="Poppins" panose="00000800000000000000" pitchFamily="2" charset="0"/>
+              </a:rPr>
+              <a:t>Native</a:t>
+            </a:r>
+            <a:r>
+              <a:rPr lang="sr-Latn-RS" sz="2000" dirty="0">
+                <a:effectLst/>
+                <a:latin typeface="Poppins" panose="00000800000000000000" pitchFamily="2" charset="0"/>
+                <a:ea typeface="Times New Roman" panose="02020603050405020304" pitchFamily="18" charset="0"/>
+                <a:cs typeface="Poppins" panose="00000800000000000000" pitchFamily="2" charset="0"/>
+              </a:rPr>
+              <a:t>, Node.js</a:t>
+            </a:r>
+            <a:endParaRPr lang="en-US" sz="2000" dirty="0">
+              <a:effectLst/>
+              <a:latin typeface="Poppins" panose="00000800000000000000" pitchFamily="2" charset="0"/>
+              <a:ea typeface="Times New Roman" panose="02020603050405020304" pitchFamily="18" charset="0"/>
+              <a:cs typeface="Poppins" panose="00000800000000000000" pitchFamily="2" charset="0"/>
+            </a:endParaRPr>
+          </a:p>
+          <a:p>
+            <a:pPr marL="342900" marR="0" lvl="0" indent="-342900" algn="just">
+              <a:lnSpc>
+                <a:spcPct val="115000"/>
+              </a:lnSpc>
+              <a:spcBef>
+                <a:spcPts val="300"/>
+              </a:spcBef>
+              <a:spcAft>
+                <a:spcPts val="0"/>
+              </a:spcAft>
+              <a:buFont typeface="Symbol" panose="05050102010706020507" pitchFamily="18" charset="2"/>
+              <a:buChar char=""/>
+            </a:pPr>
+            <a:r>
+              <a:rPr lang="sr-Latn-RS" sz="2000" dirty="0">
+                <a:effectLst/>
+                <a:latin typeface="Poppins" panose="00000800000000000000" pitchFamily="2" charset="0"/>
+                <a:ea typeface="Times New Roman" panose="02020603050405020304" pitchFamily="18" charset="0"/>
+                <a:cs typeface="Poppins" panose="00000800000000000000" pitchFamily="2" charset="0"/>
+              </a:rPr>
+              <a:t>Realizovani sistem postaviti na web server</a:t>
+            </a:r>
+            <a:endParaRPr lang="en-US" sz="2000" dirty="0">
+              <a:effectLst/>
+              <a:latin typeface="Poppins" panose="00000800000000000000" pitchFamily="2" charset="0"/>
+              <a:ea typeface="Times New Roman" panose="02020603050405020304" pitchFamily="18" charset="0"/>
+              <a:cs typeface="Poppins" panose="00000800000000000000" pitchFamily="2" charset="0"/>
+            </a:endParaRPr>
+          </a:p>
+          <a:p>
+            <a:pPr marL="342900" marR="0" lvl="0" indent="-342900" algn="just">
+              <a:lnSpc>
+                <a:spcPct val="115000"/>
+              </a:lnSpc>
+              <a:spcBef>
+                <a:spcPts val="300"/>
+              </a:spcBef>
+              <a:spcAft>
+                <a:spcPts val="0"/>
+              </a:spcAft>
+              <a:buFont typeface="Symbol" panose="05050102010706020507" pitchFamily="18" charset="2"/>
+              <a:buChar char=""/>
+            </a:pPr>
+            <a:r>
+              <a:rPr lang="sr-Latn-RS" sz="2000" dirty="0">
+                <a:effectLst/>
+                <a:latin typeface="Poppins" panose="00000800000000000000" pitchFamily="2" charset="0"/>
+                <a:ea typeface="Times New Roman" panose="02020603050405020304" pitchFamily="18" charset="0"/>
+                <a:cs typeface="Poppins" panose="00000800000000000000" pitchFamily="2" charset="0"/>
+              </a:rPr>
+              <a:t>Testirati integrisani sistem u realnom okruženju</a:t>
+            </a:r>
+            <a:endParaRPr lang="en-US" sz="2000" dirty="0">
+              <a:effectLst/>
+              <a:latin typeface="Poppins" panose="00000800000000000000" pitchFamily="2" charset="0"/>
+              <a:ea typeface="Times New Roman" panose="02020603050405020304" pitchFamily="18" charset="0"/>
+              <a:cs typeface="Poppins" panose="00000800000000000000" pitchFamily="2" charset="0"/>
+            </a:endParaRPr>
+          </a:p>
+          <a:p>
+            <a:endParaRPr lang="en-US" dirty="0">
+              <a:latin typeface="Poppins" panose="00000800000000000000" pitchFamily="2" charset="0"/>
+              <a:cs typeface="Poppins" panose="00000800000000000000" pitchFamily="2" charset="0"/>
             </a:endParaRPr>
           </a:p>
         </p:txBody>
@@ -3485,7 +4338,7 @@
     </p:spTree>
     <p:extLst>
       <p:ext uri="{BB962C8B-B14F-4D97-AF65-F5344CB8AC3E}">
-        <p14:creationId xmlns:p14="http://schemas.microsoft.com/office/powerpoint/2010/main" val="1973686683"/>
+        <p14:creationId xmlns:p14="http://schemas.microsoft.com/office/powerpoint/2010/main" val="3384520257"/>
       </p:ext>
     </p:extLst>
   </p:cSld>
@@ -3503,11 +4356,6 @@
         <a:blipFill dpi="0" rotWithShape="1">
           <a:blip r:embed="rId2">
             <a:lum/>
-            <a:extLst>
-              <a:ext uri="{96DAC541-7B7A-43D3-8B79-37D633B846F1}">
-                <asvg:svgBlip xmlns:asvg="http://schemas.microsoft.com/office/drawing/2016/SVG/main" r:embed="rId3"/>
-              </a:ext>
-            </a:extLst>
           </a:blip>
           <a:srcRect/>
           <a:stretch>
@@ -3533,10 +4381,10 @@
       </p:grpSpPr>
       <p:sp>
         <p:nvSpPr>
-          <p:cNvPr id="3" name="Content Placeholder 2">
-            <a:extLst>
-              <a:ext uri="{FF2B5EF4-FFF2-40B4-BE49-F238E27FC236}">
-                <a16:creationId xmlns:a16="http://schemas.microsoft.com/office/drawing/2014/main" id="{E3455A49-1044-4D9F-94FB-F299B4019A43}"/>
+          <p:cNvPr id="5" name="Content Placeholder 4">
+            <a:extLst>
+              <a:ext uri="{FF2B5EF4-FFF2-40B4-BE49-F238E27FC236}">
+                <a16:creationId xmlns:a16="http://schemas.microsoft.com/office/drawing/2014/main" id="{F9B30408-8046-4DBB-AF31-B148BAB05EDF}"/>
               </a:ext>
             </a:extLst>
           </p:cNvPr>
@@ -3549,8 +4397,8 @@
         </p:nvSpPr>
         <p:spPr>
           <a:xfrm>
-            <a:off x="2727527" y="2127378"/>
-            <a:ext cx="6873673" cy="4180115"/>
+            <a:off x="2715208" y="2062064"/>
+            <a:ext cx="6923314" cy="4282751"/>
           </a:xfrm>
         </p:spPr>
         <p:txBody>
@@ -3561,99 +4409,132 @@
               <a:buNone/>
             </a:pPr>
             <a:r>
-              <a:rPr lang="en-US" sz="3200" b="1" dirty="0">
-                <a:latin typeface="Poppins" panose="00000800000000000000" pitchFamily="2" charset="0"/>
-                <a:cs typeface="Poppins" panose="00000800000000000000" pitchFamily="2" charset="0"/>
-              </a:rPr>
-              <a:t>API Features</a:t>
-            </a:r>
-          </a:p>
-          <a:p>
+              <a:rPr lang="sr-Latn-RS" dirty="0" err="1">
+                <a:latin typeface="Poppins" panose="00000800000000000000" pitchFamily="2" charset="0"/>
+                <a:cs typeface="Poppins" panose="00000800000000000000" pitchFamily="2" charset="0"/>
+              </a:rPr>
+              <a:t>Vebsajt</a:t>
+            </a:r>
             <a:r>
               <a:rPr lang="en-US" dirty="0">
                 <a:latin typeface="Poppins" panose="00000800000000000000" pitchFamily="2" charset="0"/>
                 <a:cs typeface="Poppins" panose="00000800000000000000" pitchFamily="2" charset="0"/>
               </a:rPr>
-              <a:t>Fully stateless with REST best practices</a:t>
-            </a:r>
-          </a:p>
-          <a:p>
-            <a:r>
-              <a:rPr lang="en-US" dirty="0">
-                <a:latin typeface="Poppins" panose="00000800000000000000" pitchFamily="2" charset="0"/>
-                <a:cs typeface="Poppins" panose="00000800000000000000" pitchFamily="2" charset="0"/>
-              </a:rPr>
-              <a:t>JWT authentication</a:t>
-            </a:r>
-          </a:p>
-          <a:p>
-            <a:r>
-              <a:rPr lang="en-US" dirty="0">
-                <a:latin typeface="Poppins" panose="00000800000000000000" pitchFamily="2" charset="0"/>
-                <a:cs typeface="Poppins" panose="00000800000000000000" pitchFamily="2" charset="0"/>
-              </a:rPr>
-              <a:t>Communicating with MySQL via Doctrine</a:t>
-            </a:r>
-          </a:p>
-          <a:p>
-            <a:r>
-              <a:rPr lang="en-US" dirty="0">
-                <a:latin typeface="Poppins" panose="00000800000000000000" pitchFamily="2" charset="0"/>
-                <a:cs typeface="Poppins" panose="00000800000000000000" pitchFamily="2" charset="0"/>
-              </a:rPr>
-              <a:t>Mail Service with Swift Mailer</a:t>
-            </a:r>
-          </a:p>
-          <a:p>
-            <a:r>
-              <a:rPr lang="en-US" dirty="0">
-                <a:latin typeface="Poppins" panose="00000800000000000000" pitchFamily="2" charset="0"/>
-                <a:cs typeface="Poppins" panose="00000800000000000000" pitchFamily="2" charset="0"/>
-              </a:rPr>
-              <a:t>Push Notifications </a:t>
-            </a:r>
-            <a:r>
-              <a:rPr lang="en-US">
-                <a:latin typeface="Poppins" panose="00000800000000000000" pitchFamily="2" charset="0"/>
-                <a:cs typeface="Poppins" panose="00000800000000000000" pitchFamily="2" charset="0"/>
-              </a:rPr>
-              <a:t>with Firebase</a:t>
-            </a:r>
-            <a:endParaRPr lang="en-US" dirty="0">
+              <a:t>/</a:t>
+            </a:r>
+            <a:r>
+              <a:rPr lang="sr-Latn-RS" dirty="0">
+                <a:latin typeface="Poppins" panose="00000800000000000000" pitchFamily="2" charset="0"/>
+                <a:cs typeface="Poppins" panose="00000800000000000000" pitchFamily="2" charset="0"/>
+              </a:rPr>
+              <a:t>Aplikacija</a:t>
+            </a:r>
+          </a:p>
+          <a:p>
+            <a:r>
+              <a:rPr lang="sr-Latn-RS" dirty="0">
+                <a:latin typeface="Poppins" panose="00000800000000000000" pitchFamily="2" charset="0"/>
+                <a:cs typeface="Poppins" panose="00000800000000000000" pitchFamily="2" charset="0"/>
+              </a:rPr>
+              <a:t>Objave </a:t>
+            </a:r>
+            <a:r>
+              <a:rPr lang="sr-Latn-RS" sz="1800" dirty="0">
+                <a:latin typeface="Poppins" panose="00000800000000000000" pitchFamily="2" charset="0"/>
+                <a:cs typeface="Poppins" panose="00000800000000000000" pitchFamily="2" charset="0"/>
+              </a:rPr>
+              <a:t>(</a:t>
+            </a:r>
+            <a:r>
+              <a:rPr lang="sr-Latn-RS" sz="1800" dirty="0" err="1">
+                <a:latin typeface="Poppins" panose="00000800000000000000" pitchFamily="2" charset="0"/>
+                <a:cs typeface="Poppins" panose="00000800000000000000" pitchFamily="2" charset="0"/>
+              </a:rPr>
+              <a:t>Dodavanje,Lajkovanje,Komentovanje</a:t>
+            </a:r>
+            <a:r>
+              <a:rPr lang="sr-Latn-RS" sz="1800" dirty="0">
+                <a:latin typeface="Poppins" panose="00000800000000000000" pitchFamily="2" charset="0"/>
+                <a:cs typeface="Poppins" panose="00000800000000000000" pitchFamily="2" charset="0"/>
+              </a:rPr>
+              <a:t>)</a:t>
+            </a:r>
+          </a:p>
+          <a:p>
+            <a:r>
+              <a:rPr lang="sr-Latn-RS" dirty="0">
+                <a:latin typeface="Poppins" panose="00000800000000000000" pitchFamily="2" charset="0"/>
+                <a:cs typeface="Poppins" panose="00000800000000000000" pitchFamily="2" charset="0"/>
+              </a:rPr>
+              <a:t>Profil</a:t>
+            </a:r>
+            <a:r>
+              <a:rPr lang="sr-Latn-RS" sz="1800" dirty="0">
+                <a:latin typeface="Poppins" panose="00000800000000000000" pitchFamily="2" charset="0"/>
+                <a:cs typeface="Poppins" panose="00000800000000000000" pitchFamily="2" charset="0"/>
+              </a:rPr>
+              <a:t> (</a:t>
+            </a:r>
+            <a:r>
+              <a:rPr lang="sr-Latn-RS" sz="1800" dirty="0" err="1">
+                <a:latin typeface="Poppins" panose="00000800000000000000" pitchFamily="2" charset="0"/>
+                <a:cs typeface="Poppins" panose="00000800000000000000" pitchFamily="2" charset="0"/>
+              </a:rPr>
+              <a:t>Pregled,Izmena</a:t>
+            </a:r>
+            <a:r>
+              <a:rPr lang="sr-Latn-RS" sz="1800" dirty="0">
+                <a:latin typeface="Poppins" panose="00000800000000000000" pitchFamily="2" charset="0"/>
+                <a:cs typeface="Poppins" panose="00000800000000000000" pitchFamily="2" charset="0"/>
+              </a:rPr>
+              <a:t>)</a:t>
+            </a:r>
+          </a:p>
+          <a:p>
+            <a:r>
+              <a:rPr lang="sr-Latn-RS" dirty="0">
+                <a:latin typeface="Poppins" panose="00000800000000000000" pitchFamily="2" charset="0"/>
+                <a:cs typeface="Poppins" panose="00000800000000000000" pitchFamily="2" charset="0"/>
+              </a:rPr>
+              <a:t>Pratioci</a:t>
+            </a:r>
+          </a:p>
+          <a:p>
+            <a:r>
+              <a:rPr lang="sr-Latn-RS" dirty="0">
+                <a:latin typeface="Poppins" panose="00000800000000000000" pitchFamily="2" charset="0"/>
+                <a:cs typeface="Poppins" panose="00000800000000000000" pitchFamily="2" charset="0"/>
+              </a:rPr>
+              <a:t>Čet</a:t>
+            </a:r>
+          </a:p>
+          <a:p>
+            <a:r>
+              <a:rPr lang="sr-Latn-RS" dirty="0">
+                <a:latin typeface="Poppins" panose="00000800000000000000" pitchFamily="2" charset="0"/>
+                <a:cs typeface="Poppins" panose="00000800000000000000" pitchFamily="2" charset="0"/>
+              </a:rPr>
+              <a:t>Pretraga</a:t>
+            </a:r>
+          </a:p>
+          <a:p>
+            <a:endParaRPr lang="sr-Latn-RS" dirty="0">
               <a:latin typeface="Poppins" panose="00000800000000000000" pitchFamily="2" charset="0"/>
               <a:cs typeface="Poppins" panose="00000800000000000000" pitchFamily="2" charset="0"/>
             </a:endParaRPr>
           </a:p>
           <a:p>
-            <a:r>
-              <a:rPr lang="en-US" dirty="0">
-                <a:latin typeface="Poppins" panose="00000800000000000000" pitchFamily="2" charset="0"/>
-                <a:cs typeface="Poppins" panose="00000800000000000000" pitchFamily="2" charset="0"/>
-              </a:rPr>
-              <a:t>Postman for testing HTTP Requests</a:t>
-            </a:r>
-          </a:p>
-          <a:p>
-            <a:r>
-              <a:rPr lang="en-US" dirty="0">
-                <a:latin typeface="Poppins" panose="00000800000000000000" pitchFamily="2" charset="0"/>
-                <a:cs typeface="Poppins" panose="00000800000000000000" pitchFamily="2" charset="0"/>
-              </a:rPr>
-              <a:t>Unit Tests</a:t>
-            </a:r>
-          </a:p>
-          <a:p>
-            <a:endParaRPr lang="en-US" dirty="0">
-              <a:latin typeface="Poppins" panose="00000800000000000000" pitchFamily="2" charset="0"/>
-              <a:cs typeface="Poppins" panose="00000800000000000000" pitchFamily="2" charset="0"/>
-            </a:endParaRPr>
+            <a:pPr marL="0" indent="0">
+              <a:buNone/>
+            </a:pPr>
+            <a:endParaRPr lang="en-US" dirty="0"/>
           </a:p>
         </p:txBody>
       </p:sp>
     </p:spTree>
     <p:extLst>
       <p:ext uri="{BB962C8B-B14F-4D97-AF65-F5344CB8AC3E}">
-        <p14:creationId xmlns:p14="http://schemas.microsoft.com/office/powerpoint/2010/main" val="2310990720"/>
+        <p14:creationId xmlns:p14="http://schemas.microsoft.com/office/powerpoint/2010/main" val="757978983"/>
       </p:ext>
     </p:extLst>
   </p:cSld>
@@ -3696,85 +4577,54 @@
       </p:grpSpPr>
       <p:sp>
         <p:nvSpPr>
-          <p:cNvPr id="3" name="Content Placeholder 2">
-            <a:extLst>
-              <a:ext uri="{FF2B5EF4-FFF2-40B4-BE49-F238E27FC236}">
-                <a16:creationId xmlns:a16="http://schemas.microsoft.com/office/drawing/2014/main" id="{B0146762-3F1F-41B8-8FBC-8A6F46DDEE11}"/>
-              </a:ext>
-            </a:extLst>
-          </p:cNvPr>
-          <p:cNvSpPr>
-            <a:spLocks noGrp="1"/>
-          </p:cNvSpPr>
-          <p:nvPr>
-            <p:ph idx="1"/>
-          </p:nvPr>
+          <p:cNvPr id="3" name="TextBox 2">
+            <a:extLst>
+              <a:ext uri="{FF2B5EF4-FFF2-40B4-BE49-F238E27FC236}">
+                <a16:creationId xmlns:a16="http://schemas.microsoft.com/office/drawing/2014/main" id="{D65E11F9-2D79-47E4-90FD-45E915B1CFF8}"/>
+              </a:ext>
+            </a:extLst>
+          </p:cNvPr>
+          <p:cNvSpPr txBox="1"/>
+          <p:nvPr/>
         </p:nvSpPr>
         <p:spPr>
           <a:xfrm>
-            <a:off x="2733869" y="2080727"/>
-            <a:ext cx="6923316" cy="4366726"/>
+            <a:off x="4074453" y="312079"/>
+            <a:ext cx="4043094" cy="769441"/>
           </a:xfrm>
+          <a:prstGeom prst="rect">
+            <a:avLst/>
+          </a:prstGeom>
+          <a:noFill/>
         </p:spPr>
         <p:txBody>
-          <a:bodyPr>
-            <a:normAutofit/>
+          <a:bodyPr wrap="none" rtlCol="0">
+            <a:spAutoFit/>
           </a:bodyPr>
           <a:lstStyle/>
           <a:p>
-            <a:pPr marL="0" indent="0" algn="ctr">
-              <a:buNone/>
-            </a:pPr>
-            <a:r>
-              <a:rPr lang="en-US" sz="3200" b="1" dirty="0">
-                <a:latin typeface="Poppins" panose="00000800000000000000" pitchFamily="2" charset="0"/>
-                <a:cs typeface="Poppins" panose="00000800000000000000" pitchFamily="2" charset="0"/>
-              </a:rPr>
-              <a:t>Website Features</a:t>
-            </a:r>
-          </a:p>
-          <a:p>
-            <a:r>
-              <a:rPr lang="en-US" dirty="0">
-                <a:latin typeface="Poppins" panose="00000800000000000000" pitchFamily="2" charset="0"/>
-                <a:cs typeface="Poppins" panose="00000800000000000000" pitchFamily="2" charset="0"/>
-              </a:rPr>
-              <a:t>React app with class components</a:t>
-            </a:r>
-          </a:p>
-          <a:p>
-            <a:r>
-              <a:rPr lang="en-US" dirty="0">
-                <a:latin typeface="Poppins" panose="00000800000000000000" pitchFamily="2" charset="0"/>
-                <a:cs typeface="Poppins" panose="00000800000000000000" pitchFamily="2" charset="0"/>
-              </a:rPr>
-              <a:t>Routing with React Router</a:t>
-            </a:r>
-          </a:p>
-          <a:p>
-            <a:r>
-              <a:rPr lang="en-US" dirty="0">
-                <a:latin typeface="Poppins" panose="00000800000000000000" pitchFamily="2" charset="0"/>
-                <a:cs typeface="Poppins" panose="00000800000000000000" pitchFamily="2" charset="0"/>
-              </a:rPr>
-              <a:t>SEO optimization</a:t>
-            </a:r>
-          </a:p>
-          <a:p>
-            <a:r>
-              <a:rPr lang="en-US" dirty="0">
-                <a:latin typeface="Poppins" panose="00000800000000000000" pitchFamily="2" charset="0"/>
-                <a:cs typeface="Poppins" panose="00000800000000000000" pitchFamily="2" charset="0"/>
-              </a:rPr>
-              <a:t>Design with Material Design Bootstrap and Adobe Illustrator</a:t>
-            </a:r>
+            <a:r>
+              <a:rPr lang="en-US" sz="4400" b="1" dirty="0">
+                <a:solidFill>
+                  <a:schemeClr val="bg1"/>
+                </a:solidFill>
+                <a:latin typeface="Poppins" panose="00000800000000000000"/>
+              </a:rPr>
+              <a:t>TEHNOLOGIJE</a:t>
+            </a:r>
+            <a:endParaRPr lang="en-150" sz="4400" b="1" dirty="0">
+              <a:solidFill>
+                <a:schemeClr val="bg1"/>
+              </a:solidFill>
+              <a:latin typeface="Poppins" panose="00000800000000000000"/>
+            </a:endParaRPr>
           </a:p>
         </p:txBody>
       </p:sp>
     </p:spTree>
     <p:extLst>
       <p:ext uri="{BB962C8B-B14F-4D97-AF65-F5344CB8AC3E}">
-        <p14:creationId xmlns:p14="http://schemas.microsoft.com/office/powerpoint/2010/main" val="4228688664"/>
+        <p14:creationId xmlns:p14="http://schemas.microsoft.com/office/powerpoint/2010/main" val="1973686683"/>
       </p:ext>
     </p:extLst>
   </p:cSld>
@@ -3820,7 +4670,7 @@
           <p:cNvPr id="3" name="Content Placeholder 2">
             <a:extLst>
               <a:ext uri="{FF2B5EF4-FFF2-40B4-BE49-F238E27FC236}">
-                <a16:creationId xmlns:a16="http://schemas.microsoft.com/office/drawing/2014/main" id="{3E0D7515-C89D-4928-80C4-42A82C62CEDC}"/>
+                <a16:creationId xmlns:a16="http://schemas.microsoft.com/office/drawing/2014/main" id="{E3455A49-1044-4D9F-94FB-F299B4019A43}"/>
               </a:ext>
             </a:extLst>
           </p:cNvPr>
@@ -3833,8 +4683,8 @@
         </p:nvSpPr>
         <p:spPr>
           <a:xfrm>
-            <a:off x="2705878" y="2034073"/>
-            <a:ext cx="6969967" cy="4320074"/>
+            <a:off x="2727527" y="2127378"/>
+            <a:ext cx="6873673" cy="4180115"/>
           </a:xfrm>
         </p:spPr>
         <p:txBody>
@@ -3851,8 +4701,19 @@
                 <a:latin typeface="Poppins" panose="00000800000000000000" pitchFamily="2" charset="0"/>
                 <a:cs typeface="Poppins" panose="00000800000000000000" pitchFamily="2" charset="0"/>
               </a:rPr>
-              <a:t>Mobile App Features</a:t>
-            </a:r>
+              <a:t>API </a:t>
+            </a:r>
+            <a:r>
+              <a:rPr lang="en-US" sz="3200" b="1" dirty="0" err="1">
+                <a:latin typeface="Poppins" panose="00000800000000000000" pitchFamily="2" charset="0"/>
+                <a:cs typeface="Poppins" panose="00000800000000000000" pitchFamily="2" charset="0"/>
+              </a:rPr>
+              <a:t>specifikacije</a:t>
+            </a:r>
+            <a:endParaRPr lang="en-US" sz="3200" b="1" dirty="0">
+              <a:latin typeface="Poppins" panose="00000800000000000000" pitchFamily="2" charset="0"/>
+              <a:cs typeface="Poppins" panose="00000800000000000000" pitchFamily="2" charset="0"/>
+            </a:endParaRPr>
           </a:p>
           <a:p>
             <a:r>
@@ -3860,7 +4721,7 @@
                 <a:latin typeface="Poppins" panose="00000800000000000000" pitchFamily="2" charset="0"/>
                 <a:cs typeface="Poppins" panose="00000800000000000000" pitchFamily="2" charset="0"/>
               </a:rPr>
-              <a:t>React Native with class components</a:t>
+              <a:t>Symfony REST API</a:t>
             </a:r>
           </a:p>
           <a:p>
@@ -3869,45 +4730,119 @@
                 <a:latin typeface="Poppins" panose="00000800000000000000" pitchFamily="2" charset="0"/>
                 <a:cs typeface="Poppins" panose="00000800000000000000" pitchFamily="2" charset="0"/>
               </a:rPr>
-              <a:t>Design with React Native Paper</a:t>
-            </a:r>
-          </a:p>
-          <a:p>
-            <a:r>
-              <a:rPr lang="en-US" dirty="0">
-                <a:latin typeface="Poppins" panose="00000800000000000000" pitchFamily="2" charset="0"/>
-                <a:cs typeface="Poppins" panose="00000800000000000000" pitchFamily="2" charset="0"/>
-              </a:rPr>
-              <a:t>React Navigation 5</a:t>
-            </a:r>
-          </a:p>
-          <a:p>
-            <a:r>
-              <a:rPr lang="en-US" dirty="0">
-                <a:latin typeface="Poppins" panose="00000800000000000000" pitchFamily="2" charset="0"/>
-                <a:cs typeface="Poppins" panose="00000800000000000000" pitchFamily="2" charset="0"/>
-              </a:rPr>
-              <a:t>Real time chat system with Node.js</a:t>
-            </a:r>
-          </a:p>
-          <a:p>
+              <a:t>JWT </a:t>
+            </a:r>
+            <a:r>
+              <a:rPr lang="en-US" dirty="0" err="1">
+                <a:latin typeface="Poppins" panose="00000800000000000000" pitchFamily="2" charset="0"/>
+                <a:cs typeface="Poppins" panose="00000800000000000000" pitchFamily="2" charset="0"/>
+              </a:rPr>
+              <a:t>autentifikacija</a:t>
+            </a:r>
             <a:endParaRPr lang="en-US" dirty="0">
               <a:latin typeface="Poppins" panose="00000800000000000000" pitchFamily="2" charset="0"/>
               <a:cs typeface="Poppins" panose="00000800000000000000" pitchFamily="2" charset="0"/>
             </a:endParaRPr>
           </a:p>
           <a:p>
+            <a:r>
+              <a:rPr lang="en-US" dirty="0">
+                <a:latin typeface="Poppins" panose="00000800000000000000" pitchFamily="2" charset="0"/>
+                <a:cs typeface="Poppins" panose="00000800000000000000" pitchFamily="2" charset="0"/>
+              </a:rPr>
+              <a:t>Doctrine ORM</a:t>
+            </a:r>
+          </a:p>
+          <a:p>
+            <a:r>
+              <a:rPr lang="en-US" dirty="0" err="1">
+                <a:latin typeface="Poppins" panose="00000800000000000000" pitchFamily="2" charset="0"/>
+                <a:cs typeface="Poppins" panose="00000800000000000000" pitchFamily="2" charset="0"/>
+              </a:rPr>
+              <a:t>SwiftMailer</a:t>
+            </a:r>
             <a:endParaRPr lang="en-US" dirty="0">
               <a:latin typeface="Poppins" panose="00000800000000000000" pitchFamily="2" charset="0"/>
               <a:cs typeface="Poppins" panose="00000800000000000000" pitchFamily="2" charset="0"/>
             </a:endParaRPr>
           </a:p>
-        </p:txBody>
-      </p:sp>
+          <a:p>
+            <a:r>
+              <a:rPr lang="en-US" dirty="0">
+                <a:latin typeface="Poppins" panose="00000800000000000000" pitchFamily="2" charset="0"/>
+                <a:cs typeface="Poppins" panose="00000800000000000000" pitchFamily="2" charset="0"/>
+              </a:rPr>
+              <a:t>Postman</a:t>
+            </a:r>
+          </a:p>
+          <a:p>
+            <a:r>
+              <a:rPr lang="en-US" dirty="0">
+                <a:latin typeface="Poppins" panose="00000800000000000000" pitchFamily="2" charset="0"/>
+                <a:cs typeface="Poppins" panose="00000800000000000000" pitchFamily="2" charset="0"/>
+              </a:rPr>
+              <a:t>Unit </a:t>
+            </a:r>
+            <a:r>
+              <a:rPr lang="en-US" dirty="0" err="1">
+                <a:latin typeface="Poppins" panose="00000800000000000000" pitchFamily="2" charset="0"/>
+                <a:cs typeface="Poppins" panose="00000800000000000000" pitchFamily="2" charset="0"/>
+              </a:rPr>
+              <a:t>tetstovi</a:t>
+            </a:r>
+            <a:endParaRPr lang="en-US" dirty="0">
+              <a:latin typeface="Poppins" panose="00000800000000000000" pitchFamily="2" charset="0"/>
+              <a:cs typeface="Poppins" panose="00000800000000000000" pitchFamily="2" charset="0"/>
+            </a:endParaRPr>
+          </a:p>
+          <a:p>
+            <a:endParaRPr lang="en-US" dirty="0">
+              <a:latin typeface="Poppins" panose="00000800000000000000" pitchFamily="2" charset="0"/>
+              <a:cs typeface="Poppins" panose="00000800000000000000" pitchFamily="2" charset="0"/>
+            </a:endParaRPr>
+          </a:p>
+        </p:txBody>
+      </p:sp>
+      <p:pic>
+        <p:nvPicPr>
+          <p:cNvPr id="6" name="Picture 5">
+            <a:extLst>
+              <a:ext uri="{FF2B5EF4-FFF2-40B4-BE49-F238E27FC236}">
+                <a16:creationId xmlns:a16="http://schemas.microsoft.com/office/drawing/2014/main" id="{1169F1AE-7719-46A6-9730-75688460C482}"/>
+              </a:ext>
+            </a:extLst>
+          </p:cNvPr>
+          <p:cNvPicPr>
+            <a:picLocks noChangeAspect="1"/>
+          </p:cNvPicPr>
+          <p:nvPr/>
+        </p:nvPicPr>
+        <p:blipFill>
+          <a:blip r:embed="rId3">
+            <a:extLst>
+              <a:ext uri="{28A0092B-C50C-407E-A947-70E740481C1C}">
+                <a14:useLocalDpi xmlns:a14="http://schemas.microsoft.com/office/drawing/2010/main" val="0"/>
+              </a:ext>
+            </a:extLst>
+          </a:blip>
+          <a:stretch>
+            <a:fillRect/>
+          </a:stretch>
+        </p:blipFill>
+        <p:spPr>
+          <a:xfrm>
+            <a:off x="6310604" y="3115967"/>
+            <a:ext cx="2945363" cy="2945363"/>
+          </a:xfrm>
+          <a:prstGeom prst="rect">
+            <a:avLst/>
+          </a:prstGeom>
+        </p:spPr>
+      </p:pic>
     </p:spTree>
     <p:extLst>
       <p:ext uri="{BB962C8B-B14F-4D97-AF65-F5344CB8AC3E}">
-        <p14:creationId xmlns:p14="http://schemas.microsoft.com/office/powerpoint/2010/main" val="138536592"/>
+        <p14:creationId xmlns:p14="http://schemas.microsoft.com/office/powerpoint/2010/main" val="2310990720"/>
       </p:ext>
     </p:extLst>
   </p:cSld>
@@ -3953,7 +4888,7 @@
           <p:cNvPr id="3" name="Content Placeholder 2">
             <a:extLst>
               <a:ext uri="{FF2B5EF4-FFF2-40B4-BE49-F238E27FC236}">
-                <a16:creationId xmlns:a16="http://schemas.microsoft.com/office/drawing/2014/main" id="{6046A970-E5A3-4A2D-8844-5D2D71318B90}"/>
+                <a16:creationId xmlns:a16="http://schemas.microsoft.com/office/drawing/2014/main" id="{B0146762-3F1F-41B8-8FBC-8A6F46DDEE11}"/>
               </a:ext>
             </a:extLst>
           </p:cNvPr>
@@ -3966,8 +4901,8 @@
         </p:nvSpPr>
         <p:spPr>
           <a:xfrm>
-            <a:off x="2724538" y="2043403"/>
-            <a:ext cx="6923315" cy="4394719"/>
+            <a:off x="2733869" y="2080727"/>
+            <a:ext cx="6923316" cy="4366726"/>
           </a:xfrm>
         </p:spPr>
         <p:txBody>
@@ -3984,8 +4919,19 @@
                 <a:latin typeface="Poppins" panose="00000800000000000000" pitchFamily="2" charset="0"/>
                 <a:cs typeface="Poppins" panose="00000800000000000000" pitchFamily="2" charset="0"/>
               </a:rPr>
-              <a:t>Hosting Features</a:t>
-            </a:r>
+              <a:t>Website </a:t>
+            </a:r>
+            <a:r>
+              <a:rPr lang="en-US" sz="3200" b="1" dirty="0" err="1">
+                <a:latin typeface="Poppins" panose="00000800000000000000" pitchFamily="2" charset="0"/>
+                <a:cs typeface="Poppins" panose="00000800000000000000" pitchFamily="2" charset="0"/>
+              </a:rPr>
+              <a:t>specifikacije</a:t>
+            </a:r>
+            <a:endParaRPr lang="en-US" sz="3200" b="1" dirty="0">
+              <a:latin typeface="Poppins" panose="00000800000000000000" pitchFamily="2" charset="0"/>
+              <a:cs typeface="Poppins" panose="00000800000000000000" pitchFamily="2" charset="0"/>
+            </a:endParaRPr>
           </a:p>
           <a:p>
             <a:r>
@@ -3993,26 +4939,47 @@
                 <a:latin typeface="Poppins" panose="00000800000000000000" pitchFamily="2" charset="0"/>
                 <a:cs typeface="Poppins" panose="00000800000000000000" pitchFamily="2" charset="0"/>
               </a:rPr>
-              <a:t>cPanel shared hosting</a:t>
-            </a:r>
-          </a:p>
-          <a:p>
+              <a:t>React </a:t>
+            </a:r>
+            <a:r>
+              <a:rPr lang="en-US" dirty="0" err="1">
+                <a:latin typeface="Poppins" panose="00000800000000000000" pitchFamily="2" charset="0"/>
+                <a:cs typeface="Poppins" panose="00000800000000000000" pitchFamily="2" charset="0"/>
+              </a:rPr>
+              <a:t>sa</a:t>
+            </a:r>
             <a:r>
               <a:rPr lang="en-US" dirty="0">
                 <a:latin typeface="Poppins" panose="00000800000000000000" pitchFamily="2" charset="0"/>
                 <a:cs typeface="Poppins" panose="00000800000000000000" pitchFamily="2" charset="0"/>
               </a:rPr>
-              <a:t>Every website runs on Apache 2.0</a:t>
-            </a:r>
-          </a:p>
-          <a:p>
+              <a:t> </a:t>
+            </a:r>
+            <a:r>
+              <a:rPr lang="en-US" dirty="0" err="1">
+                <a:latin typeface="Poppins" panose="00000800000000000000" pitchFamily="2" charset="0"/>
+                <a:cs typeface="Poppins" panose="00000800000000000000" pitchFamily="2" charset="0"/>
+              </a:rPr>
+              <a:t>klasnim</a:t>
+            </a:r>
             <a:r>
               <a:rPr lang="en-US" dirty="0">
                 <a:latin typeface="Poppins" panose="00000800000000000000" pitchFamily="2" charset="0"/>
                 <a:cs typeface="Poppins" panose="00000800000000000000" pitchFamily="2" charset="0"/>
               </a:rPr>
-              <a:t>Every website has SSL encryption</a:t>
-            </a:r>
+              <a:t> </a:t>
+            </a:r>
+            <a:r>
+              <a:rPr lang="en-US" dirty="0" err="1">
+                <a:latin typeface="Poppins" panose="00000800000000000000" pitchFamily="2" charset="0"/>
+                <a:cs typeface="Poppins" panose="00000800000000000000" pitchFamily="2" charset="0"/>
+              </a:rPr>
+              <a:t>komponentama</a:t>
+            </a:r>
+            <a:endParaRPr lang="en-US" dirty="0">
+              <a:latin typeface="Poppins" panose="00000800000000000000" pitchFamily="2" charset="0"/>
+              <a:cs typeface="Poppins" panose="00000800000000000000" pitchFamily="2" charset="0"/>
+            </a:endParaRPr>
           </a:p>
           <a:p>
             <a:r>
@@ -4020,7 +4987,7 @@
                 <a:latin typeface="Poppins" panose="00000800000000000000" pitchFamily="2" charset="0"/>
                 <a:cs typeface="Poppins" panose="00000800000000000000" pitchFamily="2" charset="0"/>
               </a:rPr>
-              <a:t>PHP version 7.4</a:t>
+              <a:t>React Router</a:t>
             </a:r>
           </a:p>
           <a:p>
@@ -4029,8 +4996,19 @@
                 <a:latin typeface="Poppins" panose="00000800000000000000" pitchFamily="2" charset="0"/>
                 <a:cs typeface="Poppins" panose="00000800000000000000" pitchFamily="2" charset="0"/>
               </a:rPr>
-              <a:t>MySQL version 5.7.31</a:t>
-            </a:r>
+              <a:t>SEO </a:t>
+            </a:r>
+            <a:r>
+              <a:rPr lang="en-US" dirty="0" err="1">
+                <a:latin typeface="Poppins" panose="00000800000000000000" pitchFamily="2" charset="0"/>
+                <a:cs typeface="Poppins" panose="00000800000000000000" pitchFamily="2" charset="0"/>
+              </a:rPr>
+              <a:t>optimizacija</a:t>
+            </a:r>
+            <a:endParaRPr lang="en-US" dirty="0">
+              <a:latin typeface="Poppins" panose="00000800000000000000" pitchFamily="2" charset="0"/>
+              <a:cs typeface="Poppins" panose="00000800000000000000" pitchFamily="2" charset="0"/>
+            </a:endParaRPr>
           </a:p>
           <a:p>
             <a:r>
@@ -4038,24 +5016,51 @@
                 <a:latin typeface="Poppins" panose="00000800000000000000" pitchFamily="2" charset="0"/>
                 <a:cs typeface="Poppins" panose="00000800000000000000" pitchFamily="2" charset="0"/>
               </a:rPr>
-              <a:t>Node.js version 10.22</a:t>
-            </a:r>
-          </a:p>
-          <a:p>
-            <a:r>
-              <a:rPr lang="en-US" dirty="0">
-                <a:latin typeface="Poppins" panose="00000800000000000000" pitchFamily="2" charset="0"/>
-                <a:cs typeface="Poppins" panose="00000800000000000000" pitchFamily="2" charset="0"/>
-              </a:rPr>
-              <a:t>Cron jobs</a:t>
-            </a:r>
-          </a:p>
-        </p:txBody>
-      </p:sp>
+              <a:t>Material Design Bootstrap</a:t>
+            </a:r>
+          </a:p>
+        </p:txBody>
+      </p:sp>
+      <p:pic>
+        <p:nvPicPr>
+          <p:cNvPr id="10" name="Picture 9">
+            <a:extLst>
+              <a:ext uri="{FF2B5EF4-FFF2-40B4-BE49-F238E27FC236}">
+                <a16:creationId xmlns:a16="http://schemas.microsoft.com/office/drawing/2014/main" id="{6396AC0D-A380-49DE-B68A-EBC3A75E7F6C}"/>
+              </a:ext>
+            </a:extLst>
+          </p:cNvPr>
+          <p:cNvPicPr>
+            <a:picLocks noChangeAspect="1"/>
+          </p:cNvPicPr>
+          <p:nvPr/>
+        </p:nvPicPr>
+        <p:blipFill>
+          <a:blip r:embed="rId3">
+            <a:extLst>
+              <a:ext uri="{28A0092B-C50C-407E-A947-70E740481C1C}">
+                <a14:useLocalDpi xmlns:a14="http://schemas.microsoft.com/office/drawing/2010/main" val="0"/>
+              </a:ext>
+            </a:extLst>
+          </a:blip>
+          <a:stretch>
+            <a:fillRect/>
+          </a:stretch>
+        </p:blipFill>
+        <p:spPr>
+          <a:xfrm>
+            <a:off x="7910804" y="3175517"/>
+            <a:ext cx="1662405" cy="1662405"/>
+          </a:xfrm>
+          <a:prstGeom prst="rect">
+            <a:avLst/>
+          </a:prstGeom>
+        </p:spPr>
+      </p:pic>
     </p:spTree>
     <p:extLst>
       <p:ext uri="{BB962C8B-B14F-4D97-AF65-F5344CB8AC3E}">
-        <p14:creationId xmlns:p14="http://schemas.microsoft.com/office/powerpoint/2010/main" val="136085655"/>
+        <p14:creationId xmlns:p14="http://schemas.microsoft.com/office/powerpoint/2010/main" val="4228688664"/>
       </p:ext>
     </p:extLst>
   </p:cSld>
@@ -4101,7 +5106,7 @@
           <p:cNvPr id="3" name="Content Placeholder 2">
             <a:extLst>
               <a:ext uri="{FF2B5EF4-FFF2-40B4-BE49-F238E27FC236}">
-                <a16:creationId xmlns:a16="http://schemas.microsoft.com/office/drawing/2014/main" id="{2DCEFBBB-9B80-42BD-B675-F87A4308C9CA}"/>
+                <a16:creationId xmlns:a16="http://schemas.microsoft.com/office/drawing/2014/main" id="{3E0D7515-C89D-4928-80C4-42A82C62CEDC}"/>
               </a:ext>
             </a:extLst>
           </p:cNvPr>
@@ -4114,24 +5119,58 @@
         </p:nvSpPr>
         <p:spPr>
           <a:xfrm>
-            <a:off x="2715208" y="2024743"/>
-            <a:ext cx="6904653" cy="4320073"/>
+            <a:off x="2705878" y="2034073"/>
+            <a:ext cx="6969967" cy="4320074"/>
           </a:xfrm>
         </p:spPr>
         <p:txBody>
-          <a:bodyPr/>
+          <a:bodyPr>
+            <a:normAutofit/>
+          </a:bodyPr>
           <a:lstStyle/>
           <a:p>
             <a:pPr marL="0" indent="0" algn="ctr">
               <a:buNone/>
             </a:pPr>
             <a:r>
+              <a:rPr lang="en-US" sz="3200" b="1" dirty="0" err="1">
+                <a:latin typeface="Poppins" panose="00000800000000000000" pitchFamily="2" charset="0"/>
+                <a:cs typeface="Poppins" panose="00000800000000000000" pitchFamily="2" charset="0"/>
+              </a:rPr>
+              <a:t>Mobilna</a:t>
+            </a:r>
+            <a:r>
               <a:rPr lang="en-US" sz="3200" b="1" dirty="0">
                 <a:latin typeface="Poppins" panose="00000800000000000000" pitchFamily="2" charset="0"/>
                 <a:cs typeface="Poppins" panose="00000800000000000000" pitchFamily="2" charset="0"/>
               </a:rPr>
-              <a:t>Versioning System</a:t>
-            </a:r>
+              <a:t> </a:t>
+            </a:r>
+            <a:r>
+              <a:rPr lang="en-US" sz="3200" b="1" dirty="0" err="1">
+                <a:latin typeface="Poppins" panose="00000800000000000000" pitchFamily="2" charset="0"/>
+                <a:cs typeface="Poppins" panose="00000800000000000000" pitchFamily="2" charset="0"/>
+              </a:rPr>
+              <a:t>aplikacija</a:t>
+            </a:r>
+            <a:r>
+              <a:rPr lang="en-US" sz="3200" b="1" dirty="0">
+                <a:latin typeface="Poppins" panose="00000800000000000000" pitchFamily="2" charset="0"/>
+                <a:cs typeface="Poppins" panose="00000800000000000000" pitchFamily="2" charset="0"/>
+              </a:rPr>
+              <a:t> </a:t>
+            </a:r>
+            <a:r>
+              <a:rPr lang="en-US" sz="3200" b="1" dirty="0" err="1">
+                <a:latin typeface="Poppins" panose="00000800000000000000" pitchFamily="2" charset="0"/>
+                <a:cs typeface="Poppins" panose="00000800000000000000" pitchFamily="2" charset="0"/>
+              </a:rPr>
+              <a:t>specifikacije</a:t>
+            </a:r>
+            <a:endParaRPr lang="en-US" sz="3200" b="1" dirty="0">
+              <a:latin typeface="Poppins" panose="00000800000000000000" pitchFamily="2" charset="0"/>
+              <a:cs typeface="Poppins" panose="00000800000000000000" pitchFamily="2" charset="0"/>
+            </a:endParaRPr>
           </a:p>
           <a:p>
             <a:r>
@@ -4139,26 +5178,47 @@
                 <a:latin typeface="Poppins" panose="00000800000000000000" pitchFamily="2" charset="0"/>
                 <a:cs typeface="Poppins" panose="00000800000000000000" pitchFamily="2" charset="0"/>
               </a:rPr>
-              <a:t>GitHub</a:t>
-            </a:r>
-          </a:p>
-          <a:p>
+              <a:t>React Native </a:t>
+            </a:r>
+            <a:r>
+              <a:rPr lang="en-US" dirty="0" err="1">
+                <a:latin typeface="Poppins" panose="00000800000000000000" pitchFamily="2" charset="0"/>
+                <a:cs typeface="Poppins" panose="00000800000000000000" pitchFamily="2" charset="0"/>
+              </a:rPr>
+              <a:t>sa</a:t>
+            </a:r>
             <a:r>
               <a:rPr lang="en-US" dirty="0">
                 <a:latin typeface="Poppins" panose="00000800000000000000" pitchFamily="2" charset="0"/>
                 <a:cs typeface="Poppins" panose="00000800000000000000" pitchFamily="2" charset="0"/>
               </a:rPr>
-              <a:t>Over 80 commits</a:t>
-            </a:r>
-          </a:p>
-          <a:p>
+              <a:t> </a:t>
+            </a:r>
+            <a:r>
+              <a:rPr lang="en-US" dirty="0" err="1">
+                <a:latin typeface="Poppins" panose="00000800000000000000" pitchFamily="2" charset="0"/>
+                <a:cs typeface="Poppins" panose="00000800000000000000" pitchFamily="2" charset="0"/>
+              </a:rPr>
+              <a:t>klasnim</a:t>
+            </a:r>
             <a:r>
               <a:rPr lang="en-US" dirty="0">
                 <a:latin typeface="Poppins" panose="00000800000000000000" pitchFamily="2" charset="0"/>
                 <a:cs typeface="Poppins" panose="00000800000000000000" pitchFamily="2" charset="0"/>
               </a:rPr>
-              <a:t>Around 100k lines of code</a:t>
-            </a:r>
+              <a:t> </a:t>
+            </a:r>
+            <a:r>
+              <a:rPr lang="en-US" dirty="0" err="1">
+                <a:latin typeface="Poppins" panose="00000800000000000000" pitchFamily="2" charset="0"/>
+                <a:cs typeface="Poppins" panose="00000800000000000000" pitchFamily="2" charset="0"/>
+              </a:rPr>
+              <a:t>komponentama</a:t>
+            </a:r>
+            <a:endParaRPr lang="en-US" dirty="0">
+              <a:latin typeface="Poppins" panose="00000800000000000000" pitchFamily="2" charset="0"/>
+              <a:cs typeface="Poppins" panose="00000800000000000000" pitchFamily="2" charset="0"/>
+            </a:endParaRPr>
           </a:p>
           <a:p>
             <a:r>
@@ -4166,7 +5226,7 @@
                 <a:latin typeface="Poppins" panose="00000800000000000000" pitchFamily="2" charset="0"/>
                 <a:cs typeface="Poppins" panose="00000800000000000000" pitchFamily="2" charset="0"/>
               </a:rPr>
-              <a:t>60% JavaScript</a:t>
+              <a:t>React Native Paper</a:t>
             </a:r>
           </a:p>
           <a:p>
@@ -4175,24 +5235,118 @@
                 <a:latin typeface="Poppins" panose="00000800000000000000" pitchFamily="2" charset="0"/>
                 <a:cs typeface="Poppins" panose="00000800000000000000" pitchFamily="2" charset="0"/>
               </a:rPr>
-              <a:t>33% PHP</a:t>
-            </a:r>
-          </a:p>
-          <a:p>
+              <a:t>React Navigation 5</a:t>
+            </a:r>
+          </a:p>
+          <a:p>
+            <a:r>
+              <a:rPr lang="sr-Latn-RS" dirty="0">
+                <a:latin typeface="Poppins" panose="00000800000000000000" pitchFamily="2" charset="0"/>
+                <a:cs typeface="Poppins" panose="00000800000000000000" pitchFamily="2" charset="0"/>
+              </a:rPr>
+              <a:t>Čet </a:t>
+            </a:r>
             <a:r>
               <a:rPr lang="en-US" dirty="0">
                 <a:latin typeface="Poppins" panose="00000800000000000000" pitchFamily="2" charset="0"/>
                 <a:cs typeface="Poppins" panose="00000800000000000000" pitchFamily="2" charset="0"/>
               </a:rPr>
-              <a:t>9% other</a:t>
-            </a:r>
-          </a:p>
-        </p:txBody>
-      </p:sp>
+              <a:t>s</a:t>
+            </a:r>
+            <a:r>
+              <a:rPr lang="sr-Latn-RS" dirty="0">
+                <a:latin typeface="Poppins" panose="00000800000000000000" pitchFamily="2" charset="0"/>
+                <a:cs typeface="Poppins" panose="00000800000000000000" pitchFamily="2" charset="0"/>
+              </a:rPr>
+              <a:t>i</a:t>
+            </a:r>
+            <a:r>
+              <a:rPr lang="en-US" dirty="0">
+                <a:latin typeface="Poppins" panose="00000800000000000000" pitchFamily="2" charset="0"/>
+                <a:cs typeface="Poppins" panose="00000800000000000000" pitchFamily="2" charset="0"/>
+              </a:rPr>
+              <a:t>stem </a:t>
+            </a:r>
+            <a:r>
+              <a:rPr lang="sr-Latn-RS" dirty="0">
+                <a:latin typeface="Poppins" panose="00000800000000000000" pitchFamily="2" charset="0"/>
+                <a:cs typeface="Poppins" panose="00000800000000000000" pitchFamily="2" charset="0"/>
+              </a:rPr>
+              <a:t>sa</a:t>
+            </a:r>
+            <a:r>
+              <a:rPr lang="en-US" dirty="0">
+                <a:latin typeface="Poppins" panose="00000800000000000000" pitchFamily="2" charset="0"/>
+                <a:cs typeface="Poppins" panose="00000800000000000000" pitchFamily="2" charset="0"/>
+              </a:rPr>
+              <a:t> Node.js</a:t>
+            </a:r>
+            <a:r>
+              <a:rPr lang="sr-Latn-RS" dirty="0">
+                <a:latin typeface="Poppins" panose="00000800000000000000" pitchFamily="2" charset="0"/>
+                <a:cs typeface="Poppins" panose="00000800000000000000" pitchFamily="2" charset="0"/>
+              </a:rPr>
+              <a:t> i Socket.io</a:t>
+            </a:r>
+            <a:endParaRPr lang="en-US" dirty="0">
+              <a:latin typeface="Poppins" panose="00000800000000000000" pitchFamily="2" charset="0"/>
+              <a:cs typeface="Poppins" panose="00000800000000000000" pitchFamily="2" charset="0"/>
+            </a:endParaRPr>
+          </a:p>
+          <a:p>
+            <a:endParaRPr lang="en-US" dirty="0">
+              <a:latin typeface="Poppins" panose="00000800000000000000" pitchFamily="2" charset="0"/>
+              <a:cs typeface="Poppins" panose="00000800000000000000" pitchFamily="2" charset="0"/>
+            </a:endParaRPr>
+          </a:p>
+          <a:p>
+            <a:endParaRPr lang="en-US" dirty="0">
+              <a:latin typeface="Poppins" panose="00000800000000000000" pitchFamily="2" charset="0"/>
+              <a:cs typeface="Poppins" panose="00000800000000000000" pitchFamily="2" charset="0"/>
+            </a:endParaRPr>
+          </a:p>
+        </p:txBody>
+      </p:sp>
+      <p:pic>
+        <p:nvPicPr>
+          <p:cNvPr id="4" name="Picture 3">
+            <a:extLst>
+              <a:ext uri="{FF2B5EF4-FFF2-40B4-BE49-F238E27FC236}">
+                <a16:creationId xmlns:a16="http://schemas.microsoft.com/office/drawing/2014/main" id="{50EA0990-E0AE-4A77-AD00-3F3588AE0C3F}"/>
+              </a:ext>
+            </a:extLst>
+          </p:cNvPr>
+          <p:cNvPicPr>
+            <a:picLocks noChangeAspect="1"/>
+          </p:cNvPicPr>
+          <p:nvPr/>
+        </p:nvPicPr>
+        <p:blipFill>
+          <a:blip r:embed="rId3">
+            <a:extLst>
+              <a:ext uri="{28A0092B-C50C-407E-A947-70E740481C1C}">
+                <a14:useLocalDpi xmlns:a14="http://schemas.microsoft.com/office/drawing/2010/main" val="0"/>
+              </a:ext>
+            </a:extLst>
+          </a:blip>
+          <a:stretch>
+            <a:fillRect/>
+          </a:stretch>
+        </p:blipFill>
+        <p:spPr>
+          <a:xfrm>
+            <a:off x="8001608" y="2593910"/>
+            <a:ext cx="1410475" cy="1866122"/>
+          </a:xfrm>
+          <a:prstGeom prst="rect">
+            <a:avLst/>
+          </a:prstGeom>
+        </p:spPr>
+      </p:pic>
     </p:spTree>
     <p:extLst>
       <p:ext uri="{BB962C8B-B14F-4D97-AF65-F5344CB8AC3E}">
-        <p14:creationId xmlns:p14="http://schemas.microsoft.com/office/powerpoint/2010/main" val="2376609314"/>
+        <p14:creationId xmlns:p14="http://schemas.microsoft.com/office/powerpoint/2010/main" val="138536592"/>
       </p:ext>
     </p:extLst>
   </p:cSld>
@@ -4233,12 +5387,170 @@
           <a:chExt cx="0" cy="0"/>
         </a:xfrm>
       </p:grpSpPr>
+      <p:sp>
+        <p:nvSpPr>
+          <p:cNvPr id="3" name="Content Placeholder 2">
+            <a:extLst>
+              <a:ext uri="{FF2B5EF4-FFF2-40B4-BE49-F238E27FC236}">
+                <a16:creationId xmlns:a16="http://schemas.microsoft.com/office/drawing/2014/main" id="{6046A970-E5A3-4A2D-8844-5D2D71318B90}"/>
+              </a:ext>
+            </a:extLst>
+          </p:cNvPr>
+          <p:cNvSpPr>
+            <a:spLocks noGrp="1"/>
+          </p:cNvSpPr>
+          <p:nvPr>
+            <p:ph idx="1"/>
+          </p:nvPr>
+        </p:nvSpPr>
+        <p:spPr>
+          <a:xfrm>
+            <a:off x="2724538" y="2043403"/>
+            <a:ext cx="6923315" cy="4394719"/>
+          </a:xfrm>
+        </p:spPr>
+        <p:txBody>
+          <a:bodyPr>
+            <a:normAutofit/>
+          </a:bodyPr>
+          <a:lstStyle/>
+          <a:p>
+            <a:pPr marL="0" indent="0" algn="ctr">
+              <a:buNone/>
+            </a:pPr>
+            <a:r>
+              <a:rPr lang="en-US" sz="3200" b="1" dirty="0">
+                <a:latin typeface="Poppins" panose="00000800000000000000" pitchFamily="2" charset="0"/>
+                <a:cs typeface="Poppins" panose="00000800000000000000" pitchFamily="2" charset="0"/>
+              </a:rPr>
+              <a:t>Hosting </a:t>
+            </a:r>
+            <a:r>
+              <a:rPr lang="sr-Latn-RS" sz="3200" b="1" dirty="0">
+                <a:latin typeface="Poppins" panose="00000800000000000000" pitchFamily="2" charset="0"/>
+                <a:cs typeface="Poppins" panose="00000800000000000000" pitchFamily="2" charset="0"/>
+              </a:rPr>
+              <a:t>specifikacije</a:t>
+            </a:r>
+            <a:endParaRPr lang="en-US" sz="3200" b="1" dirty="0">
+              <a:latin typeface="Poppins" panose="00000800000000000000" pitchFamily="2" charset="0"/>
+              <a:cs typeface="Poppins" panose="00000800000000000000" pitchFamily="2" charset="0"/>
+            </a:endParaRPr>
+          </a:p>
+          <a:p>
+            <a:r>
+              <a:rPr lang="en-US" dirty="0">
+                <a:latin typeface="Poppins" panose="00000800000000000000" pitchFamily="2" charset="0"/>
+                <a:cs typeface="Poppins" panose="00000800000000000000" pitchFamily="2" charset="0"/>
+              </a:rPr>
+              <a:t>cPanel </a:t>
+            </a:r>
+            <a:endParaRPr lang="sr-Latn-RS" dirty="0">
+              <a:latin typeface="Poppins" panose="00000800000000000000" pitchFamily="2" charset="0"/>
+              <a:cs typeface="Poppins" panose="00000800000000000000" pitchFamily="2" charset="0"/>
+            </a:endParaRPr>
+          </a:p>
+          <a:p>
+            <a:r>
+              <a:rPr lang="en-US" dirty="0">
+                <a:latin typeface="Poppins" panose="00000800000000000000" pitchFamily="2" charset="0"/>
+                <a:cs typeface="Poppins" panose="00000800000000000000" pitchFamily="2" charset="0"/>
+              </a:rPr>
+              <a:t>Apache 2.4</a:t>
+            </a:r>
+          </a:p>
+          <a:p>
+            <a:r>
+              <a:rPr lang="en-US" dirty="0">
+                <a:latin typeface="Poppins" panose="00000800000000000000" pitchFamily="2" charset="0"/>
+                <a:cs typeface="Poppins" panose="00000800000000000000" pitchFamily="2" charset="0"/>
+              </a:rPr>
+              <a:t>SSL </a:t>
+            </a:r>
+            <a:r>
+              <a:rPr lang="sr-Latn-RS" dirty="0" err="1">
+                <a:latin typeface="Poppins" panose="00000800000000000000" pitchFamily="2" charset="0"/>
+                <a:cs typeface="Poppins" panose="00000800000000000000" pitchFamily="2" charset="0"/>
+              </a:rPr>
+              <a:t>enkripcija</a:t>
+            </a:r>
+            <a:endParaRPr lang="en-US" dirty="0">
+              <a:latin typeface="Poppins" panose="00000800000000000000" pitchFamily="2" charset="0"/>
+              <a:cs typeface="Poppins" panose="00000800000000000000" pitchFamily="2" charset="0"/>
+            </a:endParaRPr>
+          </a:p>
+          <a:p>
+            <a:r>
+              <a:rPr lang="en-US" dirty="0">
+                <a:latin typeface="Poppins" panose="00000800000000000000" pitchFamily="2" charset="0"/>
+                <a:cs typeface="Poppins" panose="00000800000000000000" pitchFamily="2" charset="0"/>
+              </a:rPr>
+              <a:t>PHP </a:t>
+            </a:r>
+            <a:r>
+              <a:rPr lang="sr-Latn-RS" dirty="0">
+                <a:latin typeface="Poppins" panose="00000800000000000000" pitchFamily="2" charset="0"/>
+                <a:cs typeface="Poppins" panose="00000800000000000000" pitchFamily="2" charset="0"/>
+              </a:rPr>
+              <a:t>v</a:t>
+            </a:r>
+            <a:r>
+              <a:rPr lang="en-US" dirty="0">
+                <a:latin typeface="Poppins" panose="00000800000000000000" pitchFamily="2" charset="0"/>
+                <a:cs typeface="Poppins" panose="00000800000000000000" pitchFamily="2" charset="0"/>
+              </a:rPr>
+              <a:t>7.4</a:t>
+            </a:r>
+          </a:p>
+          <a:p>
+            <a:r>
+              <a:rPr lang="en-US" dirty="0">
+                <a:latin typeface="Poppins" panose="00000800000000000000" pitchFamily="2" charset="0"/>
+                <a:cs typeface="Poppins" panose="00000800000000000000" pitchFamily="2" charset="0"/>
+              </a:rPr>
+              <a:t>MySQL </a:t>
+            </a:r>
+            <a:r>
+              <a:rPr lang="sr-Latn-RS" dirty="0">
+                <a:latin typeface="Poppins" panose="00000800000000000000" pitchFamily="2" charset="0"/>
+                <a:cs typeface="Poppins" panose="00000800000000000000" pitchFamily="2" charset="0"/>
+              </a:rPr>
+              <a:t>v</a:t>
+            </a:r>
+            <a:r>
+              <a:rPr lang="en-US" dirty="0">
+                <a:latin typeface="Poppins" panose="00000800000000000000" pitchFamily="2" charset="0"/>
+                <a:cs typeface="Poppins" panose="00000800000000000000" pitchFamily="2" charset="0"/>
+              </a:rPr>
+              <a:t>5.7.31</a:t>
+            </a:r>
+          </a:p>
+          <a:p>
+            <a:r>
+              <a:rPr lang="en-US" dirty="0">
+                <a:latin typeface="Poppins" panose="00000800000000000000" pitchFamily="2" charset="0"/>
+                <a:cs typeface="Poppins" panose="00000800000000000000" pitchFamily="2" charset="0"/>
+              </a:rPr>
+              <a:t>Node.js v10.22</a:t>
+            </a:r>
+          </a:p>
+          <a:p>
+            <a:r>
+              <a:rPr lang="en-US" dirty="0">
+                <a:latin typeface="Poppins" panose="00000800000000000000" pitchFamily="2" charset="0"/>
+                <a:cs typeface="Poppins" panose="00000800000000000000" pitchFamily="2" charset="0"/>
+              </a:rPr>
+              <a:t>Cron jobs</a:t>
+            </a:r>
+          </a:p>
+        </p:txBody>
+      </p:sp>
       <p:pic>
         <p:nvPicPr>
-          <p:cNvPr id="7" name="Picture 6">
-            <a:extLst>
-              <a:ext uri="{FF2B5EF4-FFF2-40B4-BE49-F238E27FC236}">
-                <a16:creationId xmlns:a16="http://schemas.microsoft.com/office/drawing/2014/main" id="{051682AA-FF96-42A3-A1B2-CEC5EC69C2AD}"/>
+          <p:cNvPr id="4" name="Picture 3">
+            <a:extLst>
+              <a:ext uri="{FF2B5EF4-FFF2-40B4-BE49-F238E27FC236}">
+                <a16:creationId xmlns:a16="http://schemas.microsoft.com/office/drawing/2014/main" id="{2D2EDC88-E62F-4068-B842-FEC95CD2B159}"/>
               </a:ext>
             </a:extLst>
           </p:cNvPr>
@@ -4261,8 +5573,8 @@
         </p:blipFill>
         <p:spPr>
           <a:xfrm>
-            <a:off x="4007796" y="113914"/>
-            <a:ext cx="4598668" cy="6209063"/>
+            <a:off x="6096000" y="3675322"/>
+            <a:ext cx="3255183" cy="1298288"/>
           </a:xfrm>
           <a:prstGeom prst="rect">
             <a:avLst/>
@@ -4272,7 +5584,7 @@
     </p:spTree>
     <p:extLst>
       <p:ext uri="{BB962C8B-B14F-4D97-AF65-F5344CB8AC3E}">
-        <p14:creationId xmlns:p14="http://schemas.microsoft.com/office/powerpoint/2010/main" val="3212381746"/>
+        <p14:creationId xmlns:p14="http://schemas.microsoft.com/office/powerpoint/2010/main" val="136085655"/>
       </p:ext>
     </p:extLst>
   </p:cSld>

--- a/Documentation/Presentation.pptx
+++ b/Documentation/Presentation.pptx
@@ -8,13 +8,13 @@
     <p:sldId id="256" r:id="rId2"/>
     <p:sldId id="257" r:id="rId3"/>
     <p:sldId id="265" r:id="rId4"/>
-    <p:sldId id="267" r:id="rId5"/>
-    <p:sldId id="258" r:id="rId6"/>
-    <p:sldId id="259" r:id="rId7"/>
-    <p:sldId id="260" r:id="rId8"/>
-    <p:sldId id="261" r:id="rId9"/>
-    <p:sldId id="262" r:id="rId10"/>
-    <p:sldId id="263" r:id="rId11"/>
+    <p:sldId id="258" r:id="rId5"/>
+    <p:sldId id="259" r:id="rId6"/>
+    <p:sldId id="260" r:id="rId7"/>
+    <p:sldId id="261" r:id="rId8"/>
+    <p:sldId id="262" r:id="rId9"/>
+    <p:sldId id="263" r:id="rId10"/>
+    <p:sldId id="267" r:id="rId11"/>
     <p:sldId id="266" r:id="rId12"/>
     <p:sldId id="264" r:id="rId13"/>
   </p:sldIdLst>
@@ -270,7 +270,7 @@
           <a:p>
             <a:fld id="{C962A05D-2C16-4961-9F29-EF2DA408E5F4}" type="datetimeFigureOut">
               <a:rPr lang="en-US" smtClean="0"/>
-              <a:t>8/29/2020</a:t>
+              <a:t>8/30/2020</a:t>
             </a:fld>
             <a:endParaRPr lang="en-US"/>
           </a:p>
@@ -468,7 +468,7 @@
           <a:p>
             <a:fld id="{C962A05D-2C16-4961-9F29-EF2DA408E5F4}" type="datetimeFigureOut">
               <a:rPr lang="en-US" smtClean="0"/>
-              <a:t>8/29/2020</a:t>
+              <a:t>8/30/2020</a:t>
             </a:fld>
             <a:endParaRPr lang="en-US"/>
           </a:p>
@@ -676,7 +676,7 @@
           <a:p>
             <a:fld id="{C962A05D-2C16-4961-9F29-EF2DA408E5F4}" type="datetimeFigureOut">
               <a:rPr lang="en-US" smtClean="0"/>
-              <a:t>8/29/2020</a:t>
+              <a:t>8/30/2020</a:t>
             </a:fld>
             <a:endParaRPr lang="en-US"/>
           </a:p>
@@ -874,7 +874,7 @@
           <a:p>
             <a:fld id="{C962A05D-2C16-4961-9F29-EF2DA408E5F4}" type="datetimeFigureOut">
               <a:rPr lang="en-US" smtClean="0"/>
-              <a:t>8/29/2020</a:t>
+              <a:t>8/30/2020</a:t>
             </a:fld>
             <a:endParaRPr lang="en-US"/>
           </a:p>
@@ -1149,7 +1149,7 @@
           <a:p>
             <a:fld id="{C962A05D-2C16-4961-9F29-EF2DA408E5F4}" type="datetimeFigureOut">
               <a:rPr lang="en-US" smtClean="0"/>
-              <a:t>8/29/2020</a:t>
+              <a:t>8/30/2020</a:t>
             </a:fld>
             <a:endParaRPr lang="en-US"/>
           </a:p>
@@ -1414,7 +1414,7 @@
           <a:p>
             <a:fld id="{C962A05D-2C16-4961-9F29-EF2DA408E5F4}" type="datetimeFigureOut">
               <a:rPr lang="en-US" smtClean="0"/>
-              <a:t>8/29/2020</a:t>
+              <a:t>8/30/2020</a:t>
             </a:fld>
             <a:endParaRPr lang="en-US"/>
           </a:p>
@@ -1826,7 +1826,7 @@
           <a:p>
             <a:fld id="{C962A05D-2C16-4961-9F29-EF2DA408E5F4}" type="datetimeFigureOut">
               <a:rPr lang="en-US" smtClean="0"/>
-              <a:t>8/29/2020</a:t>
+              <a:t>8/30/2020</a:t>
             </a:fld>
             <a:endParaRPr lang="en-US"/>
           </a:p>
@@ -1967,7 +1967,7 @@
           <a:p>
             <a:fld id="{C962A05D-2C16-4961-9F29-EF2DA408E5F4}" type="datetimeFigureOut">
               <a:rPr lang="en-US" smtClean="0"/>
-              <a:t>8/29/2020</a:t>
+              <a:t>8/30/2020</a:t>
             </a:fld>
             <a:endParaRPr lang="en-US"/>
           </a:p>
@@ -2080,7 +2080,7 @@
           <a:p>
             <a:fld id="{C962A05D-2C16-4961-9F29-EF2DA408E5F4}" type="datetimeFigureOut">
               <a:rPr lang="en-US" smtClean="0"/>
-              <a:t>8/29/2020</a:t>
+              <a:t>8/30/2020</a:t>
             </a:fld>
             <a:endParaRPr lang="en-US"/>
           </a:p>
@@ -2391,7 +2391,7 @@
           <a:p>
             <a:fld id="{C962A05D-2C16-4961-9F29-EF2DA408E5F4}" type="datetimeFigureOut">
               <a:rPr lang="en-US" smtClean="0"/>
-              <a:t>8/29/2020</a:t>
+              <a:t>8/30/2020</a:t>
             </a:fld>
             <a:endParaRPr lang="en-US"/>
           </a:p>
@@ -2679,7 +2679,7 @@
           <a:p>
             <a:fld id="{C962A05D-2C16-4961-9F29-EF2DA408E5F4}" type="datetimeFigureOut">
               <a:rPr lang="en-US" smtClean="0"/>
-              <a:t>8/29/2020</a:t>
+              <a:t>8/30/2020</a:t>
             </a:fld>
             <a:endParaRPr lang="en-US"/>
           </a:p>
@@ -2920,7 +2920,7 @@
           <a:p>
             <a:fld id="{C962A05D-2C16-4961-9F29-EF2DA408E5F4}" type="datetimeFigureOut">
               <a:rPr lang="en-US" smtClean="0"/>
-              <a:t>8/29/2020</a:t>
+              <a:t>8/30/2020</a:t>
             </a:fld>
             <a:endParaRPr lang="en-US"/>
           </a:p>
@@ -3397,10 +3397,10 @@
       </p:grpSpPr>
       <p:sp>
         <p:nvSpPr>
-          <p:cNvPr id="3" name="Content Placeholder 2">
-            <a:extLst>
-              <a:ext uri="{FF2B5EF4-FFF2-40B4-BE49-F238E27FC236}">
-                <a16:creationId xmlns:a16="http://schemas.microsoft.com/office/drawing/2014/main" id="{2DCEFBBB-9B80-42BD-B675-F87A4308C9CA}"/>
+          <p:cNvPr id="5" name="Content Placeholder 4">
+            <a:extLst>
+              <a:ext uri="{FF2B5EF4-FFF2-40B4-BE49-F238E27FC236}">
+                <a16:creationId xmlns:a16="http://schemas.microsoft.com/office/drawing/2014/main" id="{F9B30408-8046-4DBB-AF31-B148BAB05EDF}"/>
               </a:ext>
             </a:extLst>
           </p:cNvPr>
@@ -3413,8 +3413,8 @@
         </p:nvSpPr>
         <p:spPr>
           <a:xfrm>
-            <a:off x="2715208" y="2024743"/>
-            <a:ext cx="6904653" cy="4320073"/>
+            <a:off x="2715208" y="2062064"/>
+            <a:ext cx="6923314" cy="4282751"/>
           </a:xfrm>
         </p:spPr>
         <p:txBody>
@@ -3425,167 +3425,146 @@
               <a:buNone/>
             </a:pPr>
             <a:r>
-              <a:rPr lang="sr-Latn-RS" sz="3200" b="1" dirty="0">
-                <a:latin typeface="Poppins" panose="00000800000000000000" pitchFamily="2" charset="0"/>
-                <a:cs typeface="Poppins" panose="00000800000000000000" pitchFamily="2" charset="0"/>
-              </a:rPr>
-              <a:t>Sistem za </a:t>
-            </a:r>
-            <a:r>
-              <a:rPr lang="sr-Latn-RS" sz="3200" b="1" dirty="0" err="1">
-                <a:latin typeface="Poppins" panose="00000800000000000000" pitchFamily="2" charset="0"/>
-                <a:cs typeface="Poppins" panose="00000800000000000000" pitchFamily="2" charset="0"/>
-              </a:rPr>
-              <a:t>verzioniranje</a:t>
-            </a:r>
-            <a:endParaRPr lang="en-US" sz="3200" b="1" dirty="0">
+              <a:rPr lang="sr-Latn-RS" dirty="0" err="1">
+                <a:latin typeface="Poppins" panose="00000800000000000000" pitchFamily="2" charset="0"/>
+                <a:cs typeface="Poppins" panose="00000800000000000000" pitchFamily="2" charset="0"/>
+              </a:rPr>
+              <a:t>Vebsajt</a:t>
+            </a:r>
+            <a:r>
+              <a:rPr lang="en-US" dirty="0">
+                <a:latin typeface="Poppins" panose="00000800000000000000" pitchFamily="2" charset="0"/>
+                <a:cs typeface="Poppins" panose="00000800000000000000" pitchFamily="2" charset="0"/>
+              </a:rPr>
+              <a:t>/</a:t>
+            </a:r>
+            <a:r>
+              <a:rPr lang="sr-Latn-RS" dirty="0">
+                <a:latin typeface="Poppins" panose="00000800000000000000" pitchFamily="2" charset="0"/>
+                <a:cs typeface="Poppins" panose="00000800000000000000" pitchFamily="2" charset="0"/>
+              </a:rPr>
+              <a:t>Aplikacija</a:t>
+            </a:r>
+          </a:p>
+          <a:p>
+            <a:r>
+              <a:rPr lang="sr-Latn-RS" dirty="0">
+                <a:latin typeface="Poppins" panose="00000800000000000000" pitchFamily="2" charset="0"/>
+                <a:cs typeface="Poppins" panose="00000800000000000000" pitchFamily="2" charset="0"/>
+              </a:rPr>
+              <a:t>Objave </a:t>
+            </a:r>
+            <a:r>
+              <a:rPr lang="sr-Latn-RS" sz="1800" dirty="0">
+                <a:latin typeface="Poppins" panose="00000800000000000000" pitchFamily="2" charset="0"/>
+                <a:cs typeface="Poppins" panose="00000800000000000000" pitchFamily="2" charset="0"/>
+              </a:rPr>
+              <a:t>(</a:t>
+            </a:r>
+            <a:r>
+              <a:rPr lang="sr-Latn-RS" sz="1800" dirty="0" err="1">
+                <a:latin typeface="Poppins" panose="00000800000000000000" pitchFamily="2" charset="0"/>
+                <a:cs typeface="Poppins" panose="00000800000000000000" pitchFamily="2" charset="0"/>
+              </a:rPr>
+              <a:t>Dodavanje,Lajkovanje</a:t>
+            </a:r>
+            <a:r>
+              <a:rPr lang="sr-Latn-RS" sz="1800" dirty="0">
+                <a:latin typeface="Poppins" panose="00000800000000000000" pitchFamily="2" charset="0"/>
+                <a:cs typeface="Poppins" panose="00000800000000000000" pitchFamily="2" charset="0"/>
+              </a:rPr>
+              <a:t>,</a:t>
+            </a:r>
+            <a:r>
+              <a:rPr lang="en-US" sz="1800" dirty="0" err="1">
+                <a:latin typeface="Poppins" panose="00000800000000000000" pitchFamily="2" charset="0"/>
+                <a:cs typeface="Poppins" panose="00000800000000000000" pitchFamily="2" charset="0"/>
+              </a:rPr>
+              <a:t>Komentarisanje</a:t>
+            </a:r>
+            <a:r>
+              <a:rPr lang="sr-Latn-RS" sz="1800" dirty="0">
+                <a:latin typeface="Poppins" panose="00000800000000000000" pitchFamily="2" charset="0"/>
+                <a:cs typeface="Poppins" panose="00000800000000000000" pitchFamily="2" charset="0"/>
+              </a:rPr>
+              <a:t>)</a:t>
+            </a:r>
+          </a:p>
+          <a:p>
+            <a:r>
+              <a:rPr lang="sr-Latn-RS" dirty="0">
+                <a:latin typeface="Poppins" panose="00000800000000000000" pitchFamily="2" charset="0"/>
+                <a:cs typeface="Poppins" panose="00000800000000000000" pitchFamily="2" charset="0"/>
+              </a:rPr>
+              <a:t>Profil</a:t>
+            </a:r>
+            <a:r>
+              <a:rPr lang="sr-Latn-RS" sz="1800" dirty="0">
+                <a:latin typeface="Poppins" panose="00000800000000000000" pitchFamily="2" charset="0"/>
+                <a:cs typeface="Poppins" panose="00000800000000000000" pitchFamily="2" charset="0"/>
+              </a:rPr>
+              <a:t> (</a:t>
+            </a:r>
+            <a:r>
+              <a:rPr lang="sr-Latn-RS" sz="1800" dirty="0" err="1">
+                <a:latin typeface="Poppins" panose="00000800000000000000" pitchFamily="2" charset="0"/>
+                <a:cs typeface="Poppins" panose="00000800000000000000" pitchFamily="2" charset="0"/>
+              </a:rPr>
+              <a:t>Pregled,Izmena</a:t>
+            </a:r>
+            <a:r>
+              <a:rPr lang="sr-Latn-RS" sz="1800" dirty="0">
+                <a:latin typeface="Poppins" panose="00000800000000000000" pitchFamily="2" charset="0"/>
+                <a:cs typeface="Poppins" panose="00000800000000000000" pitchFamily="2" charset="0"/>
+              </a:rPr>
+              <a:t>)</a:t>
+            </a:r>
+          </a:p>
+          <a:p>
+            <a:r>
+              <a:rPr lang="sr-Latn-RS" dirty="0">
+                <a:latin typeface="Poppins" panose="00000800000000000000" pitchFamily="2" charset="0"/>
+                <a:cs typeface="Poppins" panose="00000800000000000000" pitchFamily="2" charset="0"/>
+              </a:rPr>
+              <a:t>Pratioci</a:t>
+            </a:r>
+          </a:p>
+          <a:p>
+            <a:r>
+              <a:rPr lang="sr-Latn-RS" dirty="0">
+                <a:latin typeface="Poppins" panose="00000800000000000000" pitchFamily="2" charset="0"/>
+                <a:cs typeface="Poppins" panose="00000800000000000000" pitchFamily="2" charset="0"/>
+              </a:rPr>
+              <a:t>Čet</a:t>
+            </a:r>
+          </a:p>
+          <a:p>
+            <a:r>
+              <a:rPr lang="sr-Latn-RS" dirty="0">
+                <a:latin typeface="Poppins" panose="00000800000000000000" pitchFamily="2" charset="0"/>
+                <a:cs typeface="Poppins" panose="00000800000000000000" pitchFamily="2" charset="0"/>
+              </a:rPr>
+              <a:t>Pretraga</a:t>
+            </a:r>
+          </a:p>
+          <a:p>
+            <a:endParaRPr lang="sr-Latn-RS" dirty="0">
               <a:latin typeface="Poppins" panose="00000800000000000000" pitchFamily="2" charset="0"/>
               <a:cs typeface="Poppins" panose="00000800000000000000" pitchFamily="2" charset="0"/>
             </a:endParaRPr>
           </a:p>
           <a:p>
-            <a:r>
-              <a:rPr lang="en-US" dirty="0">
-                <a:latin typeface="Poppins" panose="00000800000000000000" pitchFamily="2" charset="0"/>
-                <a:cs typeface="Poppins" panose="00000800000000000000" pitchFamily="2" charset="0"/>
-              </a:rPr>
-              <a:t>GitHub</a:t>
-            </a:r>
-          </a:p>
-          <a:p>
-            <a:r>
-              <a:rPr lang="sr-Latn-RS" dirty="0">
-                <a:latin typeface="Poppins" panose="00000800000000000000" pitchFamily="2" charset="0"/>
-                <a:cs typeface="Poppins" panose="00000800000000000000" pitchFamily="2" charset="0"/>
-              </a:rPr>
-              <a:t>Preko 100 komitova</a:t>
-            </a:r>
-            <a:endParaRPr lang="en-US" dirty="0">
-              <a:latin typeface="Poppins" panose="00000800000000000000" pitchFamily="2" charset="0"/>
-              <a:cs typeface="Poppins" panose="00000800000000000000" pitchFamily="2" charset="0"/>
-            </a:endParaRPr>
-          </a:p>
-          <a:p>
-            <a:r>
-              <a:rPr lang="sr-Latn-RS" dirty="0">
-                <a:latin typeface="Poppins" panose="00000800000000000000" pitchFamily="2" charset="0"/>
-                <a:cs typeface="Poppins" panose="00000800000000000000" pitchFamily="2" charset="0"/>
-              </a:rPr>
-              <a:t>Oko</a:t>
-            </a:r>
-            <a:r>
-              <a:rPr lang="en-US" dirty="0">
-                <a:latin typeface="Poppins" panose="00000800000000000000" pitchFamily="2" charset="0"/>
-                <a:cs typeface="Poppins" panose="00000800000000000000" pitchFamily="2" charset="0"/>
-              </a:rPr>
-              <a:t> 100</a:t>
-            </a:r>
-            <a:r>
-              <a:rPr lang="sr-Latn-RS" dirty="0">
-                <a:latin typeface="Poppins" panose="00000800000000000000" pitchFamily="2" charset="0"/>
-                <a:cs typeface="Poppins" panose="00000800000000000000" pitchFamily="2" charset="0"/>
-              </a:rPr>
-              <a:t>,000</a:t>
-            </a:r>
-            <a:r>
-              <a:rPr lang="en-US" dirty="0">
-                <a:latin typeface="Poppins" panose="00000800000000000000" pitchFamily="2" charset="0"/>
-                <a:cs typeface="Poppins" panose="00000800000000000000" pitchFamily="2" charset="0"/>
-              </a:rPr>
-              <a:t> </a:t>
-            </a:r>
-            <a:r>
-              <a:rPr lang="sr-Latn-RS" dirty="0">
-                <a:latin typeface="Poppins" panose="00000800000000000000" pitchFamily="2" charset="0"/>
-                <a:cs typeface="Poppins" panose="00000800000000000000" pitchFamily="2" charset="0"/>
-              </a:rPr>
-              <a:t>linija koda</a:t>
-            </a:r>
-            <a:endParaRPr lang="en-US" dirty="0">
-              <a:latin typeface="Poppins" panose="00000800000000000000" pitchFamily="2" charset="0"/>
-              <a:cs typeface="Poppins" panose="00000800000000000000" pitchFamily="2" charset="0"/>
-            </a:endParaRPr>
-          </a:p>
-          <a:p>
-            <a:r>
-              <a:rPr lang="en-US" dirty="0">
-                <a:latin typeface="Poppins" panose="00000800000000000000" pitchFamily="2" charset="0"/>
-                <a:cs typeface="Poppins" panose="00000800000000000000" pitchFamily="2" charset="0"/>
-              </a:rPr>
-              <a:t>60% JavaScript</a:t>
-            </a:r>
-          </a:p>
-          <a:p>
-            <a:r>
-              <a:rPr lang="en-US" dirty="0">
-                <a:latin typeface="Poppins" panose="00000800000000000000" pitchFamily="2" charset="0"/>
-                <a:cs typeface="Poppins" panose="00000800000000000000" pitchFamily="2" charset="0"/>
-              </a:rPr>
-              <a:t>33% PHP</a:t>
-            </a:r>
-          </a:p>
-          <a:p>
-            <a:r>
-              <a:rPr lang="en-US" dirty="0">
-                <a:latin typeface="Poppins" panose="00000800000000000000" pitchFamily="2" charset="0"/>
-                <a:cs typeface="Poppins" panose="00000800000000000000" pitchFamily="2" charset="0"/>
-              </a:rPr>
-              <a:t>9% </a:t>
-            </a:r>
-            <a:r>
-              <a:rPr lang="sr-Latn-RS" dirty="0">
-                <a:latin typeface="Poppins" panose="00000800000000000000" pitchFamily="2" charset="0"/>
-                <a:cs typeface="Poppins" panose="00000800000000000000" pitchFamily="2" charset="0"/>
-              </a:rPr>
-              <a:t>ostalo</a:t>
-            </a:r>
-            <a:endParaRPr lang="en-US" dirty="0">
-              <a:latin typeface="Poppins" panose="00000800000000000000" pitchFamily="2" charset="0"/>
-              <a:cs typeface="Poppins" panose="00000800000000000000" pitchFamily="2" charset="0"/>
-            </a:endParaRPr>
-          </a:p>
-        </p:txBody>
-      </p:sp>
-      <p:pic>
-        <p:nvPicPr>
-          <p:cNvPr id="4" name="Picture 3">
-            <a:extLst>
-              <a:ext uri="{FF2B5EF4-FFF2-40B4-BE49-F238E27FC236}">
-                <a16:creationId xmlns:a16="http://schemas.microsoft.com/office/drawing/2014/main" id="{9A5F535D-6A4A-42C9-8CD5-536EE5AF96AD}"/>
-              </a:ext>
-            </a:extLst>
-          </p:cNvPr>
-          <p:cNvPicPr>
-            <a:picLocks noChangeAspect="1"/>
-          </p:cNvPicPr>
-          <p:nvPr/>
-        </p:nvPicPr>
-        <p:blipFill>
-          <a:blip r:embed="rId3">
-            <a:extLst>
-              <a:ext uri="{28A0092B-C50C-407E-A947-70E740481C1C}">
-                <a14:useLocalDpi xmlns:a14="http://schemas.microsoft.com/office/drawing/2010/main" val="0"/>
-              </a:ext>
-            </a:extLst>
-          </a:blip>
-          <a:stretch>
-            <a:fillRect/>
-          </a:stretch>
-        </p:blipFill>
-        <p:spPr>
-          <a:xfrm>
-            <a:off x="5953455" y="4101833"/>
-            <a:ext cx="3523337" cy="1945431"/>
-          </a:xfrm>
-          <a:prstGeom prst="rect">
-            <a:avLst/>
-          </a:prstGeom>
-        </p:spPr>
-      </p:pic>
+            <a:pPr marL="0" indent="0">
+              <a:buNone/>
+            </a:pPr>
+            <a:endParaRPr lang="en-US" dirty="0"/>
+          </a:p>
+        </p:txBody>
+      </p:sp>
     </p:spTree>
     <p:extLst>
       <p:ext uri="{BB962C8B-B14F-4D97-AF65-F5344CB8AC3E}">
-        <p14:creationId xmlns:p14="http://schemas.microsoft.com/office/powerpoint/2010/main" val="2376609314"/>
+        <p14:creationId xmlns:p14="http://schemas.microsoft.com/office/powerpoint/2010/main" val="757978983"/>
       </p:ext>
     </p:extLst>
   </p:cSld>
@@ -4381,160 +4360,54 @@
       </p:grpSpPr>
       <p:sp>
         <p:nvSpPr>
-          <p:cNvPr id="5" name="Content Placeholder 4">
-            <a:extLst>
-              <a:ext uri="{FF2B5EF4-FFF2-40B4-BE49-F238E27FC236}">
-                <a16:creationId xmlns:a16="http://schemas.microsoft.com/office/drawing/2014/main" id="{F9B30408-8046-4DBB-AF31-B148BAB05EDF}"/>
-              </a:ext>
-            </a:extLst>
-          </p:cNvPr>
-          <p:cNvSpPr>
-            <a:spLocks noGrp="1"/>
-          </p:cNvSpPr>
-          <p:nvPr>
-            <p:ph idx="1"/>
-          </p:nvPr>
+          <p:cNvPr id="3" name="TextBox 2">
+            <a:extLst>
+              <a:ext uri="{FF2B5EF4-FFF2-40B4-BE49-F238E27FC236}">
+                <a16:creationId xmlns:a16="http://schemas.microsoft.com/office/drawing/2014/main" id="{D65E11F9-2D79-47E4-90FD-45E915B1CFF8}"/>
+              </a:ext>
+            </a:extLst>
+          </p:cNvPr>
+          <p:cNvSpPr txBox="1"/>
+          <p:nvPr/>
         </p:nvSpPr>
         <p:spPr>
           <a:xfrm>
-            <a:off x="2715208" y="2062064"/>
-            <a:ext cx="6923314" cy="4282751"/>
+            <a:off x="4074453" y="312079"/>
+            <a:ext cx="4043094" cy="769441"/>
           </a:xfrm>
+          <a:prstGeom prst="rect">
+            <a:avLst/>
+          </a:prstGeom>
+          <a:noFill/>
         </p:spPr>
         <p:txBody>
-          <a:bodyPr/>
+          <a:bodyPr wrap="none" rtlCol="0">
+            <a:spAutoFit/>
+          </a:bodyPr>
           <a:lstStyle/>
           <a:p>
-            <a:pPr marL="0" indent="0" algn="ctr">
-              <a:buNone/>
-            </a:pPr>
-            <a:r>
-              <a:rPr lang="sr-Latn-RS" dirty="0" err="1">
-                <a:latin typeface="Poppins" panose="00000800000000000000" pitchFamily="2" charset="0"/>
-                <a:cs typeface="Poppins" panose="00000800000000000000" pitchFamily="2" charset="0"/>
-              </a:rPr>
-              <a:t>Vebsajt</a:t>
-            </a:r>
-            <a:r>
-              <a:rPr lang="en-US" dirty="0">
-                <a:latin typeface="Poppins" panose="00000800000000000000" pitchFamily="2" charset="0"/>
-                <a:cs typeface="Poppins" panose="00000800000000000000" pitchFamily="2" charset="0"/>
-              </a:rPr>
-              <a:t>/</a:t>
-            </a:r>
-            <a:r>
-              <a:rPr lang="sr-Latn-RS" dirty="0">
-                <a:latin typeface="Poppins" panose="00000800000000000000" pitchFamily="2" charset="0"/>
-                <a:cs typeface="Poppins" panose="00000800000000000000" pitchFamily="2" charset="0"/>
-              </a:rPr>
-              <a:t>Aplikacija</a:t>
-            </a:r>
-          </a:p>
-          <a:p>
-            <a:r>
-              <a:rPr lang="sr-Latn-RS" dirty="0">
-                <a:latin typeface="Poppins" panose="00000800000000000000" pitchFamily="2" charset="0"/>
-                <a:cs typeface="Poppins" panose="00000800000000000000" pitchFamily="2" charset="0"/>
-              </a:rPr>
-              <a:t>Objave </a:t>
-            </a:r>
-            <a:r>
-              <a:rPr lang="sr-Latn-RS" sz="1800" dirty="0">
-                <a:latin typeface="Poppins" panose="00000800000000000000" pitchFamily="2" charset="0"/>
-                <a:cs typeface="Poppins" panose="00000800000000000000" pitchFamily="2" charset="0"/>
-              </a:rPr>
-              <a:t>(</a:t>
-            </a:r>
-            <a:r>
-              <a:rPr lang="sr-Latn-RS" sz="1800" dirty="0" err="1">
-                <a:latin typeface="Poppins" panose="00000800000000000000" pitchFamily="2" charset="0"/>
-                <a:cs typeface="Poppins" panose="00000800000000000000" pitchFamily="2" charset="0"/>
-              </a:rPr>
-              <a:t>Dodavanje,Lajkovanje,Komentovanje</a:t>
-            </a:r>
-            <a:r>
-              <a:rPr lang="sr-Latn-RS" sz="1800" dirty="0">
-                <a:latin typeface="Poppins" panose="00000800000000000000" pitchFamily="2" charset="0"/>
-                <a:cs typeface="Poppins" panose="00000800000000000000" pitchFamily="2" charset="0"/>
-              </a:rPr>
-              <a:t>)</a:t>
-            </a:r>
-          </a:p>
-          <a:p>
-            <a:r>
-              <a:rPr lang="sr-Latn-RS" dirty="0">
-                <a:latin typeface="Poppins" panose="00000800000000000000" pitchFamily="2" charset="0"/>
-                <a:cs typeface="Poppins" panose="00000800000000000000" pitchFamily="2" charset="0"/>
-              </a:rPr>
-              <a:t>Profil</a:t>
-            </a:r>
-            <a:r>
-              <a:rPr lang="sr-Latn-RS" sz="1800" dirty="0">
-                <a:latin typeface="Poppins" panose="00000800000000000000" pitchFamily="2" charset="0"/>
-                <a:cs typeface="Poppins" panose="00000800000000000000" pitchFamily="2" charset="0"/>
-              </a:rPr>
-              <a:t> (</a:t>
-            </a:r>
-            <a:r>
-              <a:rPr lang="sr-Latn-RS" sz="1800" dirty="0" err="1">
-                <a:latin typeface="Poppins" panose="00000800000000000000" pitchFamily="2" charset="0"/>
-                <a:cs typeface="Poppins" panose="00000800000000000000" pitchFamily="2" charset="0"/>
-              </a:rPr>
-              <a:t>Pregled,Izmena</a:t>
-            </a:r>
-            <a:r>
-              <a:rPr lang="sr-Latn-RS" sz="1800" dirty="0">
-                <a:latin typeface="Poppins" panose="00000800000000000000" pitchFamily="2" charset="0"/>
-                <a:cs typeface="Poppins" panose="00000800000000000000" pitchFamily="2" charset="0"/>
-              </a:rPr>
-              <a:t>)</a:t>
-            </a:r>
-          </a:p>
-          <a:p>
-            <a:r>
-              <a:rPr lang="sr-Latn-RS" dirty="0">
-                <a:latin typeface="Poppins" panose="00000800000000000000" pitchFamily="2" charset="0"/>
-                <a:cs typeface="Poppins" panose="00000800000000000000" pitchFamily="2" charset="0"/>
-              </a:rPr>
-              <a:t>Pratioci</a:t>
-            </a:r>
-          </a:p>
-          <a:p>
-            <a:r>
-              <a:rPr lang="sr-Latn-RS" dirty="0">
-                <a:latin typeface="Poppins" panose="00000800000000000000" pitchFamily="2" charset="0"/>
-                <a:cs typeface="Poppins" panose="00000800000000000000" pitchFamily="2" charset="0"/>
-              </a:rPr>
-              <a:t>Čet</a:t>
-            </a:r>
-          </a:p>
-          <a:p>
-            <a:r>
-              <a:rPr lang="sr-Latn-RS" dirty="0">
-                <a:latin typeface="Poppins" panose="00000800000000000000" pitchFamily="2" charset="0"/>
-                <a:cs typeface="Poppins" panose="00000800000000000000" pitchFamily="2" charset="0"/>
-              </a:rPr>
-              <a:t>Pretraga</a:t>
-            </a:r>
-          </a:p>
-          <a:p>
-            <a:endParaRPr lang="sr-Latn-RS" dirty="0">
-              <a:latin typeface="Poppins" panose="00000800000000000000" pitchFamily="2" charset="0"/>
-              <a:cs typeface="Poppins" panose="00000800000000000000" pitchFamily="2" charset="0"/>
+            <a:r>
+              <a:rPr lang="en-US" sz="4400" b="1" dirty="0">
+                <a:solidFill>
+                  <a:schemeClr val="bg1"/>
+                </a:solidFill>
+                <a:latin typeface="Poppins" panose="00000800000000000000"/>
+              </a:rPr>
+              <a:t>TEHNOLOGIJE</a:t>
+            </a:r>
+            <a:endParaRPr lang="en-150" sz="4400" b="1" dirty="0">
+              <a:solidFill>
+                <a:schemeClr val="bg1"/>
+              </a:solidFill>
+              <a:latin typeface="Poppins" panose="00000800000000000000"/>
             </a:endParaRPr>
-          </a:p>
-          <a:p>
-            <a:pPr marL="0" indent="0">
-              <a:buNone/>
-            </a:pPr>
-            <a:endParaRPr lang="en-US" dirty="0"/>
           </a:p>
         </p:txBody>
       </p:sp>
     </p:spTree>
     <p:extLst>
       <p:ext uri="{BB962C8B-B14F-4D97-AF65-F5344CB8AC3E}">
-        <p14:creationId xmlns:p14="http://schemas.microsoft.com/office/powerpoint/2010/main" val="757978983"/>
+        <p14:creationId xmlns:p14="http://schemas.microsoft.com/office/powerpoint/2010/main" val="1973686683"/>
       </p:ext>
     </p:extLst>
   </p:cSld>
@@ -4577,54 +4450,182 @@
       </p:grpSpPr>
       <p:sp>
         <p:nvSpPr>
-          <p:cNvPr id="3" name="TextBox 2">
-            <a:extLst>
-              <a:ext uri="{FF2B5EF4-FFF2-40B4-BE49-F238E27FC236}">
-                <a16:creationId xmlns:a16="http://schemas.microsoft.com/office/drawing/2014/main" id="{D65E11F9-2D79-47E4-90FD-45E915B1CFF8}"/>
-              </a:ext>
-            </a:extLst>
-          </p:cNvPr>
-          <p:cNvSpPr txBox="1"/>
-          <p:nvPr/>
+          <p:cNvPr id="3" name="Content Placeholder 2">
+            <a:extLst>
+              <a:ext uri="{FF2B5EF4-FFF2-40B4-BE49-F238E27FC236}">
+                <a16:creationId xmlns:a16="http://schemas.microsoft.com/office/drawing/2014/main" id="{E3455A49-1044-4D9F-94FB-F299B4019A43}"/>
+              </a:ext>
+            </a:extLst>
+          </p:cNvPr>
+          <p:cNvSpPr>
+            <a:spLocks noGrp="1"/>
+          </p:cNvSpPr>
+          <p:nvPr>
+            <p:ph idx="1"/>
+          </p:nvPr>
         </p:nvSpPr>
         <p:spPr>
           <a:xfrm>
-            <a:off x="4074453" y="312079"/>
-            <a:ext cx="4043094" cy="769441"/>
+            <a:off x="2727527" y="2127378"/>
+            <a:ext cx="6873673" cy="4180115"/>
+          </a:xfrm>
+        </p:spPr>
+        <p:txBody>
+          <a:bodyPr>
+            <a:normAutofit/>
+          </a:bodyPr>
+          <a:lstStyle/>
+          <a:p>
+            <a:pPr marL="0" indent="0" algn="ctr">
+              <a:buNone/>
+            </a:pPr>
+            <a:r>
+              <a:rPr lang="en-US" sz="3200" b="1" dirty="0">
+                <a:latin typeface="Poppins" panose="00000800000000000000" pitchFamily="2" charset="0"/>
+                <a:cs typeface="Poppins" panose="00000800000000000000" pitchFamily="2" charset="0"/>
+              </a:rPr>
+              <a:t>API </a:t>
+            </a:r>
+            <a:r>
+              <a:rPr lang="en-US" sz="3200" b="1" dirty="0" err="1">
+                <a:latin typeface="Poppins" panose="00000800000000000000" pitchFamily="2" charset="0"/>
+                <a:cs typeface="Poppins" panose="00000800000000000000" pitchFamily="2" charset="0"/>
+              </a:rPr>
+              <a:t>specifikacije</a:t>
+            </a:r>
+            <a:endParaRPr lang="en-US" sz="3200" b="1" dirty="0">
+              <a:latin typeface="Poppins" panose="00000800000000000000" pitchFamily="2" charset="0"/>
+              <a:cs typeface="Poppins" panose="00000800000000000000" pitchFamily="2" charset="0"/>
+            </a:endParaRPr>
+          </a:p>
+          <a:p>
+            <a:r>
+              <a:rPr lang="en-US" dirty="0">
+                <a:latin typeface="Poppins" panose="00000800000000000000" pitchFamily="2" charset="0"/>
+                <a:cs typeface="Poppins" panose="00000800000000000000" pitchFamily="2" charset="0"/>
+              </a:rPr>
+              <a:t>Symfony REST API</a:t>
+            </a:r>
+          </a:p>
+          <a:p>
+            <a:r>
+              <a:rPr lang="en-US" dirty="0">
+                <a:latin typeface="Poppins" panose="00000800000000000000" pitchFamily="2" charset="0"/>
+                <a:cs typeface="Poppins" panose="00000800000000000000" pitchFamily="2" charset="0"/>
+              </a:rPr>
+              <a:t>JWT </a:t>
+            </a:r>
+            <a:r>
+              <a:rPr lang="en-US" dirty="0" err="1">
+                <a:latin typeface="Poppins" panose="00000800000000000000" pitchFamily="2" charset="0"/>
+                <a:cs typeface="Poppins" panose="00000800000000000000" pitchFamily="2" charset="0"/>
+              </a:rPr>
+              <a:t>autentifikacija</a:t>
+            </a:r>
+            <a:endParaRPr lang="en-US" dirty="0">
+              <a:latin typeface="Poppins" panose="00000800000000000000" pitchFamily="2" charset="0"/>
+              <a:cs typeface="Poppins" panose="00000800000000000000" pitchFamily="2" charset="0"/>
+            </a:endParaRPr>
+          </a:p>
+          <a:p>
+            <a:r>
+              <a:rPr lang="en-US" dirty="0">
+                <a:latin typeface="Poppins" panose="00000800000000000000" pitchFamily="2" charset="0"/>
+                <a:cs typeface="Poppins" panose="00000800000000000000" pitchFamily="2" charset="0"/>
+              </a:rPr>
+              <a:t>Doctrine ORM</a:t>
+            </a:r>
+          </a:p>
+          <a:p>
+            <a:r>
+              <a:rPr lang="en-US" dirty="0" err="1">
+                <a:latin typeface="Poppins" panose="00000800000000000000" pitchFamily="2" charset="0"/>
+                <a:cs typeface="Poppins" panose="00000800000000000000" pitchFamily="2" charset="0"/>
+              </a:rPr>
+              <a:t>SwiftMailer</a:t>
+            </a:r>
+            <a:endParaRPr lang="en-US" dirty="0">
+              <a:latin typeface="Poppins" panose="00000800000000000000" pitchFamily="2" charset="0"/>
+              <a:cs typeface="Poppins" panose="00000800000000000000" pitchFamily="2" charset="0"/>
+            </a:endParaRPr>
+          </a:p>
+          <a:p>
+            <a:r>
+              <a:rPr lang="en-US" dirty="0">
+                <a:latin typeface="Poppins" panose="00000800000000000000" pitchFamily="2" charset="0"/>
+                <a:cs typeface="Poppins" panose="00000800000000000000" pitchFamily="2" charset="0"/>
+              </a:rPr>
+              <a:t>Postman</a:t>
+            </a:r>
+          </a:p>
+          <a:p>
+            <a:r>
+              <a:rPr lang="en-US" dirty="0">
+                <a:latin typeface="Poppins" panose="00000800000000000000" pitchFamily="2" charset="0"/>
+                <a:cs typeface="Poppins" panose="00000800000000000000" pitchFamily="2" charset="0"/>
+              </a:rPr>
+              <a:t>Unit </a:t>
+            </a:r>
+            <a:r>
+              <a:rPr lang="en-US" dirty="0" err="1">
+                <a:latin typeface="Poppins" panose="00000800000000000000" pitchFamily="2" charset="0"/>
+                <a:cs typeface="Poppins" panose="00000800000000000000" pitchFamily="2" charset="0"/>
+              </a:rPr>
+              <a:t>tetstovi</a:t>
+            </a:r>
+            <a:endParaRPr lang="en-US" dirty="0">
+              <a:latin typeface="Poppins" panose="00000800000000000000" pitchFamily="2" charset="0"/>
+              <a:cs typeface="Poppins" panose="00000800000000000000" pitchFamily="2" charset="0"/>
+            </a:endParaRPr>
+          </a:p>
+          <a:p>
+            <a:endParaRPr lang="en-US" dirty="0">
+              <a:latin typeface="Poppins" panose="00000800000000000000" pitchFamily="2" charset="0"/>
+              <a:cs typeface="Poppins" panose="00000800000000000000" pitchFamily="2" charset="0"/>
+            </a:endParaRPr>
+          </a:p>
+        </p:txBody>
+      </p:sp>
+      <p:pic>
+        <p:nvPicPr>
+          <p:cNvPr id="6" name="Picture 5">
+            <a:extLst>
+              <a:ext uri="{FF2B5EF4-FFF2-40B4-BE49-F238E27FC236}">
+                <a16:creationId xmlns:a16="http://schemas.microsoft.com/office/drawing/2014/main" id="{1169F1AE-7719-46A6-9730-75688460C482}"/>
+              </a:ext>
+            </a:extLst>
+          </p:cNvPr>
+          <p:cNvPicPr>
+            <a:picLocks noChangeAspect="1"/>
+          </p:cNvPicPr>
+          <p:nvPr/>
+        </p:nvPicPr>
+        <p:blipFill>
+          <a:blip r:embed="rId3">
+            <a:extLst>
+              <a:ext uri="{28A0092B-C50C-407E-A947-70E740481C1C}">
+                <a14:useLocalDpi xmlns:a14="http://schemas.microsoft.com/office/drawing/2010/main" val="0"/>
+              </a:ext>
+            </a:extLst>
+          </a:blip>
+          <a:stretch>
+            <a:fillRect/>
+          </a:stretch>
+        </p:blipFill>
+        <p:spPr>
+          <a:xfrm>
+            <a:off x="6310604" y="3115967"/>
+            <a:ext cx="2945363" cy="2945363"/>
           </a:xfrm>
           <a:prstGeom prst="rect">
             <a:avLst/>
           </a:prstGeom>
-          <a:noFill/>
         </p:spPr>
-        <p:txBody>
-          <a:bodyPr wrap="none" rtlCol="0">
-            <a:spAutoFit/>
-          </a:bodyPr>
-          <a:lstStyle/>
-          <a:p>
-            <a:r>
-              <a:rPr lang="en-US" sz="4400" b="1" dirty="0">
-                <a:solidFill>
-                  <a:schemeClr val="bg1"/>
-                </a:solidFill>
-                <a:latin typeface="Poppins" panose="00000800000000000000"/>
-              </a:rPr>
-              <a:t>TEHNOLOGIJE</a:t>
-            </a:r>
-            <a:endParaRPr lang="en-150" sz="4400" b="1" dirty="0">
-              <a:solidFill>
-                <a:schemeClr val="bg1"/>
-              </a:solidFill>
-              <a:latin typeface="Poppins" panose="00000800000000000000"/>
-            </a:endParaRPr>
-          </a:p>
-        </p:txBody>
-      </p:sp>
+      </p:pic>
     </p:spTree>
     <p:extLst>
       <p:ext uri="{BB962C8B-B14F-4D97-AF65-F5344CB8AC3E}">
-        <p14:creationId xmlns:p14="http://schemas.microsoft.com/office/powerpoint/2010/main" val="1973686683"/>
+        <p14:creationId xmlns:p14="http://schemas.microsoft.com/office/powerpoint/2010/main" val="2310990720"/>
       </p:ext>
     </p:extLst>
   </p:cSld>
@@ -4670,7 +4671,7 @@
           <p:cNvPr id="3" name="Content Placeholder 2">
             <a:extLst>
               <a:ext uri="{FF2B5EF4-FFF2-40B4-BE49-F238E27FC236}">
-                <a16:creationId xmlns:a16="http://schemas.microsoft.com/office/drawing/2014/main" id="{E3455A49-1044-4D9F-94FB-F299B4019A43}"/>
+                <a16:creationId xmlns:a16="http://schemas.microsoft.com/office/drawing/2014/main" id="{B0146762-3F1F-41B8-8FBC-8A6F46DDEE11}"/>
               </a:ext>
             </a:extLst>
           </p:cNvPr>
@@ -4683,8 +4684,8 @@
         </p:nvSpPr>
         <p:spPr>
           <a:xfrm>
-            <a:off x="2727527" y="2127378"/>
-            <a:ext cx="6873673" cy="4180115"/>
+            <a:off x="2733869" y="2080727"/>
+            <a:ext cx="6923316" cy="4366726"/>
           </a:xfrm>
         </p:spPr>
         <p:txBody>
@@ -4701,7 +4702,7 @@
                 <a:latin typeface="Poppins" panose="00000800000000000000" pitchFamily="2" charset="0"/>
                 <a:cs typeface="Poppins" panose="00000800000000000000" pitchFamily="2" charset="0"/>
               </a:rPr>
-              <a:t>API </a:t>
+              <a:t>Website </a:t>
             </a:r>
             <a:r>
               <a:rPr lang="en-US" sz="3200" b="1" dirty="0" err="1">
@@ -4721,23 +4722,42 @@
                 <a:latin typeface="Poppins" panose="00000800000000000000" pitchFamily="2" charset="0"/>
                 <a:cs typeface="Poppins" panose="00000800000000000000" pitchFamily="2" charset="0"/>
               </a:rPr>
-              <a:t>Symfony REST API</a:t>
-            </a:r>
-          </a:p>
-          <a:p>
+              <a:t>React </a:t>
+            </a:r>
+            <a:r>
+              <a:rPr lang="en-US" dirty="0" err="1">
+                <a:latin typeface="Poppins" panose="00000800000000000000" pitchFamily="2" charset="0"/>
+                <a:cs typeface="Poppins" panose="00000800000000000000" pitchFamily="2" charset="0"/>
+              </a:rPr>
+              <a:t>sa</a:t>
+            </a:r>
             <a:r>
               <a:rPr lang="en-US" dirty="0">
                 <a:latin typeface="Poppins" panose="00000800000000000000" pitchFamily="2" charset="0"/>
                 <a:cs typeface="Poppins" panose="00000800000000000000" pitchFamily="2" charset="0"/>
               </a:rPr>
-              <a:t>JWT </a:t>
+              <a:t> </a:t>
             </a:r>
             <a:r>
               <a:rPr lang="en-US" dirty="0" err="1">
                 <a:latin typeface="Poppins" panose="00000800000000000000" pitchFamily="2" charset="0"/>
                 <a:cs typeface="Poppins" panose="00000800000000000000" pitchFamily="2" charset="0"/>
               </a:rPr>
-              <a:t>autentifikacija</a:t>
+              <a:t>klasnim</a:t>
+            </a:r>
+            <a:r>
+              <a:rPr lang="en-US" dirty="0">
+                <a:latin typeface="Poppins" panose="00000800000000000000" pitchFamily="2" charset="0"/>
+                <a:cs typeface="Poppins" panose="00000800000000000000" pitchFamily="2" charset="0"/>
+              </a:rPr>
+              <a:t> </a:t>
+            </a:r>
+            <a:r>
+              <a:rPr lang="en-US" dirty="0" err="1">
+                <a:latin typeface="Poppins" panose="00000800000000000000" pitchFamily="2" charset="0"/>
+                <a:cs typeface="Poppins" panose="00000800000000000000" pitchFamily="2" charset="0"/>
+              </a:rPr>
+              <a:t>komponentama</a:t>
             </a:r>
             <a:endParaRPr lang="en-US" dirty="0">
               <a:latin typeface="Poppins" panose="00000800000000000000" pitchFamily="2" charset="0"/>
@@ -4750,16 +4770,23 @@
                 <a:latin typeface="Poppins" panose="00000800000000000000" pitchFamily="2" charset="0"/>
                 <a:cs typeface="Poppins" panose="00000800000000000000" pitchFamily="2" charset="0"/>
               </a:rPr>
-              <a:t>Doctrine ORM</a:t>
-            </a:r>
-          </a:p>
-          <a:p>
+              <a:t>React Router</a:t>
+            </a:r>
+          </a:p>
+          <a:p>
+            <a:r>
+              <a:rPr lang="en-US" dirty="0">
+                <a:latin typeface="Poppins" panose="00000800000000000000" pitchFamily="2" charset="0"/>
+                <a:cs typeface="Poppins" panose="00000800000000000000" pitchFamily="2" charset="0"/>
+              </a:rPr>
+              <a:t>SEO </a:t>
+            </a:r>
             <a:r>
               <a:rPr lang="en-US" dirty="0" err="1">
                 <a:latin typeface="Poppins" panose="00000800000000000000" pitchFamily="2" charset="0"/>
                 <a:cs typeface="Poppins" panose="00000800000000000000" pitchFamily="2" charset="0"/>
               </a:rPr>
-              <a:t>SwiftMailer</a:t>
+              <a:t>optimizacija</a:t>
             </a:r>
             <a:endParaRPr lang="en-US" dirty="0">
               <a:latin typeface="Poppins" panose="00000800000000000000" pitchFamily="2" charset="0"/>
@@ -4772,43 +4799,17 @@
                 <a:latin typeface="Poppins" panose="00000800000000000000" pitchFamily="2" charset="0"/>
                 <a:cs typeface="Poppins" panose="00000800000000000000" pitchFamily="2" charset="0"/>
               </a:rPr>
-              <a:t>Postman</a:t>
-            </a:r>
-          </a:p>
-          <a:p>
-            <a:r>
-              <a:rPr lang="en-US" dirty="0">
-                <a:latin typeface="Poppins" panose="00000800000000000000" pitchFamily="2" charset="0"/>
-                <a:cs typeface="Poppins" panose="00000800000000000000" pitchFamily="2" charset="0"/>
-              </a:rPr>
-              <a:t>Unit </a:t>
-            </a:r>
-            <a:r>
-              <a:rPr lang="en-US" dirty="0" err="1">
-                <a:latin typeface="Poppins" panose="00000800000000000000" pitchFamily="2" charset="0"/>
-                <a:cs typeface="Poppins" panose="00000800000000000000" pitchFamily="2" charset="0"/>
-              </a:rPr>
-              <a:t>tetstovi</a:t>
-            </a:r>
-            <a:endParaRPr lang="en-US" dirty="0">
-              <a:latin typeface="Poppins" panose="00000800000000000000" pitchFamily="2" charset="0"/>
-              <a:cs typeface="Poppins" panose="00000800000000000000" pitchFamily="2" charset="0"/>
-            </a:endParaRPr>
-          </a:p>
-          <a:p>
-            <a:endParaRPr lang="en-US" dirty="0">
-              <a:latin typeface="Poppins" panose="00000800000000000000" pitchFamily="2" charset="0"/>
-              <a:cs typeface="Poppins" panose="00000800000000000000" pitchFamily="2" charset="0"/>
-            </a:endParaRPr>
+              <a:t>Material Design Bootstrap</a:t>
+            </a:r>
           </a:p>
         </p:txBody>
       </p:sp>
       <p:pic>
         <p:nvPicPr>
-          <p:cNvPr id="6" name="Picture 5">
-            <a:extLst>
-              <a:ext uri="{FF2B5EF4-FFF2-40B4-BE49-F238E27FC236}">
-                <a16:creationId xmlns:a16="http://schemas.microsoft.com/office/drawing/2014/main" id="{1169F1AE-7719-46A6-9730-75688460C482}"/>
+          <p:cNvPr id="10" name="Picture 9">
+            <a:extLst>
+              <a:ext uri="{FF2B5EF4-FFF2-40B4-BE49-F238E27FC236}">
+                <a16:creationId xmlns:a16="http://schemas.microsoft.com/office/drawing/2014/main" id="{6396AC0D-A380-49DE-B68A-EBC3A75E7F6C}"/>
               </a:ext>
             </a:extLst>
           </p:cNvPr>
@@ -4831,8 +4832,8 @@
         </p:blipFill>
         <p:spPr>
           <a:xfrm>
-            <a:off x="6310604" y="3115967"/>
-            <a:ext cx="2945363" cy="2945363"/>
+            <a:off x="7910804" y="3175517"/>
+            <a:ext cx="1662405" cy="1662405"/>
           </a:xfrm>
           <a:prstGeom prst="rect">
             <a:avLst/>
@@ -4842,7 +4843,7 @@
     </p:spTree>
     <p:extLst>
       <p:ext uri="{BB962C8B-B14F-4D97-AF65-F5344CB8AC3E}">
-        <p14:creationId xmlns:p14="http://schemas.microsoft.com/office/powerpoint/2010/main" val="2310990720"/>
+        <p14:creationId xmlns:p14="http://schemas.microsoft.com/office/powerpoint/2010/main" val="4228688664"/>
       </p:ext>
     </p:extLst>
   </p:cSld>
@@ -4888,7 +4889,7 @@
           <p:cNvPr id="3" name="Content Placeholder 2">
             <a:extLst>
               <a:ext uri="{FF2B5EF4-FFF2-40B4-BE49-F238E27FC236}">
-                <a16:creationId xmlns:a16="http://schemas.microsoft.com/office/drawing/2014/main" id="{B0146762-3F1F-41B8-8FBC-8A6F46DDEE11}"/>
+                <a16:creationId xmlns:a16="http://schemas.microsoft.com/office/drawing/2014/main" id="{3E0D7515-C89D-4928-80C4-42A82C62CEDC}"/>
               </a:ext>
             </a:extLst>
           </p:cNvPr>
@@ -4901,8 +4902,8 @@
         </p:nvSpPr>
         <p:spPr>
           <a:xfrm>
-            <a:off x="2733869" y="2080727"/>
-            <a:ext cx="6923316" cy="4366726"/>
+            <a:off x="2705878" y="2034073"/>
+            <a:ext cx="6969967" cy="4320074"/>
           </a:xfrm>
         </p:spPr>
         <p:txBody>
@@ -4915,11 +4916,32 @@
               <a:buNone/>
             </a:pPr>
             <a:r>
+              <a:rPr lang="en-US" sz="3200" b="1" dirty="0" err="1">
+                <a:latin typeface="Poppins" panose="00000800000000000000" pitchFamily="2" charset="0"/>
+                <a:cs typeface="Poppins" panose="00000800000000000000" pitchFamily="2" charset="0"/>
+              </a:rPr>
+              <a:t>Mobilna</a:t>
+            </a:r>
+            <a:r>
               <a:rPr lang="en-US" sz="3200" b="1" dirty="0">
                 <a:latin typeface="Poppins" panose="00000800000000000000" pitchFamily="2" charset="0"/>
                 <a:cs typeface="Poppins" panose="00000800000000000000" pitchFamily="2" charset="0"/>
               </a:rPr>
-              <a:t>Website </a:t>
+              <a:t> </a:t>
+            </a:r>
+            <a:r>
+              <a:rPr lang="en-US" sz="3200" b="1" dirty="0" err="1">
+                <a:latin typeface="Poppins" panose="00000800000000000000" pitchFamily="2" charset="0"/>
+                <a:cs typeface="Poppins" panose="00000800000000000000" pitchFamily="2" charset="0"/>
+              </a:rPr>
+              <a:t>aplikacija</a:t>
+            </a:r>
+            <a:r>
+              <a:rPr lang="en-US" sz="3200" b="1" dirty="0">
+                <a:latin typeface="Poppins" panose="00000800000000000000" pitchFamily="2" charset="0"/>
+                <a:cs typeface="Poppins" panose="00000800000000000000" pitchFamily="2" charset="0"/>
+              </a:rPr>
+              <a:t> </a:t>
             </a:r>
             <a:r>
               <a:rPr lang="en-US" sz="3200" b="1" dirty="0" err="1">
@@ -4939,7 +4961,7 @@
                 <a:latin typeface="Poppins" panose="00000800000000000000" pitchFamily="2" charset="0"/>
                 <a:cs typeface="Poppins" panose="00000800000000000000" pitchFamily="2" charset="0"/>
               </a:rPr>
-              <a:t>React </a:t>
+              <a:t>React Native </a:t>
             </a:r>
             <a:r>
               <a:rPr lang="en-US" dirty="0" err="1">
@@ -4987,7 +5009,7 @@
                 <a:latin typeface="Poppins" panose="00000800000000000000" pitchFamily="2" charset="0"/>
                 <a:cs typeface="Poppins" panose="00000800000000000000" pitchFamily="2" charset="0"/>
               </a:rPr>
-              <a:t>React Router</a:t>
+              <a:t>React Native Paper</a:t>
             </a:r>
           </a:p>
           <a:p>
@@ -4996,14 +5018,58 @@
                 <a:latin typeface="Poppins" panose="00000800000000000000" pitchFamily="2" charset="0"/>
                 <a:cs typeface="Poppins" panose="00000800000000000000" pitchFamily="2" charset="0"/>
               </a:rPr>
-              <a:t>SEO </a:t>
-            </a:r>
-            <a:r>
-              <a:rPr lang="en-US" dirty="0" err="1">
-                <a:latin typeface="Poppins" panose="00000800000000000000" pitchFamily="2" charset="0"/>
-                <a:cs typeface="Poppins" panose="00000800000000000000" pitchFamily="2" charset="0"/>
-              </a:rPr>
-              <a:t>optimizacija</a:t>
+              <a:t>React Navigation 5</a:t>
+            </a:r>
+          </a:p>
+          <a:p>
+            <a:r>
+              <a:rPr lang="sr-Latn-RS" dirty="0">
+                <a:latin typeface="Poppins" panose="00000800000000000000" pitchFamily="2" charset="0"/>
+                <a:cs typeface="Poppins" panose="00000800000000000000" pitchFamily="2" charset="0"/>
+              </a:rPr>
+              <a:t>Čet </a:t>
+            </a:r>
+            <a:r>
+              <a:rPr lang="en-US" dirty="0">
+                <a:latin typeface="Poppins" panose="00000800000000000000" pitchFamily="2" charset="0"/>
+                <a:cs typeface="Poppins" panose="00000800000000000000" pitchFamily="2" charset="0"/>
+              </a:rPr>
+              <a:t>s</a:t>
+            </a:r>
+            <a:r>
+              <a:rPr lang="sr-Latn-RS" dirty="0">
+                <a:latin typeface="Poppins" panose="00000800000000000000" pitchFamily="2" charset="0"/>
+                <a:cs typeface="Poppins" panose="00000800000000000000" pitchFamily="2" charset="0"/>
+              </a:rPr>
+              <a:t>i</a:t>
+            </a:r>
+            <a:r>
+              <a:rPr lang="en-US" dirty="0">
+                <a:latin typeface="Poppins" panose="00000800000000000000" pitchFamily="2" charset="0"/>
+                <a:cs typeface="Poppins" panose="00000800000000000000" pitchFamily="2" charset="0"/>
+              </a:rPr>
+              <a:t>stem </a:t>
+            </a:r>
+            <a:r>
+              <a:rPr lang="sr-Latn-RS" dirty="0">
+                <a:latin typeface="Poppins" panose="00000800000000000000" pitchFamily="2" charset="0"/>
+                <a:cs typeface="Poppins" panose="00000800000000000000" pitchFamily="2" charset="0"/>
+              </a:rPr>
+              <a:t>sa</a:t>
+            </a:r>
+            <a:r>
+              <a:rPr lang="en-US" dirty="0">
+                <a:latin typeface="Poppins" panose="00000800000000000000" pitchFamily="2" charset="0"/>
+                <a:cs typeface="Poppins" panose="00000800000000000000" pitchFamily="2" charset="0"/>
+              </a:rPr>
+              <a:t> Node.js</a:t>
+            </a:r>
+            <a:r>
+              <a:rPr lang="sr-Latn-RS" dirty="0">
+                <a:latin typeface="Poppins" panose="00000800000000000000" pitchFamily="2" charset="0"/>
+                <a:cs typeface="Poppins" panose="00000800000000000000" pitchFamily="2" charset="0"/>
+              </a:rPr>
+              <a:t> i Socket.io</a:t>
             </a:r>
             <a:endParaRPr lang="en-US" dirty="0">
               <a:latin typeface="Poppins" panose="00000800000000000000" pitchFamily="2" charset="0"/>
@@ -5011,22 +5077,25 @@
             </a:endParaRPr>
           </a:p>
           <a:p>
-            <a:r>
-              <a:rPr lang="en-US" dirty="0">
-                <a:latin typeface="Poppins" panose="00000800000000000000" pitchFamily="2" charset="0"/>
-                <a:cs typeface="Poppins" panose="00000800000000000000" pitchFamily="2" charset="0"/>
-              </a:rPr>
-              <a:t>Material Design Bootstrap</a:t>
-            </a:r>
+            <a:endParaRPr lang="en-US" dirty="0">
+              <a:latin typeface="Poppins" panose="00000800000000000000" pitchFamily="2" charset="0"/>
+              <a:cs typeface="Poppins" panose="00000800000000000000" pitchFamily="2" charset="0"/>
+            </a:endParaRPr>
+          </a:p>
+          <a:p>
+            <a:endParaRPr lang="en-US" dirty="0">
+              <a:latin typeface="Poppins" panose="00000800000000000000" pitchFamily="2" charset="0"/>
+              <a:cs typeface="Poppins" panose="00000800000000000000" pitchFamily="2" charset="0"/>
+            </a:endParaRPr>
           </a:p>
         </p:txBody>
       </p:sp>
       <p:pic>
         <p:nvPicPr>
-          <p:cNvPr id="10" name="Picture 9">
-            <a:extLst>
-              <a:ext uri="{FF2B5EF4-FFF2-40B4-BE49-F238E27FC236}">
-                <a16:creationId xmlns:a16="http://schemas.microsoft.com/office/drawing/2014/main" id="{6396AC0D-A380-49DE-B68A-EBC3A75E7F6C}"/>
+          <p:cNvPr id="4" name="Picture 3">
+            <a:extLst>
+              <a:ext uri="{FF2B5EF4-FFF2-40B4-BE49-F238E27FC236}">
+                <a16:creationId xmlns:a16="http://schemas.microsoft.com/office/drawing/2014/main" id="{50EA0990-E0AE-4A77-AD00-3F3588AE0C3F}"/>
               </a:ext>
             </a:extLst>
           </p:cNvPr>
@@ -5049,8 +5118,8 @@
         </p:blipFill>
         <p:spPr>
           <a:xfrm>
-            <a:off x="7910804" y="3175517"/>
-            <a:ext cx="1662405" cy="1662405"/>
+            <a:off x="8001608" y="2593910"/>
+            <a:ext cx="1410475" cy="1866122"/>
           </a:xfrm>
           <a:prstGeom prst="rect">
             <a:avLst/>
@@ -5060,7 +5129,7 @@
     </p:spTree>
     <p:extLst>
       <p:ext uri="{BB962C8B-B14F-4D97-AF65-F5344CB8AC3E}">
-        <p14:creationId xmlns:p14="http://schemas.microsoft.com/office/powerpoint/2010/main" val="4228688664"/>
+        <p14:creationId xmlns:p14="http://schemas.microsoft.com/office/powerpoint/2010/main" val="138536592"/>
       </p:ext>
     </p:extLst>
   </p:cSld>
@@ -5106,7 +5175,7 @@
           <p:cNvPr id="3" name="Content Placeholder 2">
             <a:extLst>
               <a:ext uri="{FF2B5EF4-FFF2-40B4-BE49-F238E27FC236}">
-                <a16:creationId xmlns:a16="http://schemas.microsoft.com/office/drawing/2014/main" id="{3E0D7515-C89D-4928-80C4-42A82C62CEDC}"/>
+                <a16:creationId xmlns:a16="http://schemas.microsoft.com/office/drawing/2014/main" id="{6046A970-E5A3-4A2D-8844-5D2D71318B90}"/>
               </a:ext>
             </a:extLst>
           </p:cNvPr>
@@ -5119,8 +5188,8 @@
         </p:nvSpPr>
         <p:spPr>
           <a:xfrm>
-            <a:off x="2705878" y="2034073"/>
-            <a:ext cx="6969967" cy="4320074"/>
+            <a:off x="2724538" y="2043403"/>
+            <a:ext cx="6923315" cy="4394719"/>
           </a:xfrm>
         </p:spPr>
         <p:txBody>
@@ -5133,35 +5202,14 @@
               <a:buNone/>
             </a:pPr>
             <a:r>
-              <a:rPr lang="en-US" sz="3200" b="1" dirty="0" err="1">
-                <a:latin typeface="Poppins" panose="00000800000000000000" pitchFamily="2" charset="0"/>
-                <a:cs typeface="Poppins" panose="00000800000000000000" pitchFamily="2" charset="0"/>
-              </a:rPr>
-              <a:t>Mobilna</a:t>
-            </a:r>
-            <a:r>
               <a:rPr lang="en-US" sz="3200" b="1" dirty="0">
                 <a:latin typeface="Poppins" panose="00000800000000000000" pitchFamily="2" charset="0"/>
                 <a:cs typeface="Poppins" panose="00000800000000000000" pitchFamily="2" charset="0"/>
               </a:rPr>
-              <a:t> </a:t>
-            </a:r>
-            <a:r>
-              <a:rPr lang="en-US" sz="3200" b="1" dirty="0" err="1">
-                <a:latin typeface="Poppins" panose="00000800000000000000" pitchFamily="2" charset="0"/>
-                <a:cs typeface="Poppins" panose="00000800000000000000" pitchFamily="2" charset="0"/>
-              </a:rPr>
-              <a:t>aplikacija</a:t>
-            </a:r>
-            <a:r>
-              <a:rPr lang="en-US" sz="3200" b="1" dirty="0">
-                <a:latin typeface="Poppins" panose="00000800000000000000" pitchFamily="2" charset="0"/>
-                <a:cs typeface="Poppins" panose="00000800000000000000" pitchFamily="2" charset="0"/>
-              </a:rPr>
-              <a:t> </a:t>
-            </a:r>
-            <a:r>
-              <a:rPr lang="en-US" sz="3200" b="1" dirty="0" err="1">
+              <a:t>Hosting </a:t>
+            </a:r>
+            <a:r>
+              <a:rPr lang="sr-Latn-RS" sz="3200" b="1" dirty="0">
                 <a:latin typeface="Poppins" panose="00000800000000000000" pitchFamily="2" charset="0"/>
                 <a:cs typeface="Poppins" panose="00000800000000000000" pitchFamily="2" charset="0"/>
               </a:rPr>
@@ -5178,42 +5226,36 @@
                 <a:latin typeface="Poppins" panose="00000800000000000000" pitchFamily="2" charset="0"/>
                 <a:cs typeface="Poppins" panose="00000800000000000000" pitchFamily="2" charset="0"/>
               </a:rPr>
-              <a:t>React Native </a:t>
-            </a:r>
-            <a:r>
-              <a:rPr lang="en-US" dirty="0" err="1">
-                <a:latin typeface="Poppins" panose="00000800000000000000" pitchFamily="2" charset="0"/>
-                <a:cs typeface="Poppins" panose="00000800000000000000" pitchFamily="2" charset="0"/>
-              </a:rPr>
-              <a:t>sa</a:t>
-            </a:r>
+              <a:t>cPanel </a:t>
+            </a:r>
+            <a:endParaRPr lang="sr-Latn-RS" dirty="0">
+              <a:latin typeface="Poppins" panose="00000800000000000000" pitchFamily="2" charset="0"/>
+              <a:cs typeface="Poppins" panose="00000800000000000000" pitchFamily="2" charset="0"/>
+            </a:endParaRPr>
+          </a:p>
+          <a:p>
             <a:r>
               <a:rPr lang="en-US" dirty="0">
                 <a:latin typeface="Poppins" panose="00000800000000000000" pitchFamily="2" charset="0"/>
                 <a:cs typeface="Poppins" panose="00000800000000000000" pitchFamily="2" charset="0"/>
               </a:rPr>
-              <a:t> </a:t>
-            </a:r>
-            <a:r>
-              <a:rPr lang="en-US" dirty="0" err="1">
-                <a:latin typeface="Poppins" panose="00000800000000000000" pitchFamily="2" charset="0"/>
-                <a:cs typeface="Poppins" panose="00000800000000000000" pitchFamily="2" charset="0"/>
-              </a:rPr>
-              <a:t>klasnim</a:t>
-            </a:r>
+              <a:t>Apache 2.4</a:t>
+            </a:r>
+          </a:p>
+          <a:p>
             <a:r>
               <a:rPr lang="en-US" dirty="0">
                 <a:latin typeface="Poppins" panose="00000800000000000000" pitchFamily="2" charset="0"/>
                 <a:cs typeface="Poppins" panose="00000800000000000000" pitchFamily="2" charset="0"/>
               </a:rPr>
-              <a:t> </a:t>
-            </a:r>
-            <a:r>
-              <a:rPr lang="en-US" dirty="0" err="1">
-                <a:latin typeface="Poppins" panose="00000800000000000000" pitchFamily="2" charset="0"/>
-                <a:cs typeface="Poppins" panose="00000800000000000000" pitchFamily="2" charset="0"/>
-              </a:rPr>
-              <a:t>komponentama</a:t>
+              <a:t>SSL </a:t>
+            </a:r>
+            <a:r>
+              <a:rPr lang="sr-Latn-RS" dirty="0" err="1">
+                <a:latin typeface="Poppins" panose="00000800000000000000" pitchFamily="2" charset="0"/>
+                <a:cs typeface="Poppins" panose="00000800000000000000" pitchFamily="2" charset="0"/>
+              </a:rPr>
+              <a:t>enkripcija</a:t>
             </a:r>
             <a:endParaRPr lang="en-US" dirty="0">
               <a:latin typeface="Poppins" panose="00000800000000000000" pitchFamily="2" charset="0"/>
@@ -5226,84 +5268,63 @@
                 <a:latin typeface="Poppins" panose="00000800000000000000" pitchFamily="2" charset="0"/>
                 <a:cs typeface="Poppins" panose="00000800000000000000" pitchFamily="2" charset="0"/>
               </a:rPr>
-              <a:t>React Native Paper</a:t>
-            </a:r>
-          </a:p>
-          <a:p>
+              <a:t>PHP </a:t>
+            </a:r>
+            <a:r>
+              <a:rPr lang="sr-Latn-RS" dirty="0">
+                <a:latin typeface="Poppins" panose="00000800000000000000" pitchFamily="2" charset="0"/>
+                <a:cs typeface="Poppins" panose="00000800000000000000" pitchFamily="2" charset="0"/>
+              </a:rPr>
+              <a:t>v</a:t>
+            </a:r>
             <a:r>
               <a:rPr lang="en-US" dirty="0">
                 <a:latin typeface="Poppins" panose="00000800000000000000" pitchFamily="2" charset="0"/>
                 <a:cs typeface="Poppins" panose="00000800000000000000" pitchFamily="2" charset="0"/>
               </a:rPr>
-              <a:t>React Navigation 5</a:t>
-            </a:r>
-          </a:p>
-          <a:p>
+              <a:t>7.4</a:t>
+            </a:r>
+          </a:p>
+          <a:p>
+            <a:r>
+              <a:rPr lang="en-US" dirty="0">
+                <a:latin typeface="Poppins" panose="00000800000000000000" pitchFamily="2" charset="0"/>
+                <a:cs typeface="Poppins" panose="00000800000000000000" pitchFamily="2" charset="0"/>
+              </a:rPr>
+              <a:t>MySQL </a:t>
+            </a:r>
             <a:r>
               <a:rPr lang="sr-Latn-RS" dirty="0">
                 <a:latin typeface="Poppins" panose="00000800000000000000" pitchFamily="2" charset="0"/>
                 <a:cs typeface="Poppins" panose="00000800000000000000" pitchFamily="2" charset="0"/>
               </a:rPr>
-              <a:t>Čet </a:t>
+              <a:t>v</a:t>
             </a:r>
             <a:r>
               <a:rPr lang="en-US" dirty="0">
                 <a:latin typeface="Poppins" panose="00000800000000000000" pitchFamily="2" charset="0"/>
                 <a:cs typeface="Poppins" panose="00000800000000000000" pitchFamily="2" charset="0"/>
               </a:rPr>
-              <a:t>s</a:t>
-            </a:r>
-            <a:r>
-              <a:rPr lang="sr-Latn-RS" dirty="0">
-                <a:latin typeface="Poppins" panose="00000800000000000000" pitchFamily="2" charset="0"/>
-                <a:cs typeface="Poppins" panose="00000800000000000000" pitchFamily="2" charset="0"/>
-              </a:rPr>
-              <a:t>i</a:t>
-            </a:r>
+              <a:t>5.7.31</a:t>
+            </a:r>
+          </a:p>
+          <a:p>
             <a:r>
               <a:rPr lang="en-US" dirty="0">
                 <a:latin typeface="Poppins" panose="00000800000000000000" pitchFamily="2" charset="0"/>
                 <a:cs typeface="Poppins" panose="00000800000000000000" pitchFamily="2" charset="0"/>
               </a:rPr>
-              <a:t>stem </a:t>
-            </a:r>
-            <a:r>
-              <a:rPr lang="sr-Latn-RS" dirty="0">
-                <a:latin typeface="Poppins" panose="00000800000000000000" pitchFamily="2" charset="0"/>
-                <a:cs typeface="Poppins" panose="00000800000000000000" pitchFamily="2" charset="0"/>
-              </a:rPr>
-              <a:t>sa</a:t>
-            </a:r>
+              <a:t>Node.js v10.22</a:t>
+            </a:r>
+          </a:p>
+          <a:p>
             <a:r>
               <a:rPr lang="en-US" dirty="0">
                 <a:latin typeface="Poppins" panose="00000800000000000000" pitchFamily="2" charset="0"/>
                 <a:cs typeface="Poppins" panose="00000800000000000000" pitchFamily="2" charset="0"/>
               </a:rPr>
-              <a:t> Node.js</a:t>
-            </a:r>
-            <a:r>
-              <a:rPr lang="sr-Latn-RS" dirty="0">
-                <a:latin typeface="Poppins" panose="00000800000000000000" pitchFamily="2" charset="0"/>
-                <a:cs typeface="Poppins" panose="00000800000000000000" pitchFamily="2" charset="0"/>
-              </a:rPr>
-              <a:t> i Socket.io</a:t>
-            </a:r>
-            <a:endParaRPr lang="en-US" dirty="0">
-              <a:latin typeface="Poppins" panose="00000800000000000000" pitchFamily="2" charset="0"/>
-              <a:cs typeface="Poppins" panose="00000800000000000000" pitchFamily="2" charset="0"/>
-            </a:endParaRPr>
-          </a:p>
-          <a:p>
-            <a:endParaRPr lang="en-US" dirty="0">
-              <a:latin typeface="Poppins" panose="00000800000000000000" pitchFamily="2" charset="0"/>
-              <a:cs typeface="Poppins" panose="00000800000000000000" pitchFamily="2" charset="0"/>
-            </a:endParaRPr>
-          </a:p>
-          <a:p>
-            <a:endParaRPr lang="en-US" dirty="0">
-              <a:latin typeface="Poppins" panose="00000800000000000000" pitchFamily="2" charset="0"/>
-              <a:cs typeface="Poppins" panose="00000800000000000000" pitchFamily="2" charset="0"/>
-            </a:endParaRPr>
+              <a:t>Cron jobs</a:t>
+            </a:r>
           </a:p>
         </p:txBody>
       </p:sp>
@@ -5312,7 +5333,7 @@
           <p:cNvPr id="4" name="Picture 3">
             <a:extLst>
               <a:ext uri="{FF2B5EF4-FFF2-40B4-BE49-F238E27FC236}">
-                <a16:creationId xmlns:a16="http://schemas.microsoft.com/office/drawing/2014/main" id="{50EA0990-E0AE-4A77-AD00-3F3588AE0C3F}"/>
+                <a16:creationId xmlns:a16="http://schemas.microsoft.com/office/drawing/2014/main" id="{2D2EDC88-E62F-4068-B842-FEC95CD2B159}"/>
               </a:ext>
             </a:extLst>
           </p:cNvPr>
@@ -5335,8 +5356,8 @@
         </p:blipFill>
         <p:spPr>
           <a:xfrm>
-            <a:off x="8001608" y="2593910"/>
-            <a:ext cx="1410475" cy="1866122"/>
+            <a:off x="6096000" y="3675322"/>
+            <a:ext cx="3255183" cy="1298288"/>
           </a:xfrm>
           <a:prstGeom prst="rect">
             <a:avLst/>
@@ -5346,7 +5367,7 @@
     </p:spTree>
     <p:extLst>
       <p:ext uri="{BB962C8B-B14F-4D97-AF65-F5344CB8AC3E}">
-        <p14:creationId xmlns:p14="http://schemas.microsoft.com/office/powerpoint/2010/main" val="138536592"/>
+        <p14:creationId xmlns:p14="http://schemas.microsoft.com/office/powerpoint/2010/main" val="136085655"/>
       </p:ext>
     </p:extLst>
   </p:cSld>
@@ -5392,7 +5413,7 @@
           <p:cNvPr id="3" name="Content Placeholder 2">
             <a:extLst>
               <a:ext uri="{FF2B5EF4-FFF2-40B4-BE49-F238E27FC236}">
-                <a16:creationId xmlns:a16="http://schemas.microsoft.com/office/drawing/2014/main" id="{6046A970-E5A3-4A2D-8844-5D2D71318B90}"/>
+                <a16:creationId xmlns:a16="http://schemas.microsoft.com/office/drawing/2014/main" id="{2DCEFBBB-9B80-42BD-B675-F87A4308C9CA}"/>
               </a:ext>
             </a:extLst>
           </p:cNvPr>
@@ -5405,32 +5426,30 @@
         </p:nvSpPr>
         <p:spPr>
           <a:xfrm>
-            <a:off x="2724538" y="2043403"/>
-            <a:ext cx="6923315" cy="4394719"/>
+            <a:off x="2715208" y="2024743"/>
+            <a:ext cx="6904653" cy="4320073"/>
           </a:xfrm>
         </p:spPr>
         <p:txBody>
-          <a:bodyPr>
-            <a:normAutofit/>
-          </a:bodyPr>
+          <a:bodyPr/>
           <a:lstStyle/>
           <a:p>
             <a:pPr marL="0" indent="0" algn="ctr">
               <a:buNone/>
             </a:pPr>
             <a:r>
-              <a:rPr lang="en-US" sz="3200" b="1" dirty="0">
-                <a:latin typeface="Poppins" panose="00000800000000000000" pitchFamily="2" charset="0"/>
-                <a:cs typeface="Poppins" panose="00000800000000000000" pitchFamily="2" charset="0"/>
-              </a:rPr>
-              <a:t>Hosting </a:t>
-            </a:r>
-            <a:r>
               <a:rPr lang="sr-Latn-RS" sz="3200" b="1" dirty="0">
                 <a:latin typeface="Poppins" panose="00000800000000000000" pitchFamily="2" charset="0"/>
                 <a:cs typeface="Poppins" panose="00000800000000000000" pitchFamily="2" charset="0"/>
               </a:rPr>
-              <a:t>specifikacije</a:t>
+              <a:t>Sistem za </a:t>
+            </a:r>
+            <a:r>
+              <a:rPr lang="sr-Latn-RS" sz="3200" b="1" dirty="0" err="1">
+                <a:latin typeface="Poppins" panose="00000800000000000000" pitchFamily="2" charset="0"/>
+                <a:cs typeface="Poppins" panose="00000800000000000000" pitchFamily="2" charset="0"/>
+              </a:rPr>
+              <a:t>verzioniranje</a:t>
             </a:r>
             <a:endParaRPr lang="en-US" sz="3200" b="1" dirty="0">
               <a:latin typeface="Poppins" panose="00000800000000000000" pitchFamily="2" charset="0"/>
@@ -5443,36 +5462,16 @@
                 <a:latin typeface="Poppins" panose="00000800000000000000" pitchFamily="2" charset="0"/>
                 <a:cs typeface="Poppins" panose="00000800000000000000" pitchFamily="2" charset="0"/>
               </a:rPr>
-              <a:t>cPanel </a:t>
-            </a:r>
-            <a:endParaRPr lang="sr-Latn-RS" dirty="0">
-              <a:latin typeface="Poppins" panose="00000800000000000000" pitchFamily="2" charset="0"/>
-              <a:cs typeface="Poppins" panose="00000800000000000000" pitchFamily="2" charset="0"/>
-            </a:endParaRPr>
-          </a:p>
-          <a:p>
-            <a:r>
-              <a:rPr lang="en-US" dirty="0">
-                <a:latin typeface="Poppins" panose="00000800000000000000" pitchFamily="2" charset="0"/>
-                <a:cs typeface="Poppins" panose="00000800000000000000" pitchFamily="2" charset="0"/>
-              </a:rPr>
-              <a:t>Apache 2.4</a:t>
-            </a:r>
-          </a:p>
-          <a:p>
-            <a:r>
-              <a:rPr lang="en-US" dirty="0">
-                <a:latin typeface="Poppins" panose="00000800000000000000" pitchFamily="2" charset="0"/>
-                <a:cs typeface="Poppins" panose="00000800000000000000" pitchFamily="2" charset="0"/>
-              </a:rPr>
-              <a:t>SSL </a:t>
-            </a:r>
-            <a:r>
-              <a:rPr lang="sr-Latn-RS" dirty="0" err="1">
-                <a:latin typeface="Poppins" panose="00000800000000000000" pitchFamily="2" charset="0"/>
-                <a:cs typeface="Poppins" panose="00000800000000000000" pitchFamily="2" charset="0"/>
-              </a:rPr>
-              <a:t>enkripcija</a:t>
+              <a:t>GitHub</a:t>
+            </a:r>
+          </a:p>
+          <a:p>
+            <a:r>
+              <a:rPr lang="sr-Latn-RS" dirty="0">
+                <a:latin typeface="Poppins" panose="00000800000000000000" pitchFamily="2" charset="0"/>
+                <a:cs typeface="Poppins" panose="00000800000000000000" pitchFamily="2" charset="0"/>
+              </a:rPr>
+              <a:t>Preko 100 komitova</a:t>
             </a:r>
             <a:endParaRPr lang="en-US" dirty="0">
               <a:latin typeface="Poppins" panose="00000800000000000000" pitchFamily="2" charset="0"/>
@@ -5481,26 +5480,44 @@
           </a:p>
           <a:p>
             <a:r>
+              <a:rPr lang="sr-Latn-RS" dirty="0">
+                <a:latin typeface="Poppins" panose="00000800000000000000" pitchFamily="2" charset="0"/>
+                <a:cs typeface="Poppins" panose="00000800000000000000" pitchFamily="2" charset="0"/>
+              </a:rPr>
+              <a:t>Oko</a:t>
+            </a:r>
+            <a:r>
               <a:rPr lang="en-US" dirty="0">
                 <a:latin typeface="Poppins" panose="00000800000000000000" pitchFamily="2" charset="0"/>
                 <a:cs typeface="Poppins" panose="00000800000000000000" pitchFamily="2" charset="0"/>
               </a:rPr>
-              <a:t>PHP </a:t>
+              <a:t> 100</a:t>
             </a:r>
             <a:r>
               <a:rPr lang="sr-Latn-RS" dirty="0">
                 <a:latin typeface="Poppins" panose="00000800000000000000" pitchFamily="2" charset="0"/>
                 <a:cs typeface="Poppins" panose="00000800000000000000" pitchFamily="2" charset="0"/>
               </a:rPr>
-              <a:t>v</a:t>
+              <a:t>,000</a:t>
             </a:r>
             <a:r>
               <a:rPr lang="en-US" dirty="0">
                 <a:latin typeface="Poppins" panose="00000800000000000000" pitchFamily="2" charset="0"/>
                 <a:cs typeface="Poppins" panose="00000800000000000000" pitchFamily="2" charset="0"/>
               </a:rPr>
-              <a:t>7.4</a:t>
-            </a:r>
+              <a:t> </a:t>
+            </a:r>
+            <a:r>
+              <a:rPr lang="sr-Latn-RS" dirty="0">
+                <a:latin typeface="Poppins" panose="00000800000000000000" pitchFamily="2" charset="0"/>
+                <a:cs typeface="Poppins" panose="00000800000000000000" pitchFamily="2" charset="0"/>
+              </a:rPr>
+              <a:t>linija koda</a:t>
+            </a:r>
+            <a:endParaRPr lang="en-US" dirty="0">
+              <a:latin typeface="Poppins" panose="00000800000000000000" pitchFamily="2" charset="0"/>
+              <a:cs typeface="Poppins" panose="00000800000000000000" pitchFamily="2" charset="0"/>
+            </a:endParaRPr>
           </a:p>
           <a:p>
             <a:r>
@@ -5508,40 +5525,37 @@
                 <a:latin typeface="Poppins" panose="00000800000000000000" pitchFamily="2" charset="0"/>
                 <a:cs typeface="Poppins" panose="00000800000000000000" pitchFamily="2" charset="0"/>
               </a:rPr>
-              <a:t>MySQL </a:t>
+              <a:t>60% JavaScript</a:t>
+            </a:r>
+          </a:p>
+          <a:p>
+            <a:r>
+              <a:rPr lang="en-US" dirty="0">
+                <a:latin typeface="Poppins" panose="00000800000000000000" pitchFamily="2" charset="0"/>
+                <a:cs typeface="Poppins" panose="00000800000000000000" pitchFamily="2" charset="0"/>
+              </a:rPr>
+              <a:t>33% PHP</a:t>
+            </a:r>
+          </a:p>
+          <a:p>
+            <a:r>
+              <a:rPr lang="en-US" dirty="0">
+                <a:latin typeface="Poppins" panose="00000800000000000000" pitchFamily="2" charset="0"/>
+                <a:cs typeface="Poppins" panose="00000800000000000000" pitchFamily="2" charset="0"/>
+              </a:rPr>
+              <a:t>9% </a:t>
             </a:r>
             <a:r>
               <a:rPr lang="sr-Latn-RS" dirty="0">
                 <a:latin typeface="Poppins" panose="00000800000000000000" pitchFamily="2" charset="0"/>
                 <a:cs typeface="Poppins" panose="00000800000000000000" pitchFamily="2" charset="0"/>
               </a:rPr>
-              <a:t>v</a:t>
-            </a:r>
-            <a:r>
-              <a:rPr lang="en-US" dirty="0">
-                <a:latin typeface="Poppins" panose="00000800000000000000" pitchFamily="2" charset="0"/>
-                <a:cs typeface="Poppins" panose="00000800000000000000" pitchFamily="2" charset="0"/>
-              </a:rPr>
-              <a:t>5.7.31</a:t>
-            </a:r>
-          </a:p>
-          <a:p>
-            <a:r>
-              <a:rPr lang="en-US" dirty="0">
-                <a:latin typeface="Poppins" panose="00000800000000000000" pitchFamily="2" charset="0"/>
-                <a:cs typeface="Poppins" panose="00000800000000000000" pitchFamily="2" charset="0"/>
-              </a:rPr>
-              <a:t>Node.js v10.22</a:t>
-            </a:r>
-          </a:p>
-          <a:p>
-            <a:r>
-              <a:rPr lang="en-US" dirty="0">
-                <a:latin typeface="Poppins" panose="00000800000000000000" pitchFamily="2" charset="0"/>
-                <a:cs typeface="Poppins" panose="00000800000000000000" pitchFamily="2" charset="0"/>
-              </a:rPr>
-              <a:t>Cron jobs</a:t>
-            </a:r>
+              <a:t>ostalo</a:t>
+            </a:r>
+            <a:endParaRPr lang="en-US" dirty="0">
+              <a:latin typeface="Poppins" panose="00000800000000000000" pitchFamily="2" charset="0"/>
+              <a:cs typeface="Poppins" panose="00000800000000000000" pitchFamily="2" charset="0"/>
+            </a:endParaRPr>
           </a:p>
         </p:txBody>
       </p:sp>
@@ -5550,7 +5564,7 @@
           <p:cNvPr id="4" name="Picture 3">
             <a:extLst>
               <a:ext uri="{FF2B5EF4-FFF2-40B4-BE49-F238E27FC236}">
-                <a16:creationId xmlns:a16="http://schemas.microsoft.com/office/drawing/2014/main" id="{2D2EDC88-E62F-4068-B842-FEC95CD2B159}"/>
+                <a16:creationId xmlns:a16="http://schemas.microsoft.com/office/drawing/2014/main" id="{9A5F535D-6A4A-42C9-8CD5-536EE5AF96AD}"/>
               </a:ext>
             </a:extLst>
           </p:cNvPr>
@@ -5573,8 +5587,8 @@
         </p:blipFill>
         <p:spPr>
           <a:xfrm>
-            <a:off x="6096000" y="3675322"/>
-            <a:ext cx="3255183" cy="1298288"/>
+            <a:off x="5953455" y="4101833"/>
+            <a:ext cx="3523337" cy="1945431"/>
           </a:xfrm>
           <a:prstGeom prst="rect">
             <a:avLst/>
@@ -5584,7 +5598,7 @@
     </p:spTree>
     <p:extLst>
       <p:ext uri="{BB962C8B-B14F-4D97-AF65-F5344CB8AC3E}">
-        <p14:creationId xmlns:p14="http://schemas.microsoft.com/office/powerpoint/2010/main" val="136085655"/>
+        <p14:creationId xmlns:p14="http://schemas.microsoft.com/office/powerpoint/2010/main" val="2376609314"/>
       </p:ext>
     </p:extLst>
   </p:cSld>
